--- a/Workshop_4/Session 4_ XSS and CSRF.pptx
+++ b/Workshop_4/Session 4_ XSS and CSRF.pptx
@@ -1,30 +1,29 @@
 
 <file path=ppt/presentation.xml><?xml version="1.0" encoding="utf-8"?>
-<p:presentation xmlns:a="http://schemas.openxmlformats.org/drawingml/2006/main" xmlns:r="http://schemas.openxmlformats.org/officeDocument/2006/relationships" xmlns:mc="http://schemas.openxmlformats.org/markup-compatibility/2006" xmlns:mv="urn:schemas-microsoft-com:mac:vml" xmlns:p="http://schemas.openxmlformats.org/presentationml/2006/main" xmlns:c="http://schemas.openxmlformats.org/drawingml/2006/chart" xmlns:dgm="http://schemas.openxmlformats.org/drawingml/2006/diagram" xmlns:o="urn:schemas-microsoft-com:office:office" xmlns:v="urn:schemas-microsoft-com:vml" xmlns:pvml="urn:schemas-microsoft-com:office:powerpoint" xmlns:com="http://schemas.openxmlformats.org/drawingml/2006/compatibility" xmlns:p14="http://schemas.microsoft.com/office/powerpoint/2010/main" xmlns:p15="http://schemas.microsoft.com/office/powerpoint/2012/main" autoCompressPictures="0" strictFirstAndLastChars="0" saveSubsetFonts="1">
+<p:presentation xmlns:a="http://schemas.openxmlformats.org/drawingml/2006/main" xmlns:r="http://schemas.openxmlformats.org/officeDocument/2006/relationships" xmlns:p="http://schemas.openxmlformats.org/presentationml/2006/main" strictFirstAndLastChars="0" saveSubsetFonts="1" autoCompressPictures="0">
   <p:sldMasterIdLst>
-    <p:sldMasterId id="2147483659" r:id="rId3"/>
+    <p:sldMasterId id="2147483659" r:id="rId1"/>
   </p:sldMasterIdLst>
   <p:notesMasterIdLst>
-    <p:notesMasterId r:id="rId4"/>
+    <p:notesMasterId r:id="rId13"/>
   </p:notesMasterIdLst>
   <p:sldIdLst>
-    <p:sldId id="256" r:id="rId5"/>
-    <p:sldId id="257" r:id="rId6"/>
-    <p:sldId id="258" r:id="rId7"/>
-    <p:sldId id="259" r:id="rId8"/>
-    <p:sldId id="260" r:id="rId9"/>
-    <p:sldId id="261" r:id="rId10"/>
+    <p:sldId id="256" r:id="rId2"/>
+    <p:sldId id="257" r:id="rId3"/>
+    <p:sldId id="258" r:id="rId4"/>
+    <p:sldId id="259" r:id="rId5"/>
+    <p:sldId id="260" r:id="rId6"/>
+    <p:sldId id="261" r:id="rId7"/>
+    <p:sldId id="263" r:id="rId8"/>
+    <p:sldId id="264" r:id="rId9"/>
+    <p:sldId id="265" r:id="rId10"/>
     <p:sldId id="262" r:id="rId11"/>
-    <p:sldId id="263" r:id="rId12"/>
-    <p:sldId id="264" r:id="rId13"/>
-    <p:sldId id="265" r:id="rId14"/>
-    <p:sldId id="266" r:id="rId15"/>
-    <p:sldId id="267" r:id="rId16"/>
+    <p:sldId id="266" r:id="rId12"/>
   </p:sldIdLst>
-  <p:sldSz cy="5143500" cx="9144000"/>
+  <p:sldSz cx="9144000" cy="5143500" type="screen16x9"/>
   <p:notesSz cx="6858000" cy="9144000"/>
   <p:defaultTextStyle>
-    <a:defPPr lvl="0" marR="0" rtl="0" algn="l">
+    <a:defPPr marR="0" lvl="0" algn="l" rtl="0">
       <a:lnSpc>
         <a:spcPct val="100000"/>
       </a:lnSpc>
@@ -35,7 +34,7 @@
         <a:spcPts val="0"/>
       </a:spcAft>
     </a:defPPr>
-    <a:lvl1pPr lvl="0" marR="0" rtl="0" algn="l">
+    <a:lvl1pPr marR="0" lvl="0" algn="l" rtl="0">
       <a:lnSpc>
         <a:spcPct val="100000"/>
       </a:lnSpc>
@@ -49,7 +48,7 @@
         <a:srgbClr val="000000"/>
       </a:buClr>
       <a:buFont typeface="Arial"/>
-      <a:defRPr b="0" i="0" sz="1400" u="none" cap="none" strike="noStrike">
+      <a:defRPr sz="1400" b="0" i="0" u="none" strike="noStrike" cap="none">
         <a:solidFill>
           <a:srgbClr val="000000"/>
         </a:solidFill>
@@ -59,7 +58,7 @@
         <a:sym typeface="Arial"/>
       </a:defRPr>
     </a:lvl1pPr>
-    <a:lvl2pPr lvl="1" marR="0" rtl="0" algn="l">
+    <a:lvl2pPr marR="0" lvl="1" algn="l" rtl="0">
       <a:lnSpc>
         <a:spcPct val="100000"/>
       </a:lnSpc>
@@ -73,7 +72,7 @@
         <a:srgbClr val="000000"/>
       </a:buClr>
       <a:buFont typeface="Arial"/>
-      <a:defRPr b="0" i="0" sz="1400" u="none" cap="none" strike="noStrike">
+      <a:defRPr sz="1400" b="0" i="0" u="none" strike="noStrike" cap="none">
         <a:solidFill>
           <a:srgbClr val="000000"/>
         </a:solidFill>
@@ -83,7 +82,7 @@
         <a:sym typeface="Arial"/>
       </a:defRPr>
     </a:lvl2pPr>
-    <a:lvl3pPr lvl="2" marR="0" rtl="0" algn="l">
+    <a:lvl3pPr marR="0" lvl="2" algn="l" rtl="0">
       <a:lnSpc>
         <a:spcPct val="100000"/>
       </a:lnSpc>
@@ -97,7 +96,7 @@
         <a:srgbClr val="000000"/>
       </a:buClr>
       <a:buFont typeface="Arial"/>
-      <a:defRPr b="0" i="0" sz="1400" u="none" cap="none" strike="noStrike">
+      <a:defRPr sz="1400" b="0" i="0" u="none" strike="noStrike" cap="none">
         <a:solidFill>
           <a:srgbClr val="000000"/>
         </a:solidFill>
@@ -107,7 +106,7 @@
         <a:sym typeface="Arial"/>
       </a:defRPr>
     </a:lvl3pPr>
-    <a:lvl4pPr lvl="3" marR="0" rtl="0" algn="l">
+    <a:lvl4pPr marR="0" lvl="3" algn="l" rtl="0">
       <a:lnSpc>
         <a:spcPct val="100000"/>
       </a:lnSpc>
@@ -121,7 +120,7 @@
         <a:srgbClr val="000000"/>
       </a:buClr>
       <a:buFont typeface="Arial"/>
-      <a:defRPr b="0" i="0" sz="1400" u="none" cap="none" strike="noStrike">
+      <a:defRPr sz="1400" b="0" i="0" u="none" strike="noStrike" cap="none">
         <a:solidFill>
           <a:srgbClr val="000000"/>
         </a:solidFill>
@@ -131,7 +130,7 @@
         <a:sym typeface="Arial"/>
       </a:defRPr>
     </a:lvl4pPr>
-    <a:lvl5pPr lvl="4" marR="0" rtl="0" algn="l">
+    <a:lvl5pPr marR="0" lvl="4" algn="l" rtl="0">
       <a:lnSpc>
         <a:spcPct val="100000"/>
       </a:lnSpc>
@@ -145,7 +144,7 @@
         <a:srgbClr val="000000"/>
       </a:buClr>
       <a:buFont typeface="Arial"/>
-      <a:defRPr b="0" i="0" sz="1400" u="none" cap="none" strike="noStrike">
+      <a:defRPr sz="1400" b="0" i="0" u="none" strike="noStrike" cap="none">
         <a:solidFill>
           <a:srgbClr val="000000"/>
         </a:solidFill>
@@ -155,7 +154,7 @@
         <a:sym typeface="Arial"/>
       </a:defRPr>
     </a:lvl5pPr>
-    <a:lvl6pPr lvl="5" marR="0" rtl="0" algn="l">
+    <a:lvl6pPr marR="0" lvl="5" algn="l" rtl="0">
       <a:lnSpc>
         <a:spcPct val="100000"/>
       </a:lnSpc>
@@ -169,7 +168,7 @@
         <a:srgbClr val="000000"/>
       </a:buClr>
       <a:buFont typeface="Arial"/>
-      <a:defRPr b="0" i="0" sz="1400" u="none" cap="none" strike="noStrike">
+      <a:defRPr sz="1400" b="0" i="0" u="none" strike="noStrike" cap="none">
         <a:solidFill>
           <a:srgbClr val="000000"/>
         </a:solidFill>
@@ -179,7 +178,7 @@
         <a:sym typeface="Arial"/>
       </a:defRPr>
     </a:lvl6pPr>
-    <a:lvl7pPr lvl="6" marR="0" rtl="0" algn="l">
+    <a:lvl7pPr marR="0" lvl="6" algn="l" rtl="0">
       <a:lnSpc>
         <a:spcPct val="100000"/>
       </a:lnSpc>
@@ -193,7 +192,7 @@
         <a:srgbClr val="000000"/>
       </a:buClr>
       <a:buFont typeface="Arial"/>
-      <a:defRPr b="0" i="0" sz="1400" u="none" cap="none" strike="noStrike">
+      <a:defRPr sz="1400" b="0" i="0" u="none" strike="noStrike" cap="none">
         <a:solidFill>
           <a:srgbClr val="000000"/>
         </a:solidFill>
@@ -203,7 +202,7 @@
         <a:sym typeface="Arial"/>
       </a:defRPr>
     </a:lvl7pPr>
-    <a:lvl8pPr lvl="7" marR="0" rtl="0" algn="l">
+    <a:lvl8pPr marR="0" lvl="7" algn="l" rtl="0">
       <a:lnSpc>
         <a:spcPct val="100000"/>
       </a:lnSpc>
@@ -217,7 +216,7 @@
         <a:srgbClr val="000000"/>
       </a:buClr>
       <a:buFont typeface="Arial"/>
-      <a:defRPr b="0" i="0" sz="1400" u="none" cap="none" strike="noStrike">
+      <a:defRPr sz="1400" b="0" i="0" u="none" strike="noStrike" cap="none">
         <a:solidFill>
           <a:srgbClr val="000000"/>
         </a:solidFill>
@@ -227,7 +226,7 @@
         <a:sym typeface="Arial"/>
       </a:defRPr>
     </a:lvl8pPr>
-    <a:lvl9pPr lvl="8" marR="0" rtl="0" algn="l">
+    <a:lvl9pPr marR="0" lvl="8" algn="l" rtl="0">
       <a:lnSpc>
         <a:spcPct val="100000"/>
       </a:lnSpc>
@@ -241,7 +240,7 @@
         <a:srgbClr val="000000"/>
       </a:buClr>
       <a:buFont typeface="Arial"/>
-      <a:defRPr b="0" i="0" sz="1400" u="none" cap="none" strike="noStrike">
+      <a:defRPr sz="1400" b="0" i="0" u="none" strike="noStrike" cap="none">
         <a:solidFill>
           <a:srgbClr val="000000"/>
         </a:solidFill>
@@ -252,15 +251,25 @@
       </a:defRPr>
     </a:lvl9pPr>
   </p:defaultTextStyle>
+  <p:extLst>
+    <p:ext uri="{EFAFB233-063F-42B5-8137-9DF3F51BA10A}">
+      <p15:sldGuideLst xmlns:p15="http://schemas.microsoft.com/office/powerpoint/2012/main"/>
+    </p:ext>
+  </p:extLst>
 </p:presentation>
 </file>
 
 <file path=ppt/notesMasters/notesMaster1.xml><?xml version="1.0" encoding="utf-8"?>
-<p:notesMaster xmlns:a="http://schemas.openxmlformats.org/drawingml/2006/main" xmlns:r="http://schemas.openxmlformats.org/officeDocument/2006/relationships" xmlns:mc="http://schemas.openxmlformats.org/markup-compatibility/2006" xmlns:mv="urn:schemas-microsoft-com:mac:vml" xmlns:p="http://schemas.openxmlformats.org/presentationml/2006/main" xmlns:c="http://schemas.openxmlformats.org/drawingml/2006/chart" xmlns:dgm="http://schemas.openxmlformats.org/drawingml/2006/diagram" xmlns:o="urn:schemas-microsoft-com:office:office" xmlns:v="urn:schemas-microsoft-com:vml" xmlns:pvml="urn:schemas-microsoft-com:office:powerpoint" xmlns:com="http://schemas.openxmlformats.org/drawingml/2006/compatibility" xmlns:p14="http://schemas.microsoft.com/office/powerpoint/2010/main" xmlns:p15="http://schemas.microsoft.com/office/powerpoint/2012/main">
+<p:notesMaster xmlns:a="http://schemas.openxmlformats.org/drawingml/2006/main" xmlns:r="http://schemas.openxmlformats.org/officeDocument/2006/relationships" xmlns:p="http://schemas.openxmlformats.org/presentationml/2006/main">
   <p:cSld>
+    <p:bg>
+      <p:bgRef idx="1001">
+        <a:schemeClr val="bg1"/>
+      </p:bgRef>
+    </p:bg>
     <p:spTree>
       <p:nvGrpSpPr>
-        <p:cNvPr id="2" name="Shape 2"/>
+        <p:cNvPr id="1" name="Shape 2"/>
         <p:cNvGrpSpPr/>
         <p:nvPr/>
       </p:nvGrpSpPr>
@@ -275,9 +284,11 @@
       <p:sp>
         <p:nvSpPr>
           <p:cNvPr id="3" name="Shape 3"/>
-          <p:cNvSpPr/>
+          <p:cNvSpPr>
+            <a:spLocks noGrp="1" noRot="1" noChangeAspect="1"/>
+          </p:cNvSpPr>
           <p:nvPr>
-            <p:ph idx="2" type="sldImg"/>
+            <p:ph type="sldImg" idx="2"/>
           </p:nvPr>
         </p:nvSpPr>
         <p:spPr>
@@ -286,8 +297,13 @@
             <a:ext cx="6096075" cy="3429000"/>
           </a:xfrm>
           <a:custGeom>
+            <a:avLst/>
+            <a:gdLst/>
+            <a:ahLst/>
+            <a:cxnLst/>
+            <a:rect l="0" t="0" r="0" b="0"/>
             <a:pathLst>
-              <a:path extrusionOk="0" h="120000" w="120000">
+              <a:path w="120000" h="120000" extrusionOk="0">
                 <a:moveTo>
                   <a:pt x="0" y="0"/>
                 </a:moveTo>
@@ -305,23 +321,25 @@
             </a:pathLst>
           </a:custGeom>
           <a:noFill/>
-          <a:ln cap="flat" cmpd="sng" w="9525">
+          <a:ln w="9525" cap="flat" cmpd="sng">
             <a:solidFill>
               <a:srgbClr val="000000"/>
             </a:solidFill>
             <a:prstDash val="solid"/>
             <a:round/>
-            <a:headEnd len="sm" w="sm" type="none"/>
-            <a:tailEnd len="sm" w="sm" type="none"/>
+            <a:headEnd type="none" w="sm" len="sm"/>
+            <a:tailEnd type="none" w="sm" len="sm"/>
           </a:ln>
         </p:spPr>
       </p:sp>
       <p:sp>
         <p:nvSpPr>
           <p:cNvPr id="4" name="Shape 4"/>
-          <p:cNvSpPr txBox="1"/>
+          <p:cNvSpPr txBox="1">
+            <a:spLocks noGrp="1"/>
+          </p:cNvSpPr>
           <p:nvPr>
-            <p:ph idx="1" type="body"/>
+            <p:ph type="body" idx="1"/>
           </p:nvPr>
         </p:nvSpPr>
         <p:spPr>
@@ -338,9 +356,9 @@
           </a:ln>
         </p:spPr>
         <p:txBody>
-          <a:bodyPr anchorCtr="0" anchor="t" bIns="91425" lIns="91425" spcFirstLastPara="1" rIns="91425" wrap="square" tIns="91425"/>
+          <a:bodyPr spcFirstLastPara="1" wrap="square" lIns="91425" tIns="91425" rIns="91425" bIns="91425" anchor="t" anchorCtr="0"/>
           <a:lstStyle>
-            <a:lvl1pPr indent="-298450" lvl="0" marL="457200">
+            <a:lvl1pPr marL="457200" lvl="0" indent="-298450">
               <a:spcBef>
                 <a:spcPts val="0"/>
               </a:spcBef>
@@ -351,7 +369,7 @@
               <a:buChar char="●"/>
               <a:defRPr sz="1100"/>
             </a:lvl1pPr>
-            <a:lvl2pPr indent="-298450" lvl="1" marL="914400">
+            <a:lvl2pPr marL="914400" lvl="1" indent="-298450">
               <a:spcBef>
                 <a:spcPts val="0"/>
               </a:spcBef>
@@ -362,7 +380,7 @@
               <a:buChar char="○"/>
               <a:defRPr sz="1100"/>
             </a:lvl2pPr>
-            <a:lvl3pPr indent="-298450" lvl="2" marL="1371600">
+            <a:lvl3pPr marL="1371600" lvl="2" indent="-298450">
               <a:spcBef>
                 <a:spcPts val="0"/>
               </a:spcBef>
@@ -373,7 +391,7 @@
               <a:buChar char="■"/>
               <a:defRPr sz="1100"/>
             </a:lvl3pPr>
-            <a:lvl4pPr indent="-298450" lvl="3" marL="1828800">
+            <a:lvl4pPr marL="1828800" lvl="3" indent="-298450">
               <a:spcBef>
                 <a:spcPts val="0"/>
               </a:spcBef>
@@ -384,7 +402,7 @@
               <a:buChar char="●"/>
               <a:defRPr sz="1100"/>
             </a:lvl4pPr>
-            <a:lvl5pPr indent="-298450" lvl="4" marL="2286000">
+            <a:lvl5pPr marL="2286000" lvl="4" indent="-298450">
               <a:spcBef>
                 <a:spcPts val="0"/>
               </a:spcBef>
@@ -395,7 +413,7 @@
               <a:buChar char="○"/>
               <a:defRPr sz="1100"/>
             </a:lvl5pPr>
-            <a:lvl6pPr indent="-298450" lvl="5" marL="2743200">
+            <a:lvl6pPr marL="2743200" lvl="5" indent="-298450">
               <a:spcBef>
                 <a:spcPts val="0"/>
               </a:spcBef>
@@ -406,7 +424,7 @@
               <a:buChar char="■"/>
               <a:defRPr sz="1100"/>
             </a:lvl6pPr>
-            <a:lvl7pPr indent="-298450" lvl="6" marL="3200400">
+            <a:lvl7pPr marL="3200400" lvl="6" indent="-298450">
               <a:spcBef>
                 <a:spcPts val="0"/>
               </a:spcBef>
@@ -417,7 +435,7 @@
               <a:buChar char="●"/>
               <a:defRPr sz="1100"/>
             </a:lvl7pPr>
-            <a:lvl8pPr indent="-298450" lvl="7" marL="3657600">
+            <a:lvl8pPr marL="3657600" lvl="7" indent="-298450">
               <a:spcBef>
                 <a:spcPts val="0"/>
               </a:spcBef>
@@ -428,7 +446,7 @@
               <a:buChar char="○"/>
               <a:defRPr sz="1100"/>
             </a:lvl8pPr>
-            <a:lvl9pPr indent="-298450" lvl="8" marL="4114800">
+            <a:lvl9pPr marL="4114800" lvl="8" indent="-298450">
               <a:spcBef>
                 <a:spcPts val="0"/>
               </a:spcBef>
@@ -440,14 +458,21 @@
               <a:defRPr sz="1100"/>
             </a:lvl9pPr>
           </a:lstStyle>
-          <a:p/>
+          <a:p>
+            <a:endParaRPr/>
+          </a:p>
         </p:txBody>
       </p:sp>
     </p:spTree>
+    <p:extLst>
+      <p:ext uri="{BB962C8B-B14F-4D97-AF65-F5344CB8AC3E}">
+        <p14:creationId xmlns:p14="http://schemas.microsoft.com/office/powerpoint/2010/main" val="1452679243"/>
+      </p:ext>
+    </p:extLst>
   </p:cSld>
-  <p:clrMap accent1="accent1" accent2="accent2" accent3="accent3" accent4="accent4" accent5="accent5" accent6="accent6" bg1="lt1" bg2="dk2" tx1="dk1" tx2="lt2" folHlink="folHlink" hlink="hlink"/>
+  <p:clrMap bg1="lt1" tx1="dk1" bg2="dk2" tx2="lt2" accent1="accent1" accent2="accent2" accent3="accent3" accent4="accent4" accent5="accent5" accent6="accent6" hlink="hlink" folHlink="folHlink"/>
   <p:notesStyle>
-    <a:defPPr lvl="0" marR="0" rtl="0" algn="l">
+    <a:defPPr marR="0" lvl="0" algn="l" rtl="0">
       <a:lnSpc>
         <a:spcPct val="100000"/>
       </a:lnSpc>
@@ -458,7 +483,7 @@
         <a:spcPts val="0"/>
       </a:spcAft>
     </a:defPPr>
-    <a:lvl1pPr lvl="0" marR="0" rtl="0" algn="l">
+    <a:lvl1pPr marR="0" lvl="0" algn="l" rtl="0">
       <a:lnSpc>
         <a:spcPct val="100000"/>
       </a:lnSpc>
@@ -472,7 +497,7 @@
         <a:srgbClr val="000000"/>
       </a:buClr>
       <a:buFont typeface="Arial"/>
-      <a:defRPr b="0" i="0" sz="1400" u="none" cap="none" strike="noStrike">
+      <a:defRPr sz="1400" b="0" i="0" u="none" strike="noStrike" cap="none">
         <a:solidFill>
           <a:srgbClr val="000000"/>
         </a:solidFill>
@@ -482,7 +507,7 @@
         <a:sym typeface="Arial"/>
       </a:defRPr>
     </a:lvl1pPr>
-    <a:lvl2pPr lvl="1" marR="0" rtl="0" algn="l">
+    <a:lvl2pPr marR="0" lvl="1" algn="l" rtl="0">
       <a:lnSpc>
         <a:spcPct val="100000"/>
       </a:lnSpc>
@@ -496,7 +521,7 @@
         <a:srgbClr val="000000"/>
       </a:buClr>
       <a:buFont typeface="Arial"/>
-      <a:defRPr b="0" i="0" sz="1400" u="none" cap="none" strike="noStrike">
+      <a:defRPr sz="1400" b="0" i="0" u="none" strike="noStrike" cap="none">
         <a:solidFill>
           <a:srgbClr val="000000"/>
         </a:solidFill>
@@ -506,7 +531,7 @@
         <a:sym typeface="Arial"/>
       </a:defRPr>
     </a:lvl2pPr>
-    <a:lvl3pPr lvl="2" marR="0" rtl="0" algn="l">
+    <a:lvl3pPr marR="0" lvl="2" algn="l" rtl="0">
       <a:lnSpc>
         <a:spcPct val="100000"/>
       </a:lnSpc>
@@ -520,7 +545,7 @@
         <a:srgbClr val="000000"/>
       </a:buClr>
       <a:buFont typeface="Arial"/>
-      <a:defRPr b="0" i="0" sz="1400" u="none" cap="none" strike="noStrike">
+      <a:defRPr sz="1400" b="0" i="0" u="none" strike="noStrike" cap="none">
         <a:solidFill>
           <a:srgbClr val="000000"/>
         </a:solidFill>
@@ -530,7 +555,7 @@
         <a:sym typeface="Arial"/>
       </a:defRPr>
     </a:lvl3pPr>
-    <a:lvl4pPr lvl="3" marR="0" rtl="0" algn="l">
+    <a:lvl4pPr marR="0" lvl="3" algn="l" rtl="0">
       <a:lnSpc>
         <a:spcPct val="100000"/>
       </a:lnSpc>
@@ -544,7 +569,7 @@
         <a:srgbClr val="000000"/>
       </a:buClr>
       <a:buFont typeface="Arial"/>
-      <a:defRPr b="0" i="0" sz="1400" u="none" cap="none" strike="noStrike">
+      <a:defRPr sz="1400" b="0" i="0" u="none" strike="noStrike" cap="none">
         <a:solidFill>
           <a:srgbClr val="000000"/>
         </a:solidFill>
@@ -554,7 +579,7 @@
         <a:sym typeface="Arial"/>
       </a:defRPr>
     </a:lvl4pPr>
-    <a:lvl5pPr lvl="4" marR="0" rtl="0" algn="l">
+    <a:lvl5pPr marR="0" lvl="4" algn="l" rtl="0">
       <a:lnSpc>
         <a:spcPct val="100000"/>
       </a:lnSpc>
@@ -568,7 +593,7 @@
         <a:srgbClr val="000000"/>
       </a:buClr>
       <a:buFont typeface="Arial"/>
-      <a:defRPr b="0" i="0" sz="1400" u="none" cap="none" strike="noStrike">
+      <a:defRPr sz="1400" b="0" i="0" u="none" strike="noStrike" cap="none">
         <a:solidFill>
           <a:srgbClr val="000000"/>
         </a:solidFill>
@@ -578,7 +603,7 @@
         <a:sym typeface="Arial"/>
       </a:defRPr>
     </a:lvl5pPr>
-    <a:lvl6pPr lvl="5" marR="0" rtl="0" algn="l">
+    <a:lvl6pPr marR="0" lvl="5" algn="l" rtl="0">
       <a:lnSpc>
         <a:spcPct val="100000"/>
       </a:lnSpc>
@@ -592,7 +617,7 @@
         <a:srgbClr val="000000"/>
       </a:buClr>
       <a:buFont typeface="Arial"/>
-      <a:defRPr b="0" i="0" sz="1400" u="none" cap="none" strike="noStrike">
+      <a:defRPr sz="1400" b="0" i="0" u="none" strike="noStrike" cap="none">
         <a:solidFill>
           <a:srgbClr val="000000"/>
         </a:solidFill>
@@ -602,7 +627,7 @@
         <a:sym typeface="Arial"/>
       </a:defRPr>
     </a:lvl6pPr>
-    <a:lvl7pPr lvl="6" marR="0" rtl="0" algn="l">
+    <a:lvl7pPr marR="0" lvl="6" algn="l" rtl="0">
       <a:lnSpc>
         <a:spcPct val="100000"/>
       </a:lnSpc>
@@ -616,7 +641,7 @@
         <a:srgbClr val="000000"/>
       </a:buClr>
       <a:buFont typeface="Arial"/>
-      <a:defRPr b="0" i="0" sz="1400" u="none" cap="none" strike="noStrike">
+      <a:defRPr sz="1400" b="0" i="0" u="none" strike="noStrike" cap="none">
         <a:solidFill>
           <a:srgbClr val="000000"/>
         </a:solidFill>
@@ -626,7 +651,7 @@
         <a:sym typeface="Arial"/>
       </a:defRPr>
     </a:lvl7pPr>
-    <a:lvl8pPr lvl="7" marR="0" rtl="0" algn="l">
+    <a:lvl8pPr marR="0" lvl="7" algn="l" rtl="0">
       <a:lnSpc>
         <a:spcPct val="100000"/>
       </a:lnSpc>
@@ -640,7 +665,7 @@
         <a:srgbClr val="000000"/>
       </a:buClr>
       <a:buFont typeface="Arial"/>
-      <a:defRPr b="0" i="0" sz="1400" u="none" cap="none" strike="noStrike">
+      <a:defRPr sz="1400" b="0" i="0" u="none" strike="noStrike" cap="none">
         <a:solidFill>
           <a:srgbClr val="000000"/>
         </a:solidFill>
@@ -650,7 +675,7 @@
         <a:sym typeface="Arial"/>
       </a:defRPr>
     </a:lvl8pPr>
-    <a:lvl9pPr lvl="8" marR="0" rtl="0" algn="l">
+    <a:lvl9pPr marR="0" lvl="8" algn="l" rtl="0">
       <a:lnSpc>
         <a:spcPct val="100000"/>
       </a:lnSpc>
@@ -664,7 +689,7 @@
         <a:srgbClr val="000000"/>
       </a:buClr>
       <a:buFont typeface="Arial"/>
-      <a:defRPr b="0" i="0" sz="1400" u="none" cap="none" strike="noStrike">
+      <a:defRPr sz="1400" b="0" i="0" u="none" strike="noStrike" cap="none">
         <a:solidFill>
           <a:srgbClr val="000000"/>
         </a:solidFill>
@@ -679,11 +704,11 @@
 </file>
 
 <file path=ppt/notesSlides/notesSlide1.xml><?xml version="1.0" encoding="utf-8"?>
-<p:notes xmlns:a="http://schemas.openxmlformats.org/drawingml/2006/main" xmlns:r="http://schemas.openxmlformats.org/officeDocument/2006/relationships" xmlns:mc="http://schemas.openxmlformats.org/markup-compatibility/2006" xmlns:mv="urn:schemas-microsoft-com:mac:vml" xmlns:p="http://schemas.openxmlformats.org/presentationml/2006/main" xmlns:c="http://schemas.openxmlformats.org/drawingml/2006/chart" xmlns:dgm="http://schemas.openxmlformats.org/drawingml/2006/diagram" xmlns:o="urn:schemas-microsoft-com:office:office" xmlns:v="urn:schemas-microsoft-com:vml" xmlns:pvml="urn:schemas-microsoft-com:office:powerpoint" xmlns:com="http://schemas.openxmlformats.org/drawingml/2006/compatibility" xmlns:p14="http://schemas.microsoft.com/office/powerpoint/2010/main" xmlns:p15="http://schemas.microsoft.com/office/powerpoint/2012/main" showMasterPhAnim="0" showMasterSp="0">
+<p:notes xmlns:a="http://schemas.openxmlformats.org/drawingml/2006/main" xmlns:r="http://schemas.openxmlformats.org/officeDocument/2006/relationships" xmlns:p="http://schemas.openxmlformats.org/presentationml/2006/main" showMasterSp="0" showMasterPhAnim="0">
   <p:cSld>
     <p:spTree>
       <p:nvGrpSpPr>
-        <p:cNvPr id="50" name="Shape 50"/>
+        <p:cNvPr id="1" name="Shape 50"/>
         <p:cNvGrpSpPr/>
         <p:nvPr/>
       </p:nvGrpSpPr>
@@ -698,19 +723,26 @@
       <p:sp>
         <p:nvSpPr>
           <p:cNvPr id="51" name="Shape 51"/>
-          <p:cNvSpPr/>
+          <p:cNvSpPr>
+            <a:spLocks noGrp="1" noRot="1" noChangeAspect="1"/>
+          </p:cNvSpPr>
           <p:nvPr>
-            <p:ph idx="2" type="sldImg"/>
+            <p:ph type="sldImg" idx="2"/>
           </p:nvPr>
         </p:nvSpPr>
         <p:spPr>
           <a:xfrm>
-            <a:off x="381300" y="685800"/>
-            <a:ext cx="6096075" cy="3429000"/>
+            <a:off x="381000" y="685800"/>
+            <a:ext cx="6096000" cy="3429000"/>
           </a:xfrm>
           <a:custGeom>
+            <a:avLst/>
+            <a:gdLst/>
+            <a:ahLst/>
+            <a:cxnLst/>
+            <a:rect l="0" t="0" r="0" b="0"/>
             <a:pathLst>
-              <a:path extrusionOk="0" h="120000" w="120000">
+              <a:path w="120000" h="120000" extrusionOk="0">
                 <a:moveTo>
                   <a:pt x="0" y="0"/>
                 </a:moveTo>
@@ -732,9 +764,11 @@
       <p:sp>
         <p:nvSpPr>
           <p:cNvPr id="52" name="Shape 52"/>
-          <p:cNvSpPr txBox="1"/>
+          <p:cNvSpPr txBox="1">
+            <a:spLocks noGrp="1"/>
+          </p:cNvSpPr>
           <p:nvPr>
-            <p:ph idx="1" type="body"/>
+            <p:ph type="body" idx="1"/>
           </p:nvPr>
         </p:nvSpPr>
         <p:spPr>
@@ -747,12 +781,12 @@
           </a:prstGeom>
         </p:spPr>
         <p:txBody>
-          <a:bodyPr anchorCtr="0" anchor="t" bIns="91425" lIns="91425" spcFirstLastPara="1" rIns="91425" wrap="square" tIns="91425">
+          <a:bodyPr spcFirstLastPara="1" wrap="square" lIns="91425" tIns="91425" rIns="91425" bIns="91425" anchor="t" anchorCtr="0">
             <a:noAutofit/>
           </a:bodyPr>
           <a:lstStyle/>
           <a:p>
-            <a:pPr indent="0" lvl="0" marL="0">
+            <a:pPr marL="0" lvl="0" indent="0">
               <a:spcBef>
                 <a:spcPts val="0"/>
               </a:spcBef>
@@ -761,14 +795,16 @@
               </a:spcAft>
               <a:buNone/>
             </a:pPr>
-            <a:r>
-              <a:t/>
-            </a:r>
             <a:endParaRPr/>
           </a:p>
         </p:txBody>
       </p:sp>
     </p:spTree>
+    <p:extLst>
+      <p:ext uri="{BB962C8B-B14F-4D97-AF65-F5344CB8AC3E}">
+        <p14:creationId xmlns:p14="http://schemas.microsoft.com/office/powerpoint/2010/main" val="438454358"/>
+      </p:ext>
+    </p:extLst>
   </p:cSld>
   <p:clrMapOvr>
     <a:masterClrMapping/>
@@ -777,11 +813,883 @@
 </file>
 
 <file path=ppt/notesSlides/notesSlide10.xml><?xml version="1.0" encoding="utf-8"?>
-<p:notes xmlns:a="http://schemas.openxmlformats.org/drawingml/2006/main" xmlns:r="http://schemas.openxmlformats.org/officeDocument/2006/relationships" xmlns:mc="http://schemas.openxmlformats.org/markup-compatibility/2006" xmlns:mv="urn:schemas-microsoft-com:mac:vml" xmlns:p="http://schemas.openxmlformats.org/presentationml/2006/main" xmlns:c="http://schemas.openxmlformats.org/drawingml/2006/chart" xmlns:dgm="http://schemas.openxmlformats.org/drawingml/2006/diagram" xmlns:o="urn:schemas-microsoft-com:office:office" xmlns:v="urn:schemas-microsoft-com:vml" xmlns:pvml="urn:schemas-microsoft-com:office:powerpoint" xmlns:com="http://schemas.openxmlformats.org/drawingml/2006/compatibility" xmlns:p14="http://schemas.microsoft.com/office/powerpoint/2010/main" xmlns:p15="http://schemas.microsoft.com/office/powerpoint/2012/main" showMasterPhAnim="0" showMasterSp="0">
+<p:notes xmlns:a="http://schemas.openxmlformats.org/drawingml/2006/main" xmlns:r="http://schemas.openxmlformats.org/officeDocument/2006/relationships" xmlns:p="http://schemas.openxmlformats.org/presentationml/2006/main" showMasterSp="0" showMasterPhAnim="0">
   <p:cSld>
     <p:spTree>
       <p:nvGrpSpPr>
-        <p:cNvPr id="104" name="Shape 104"/>
+        <p:cNvPr id="1" name="Shape 86"/>
+        <p:cNvGrpSpPr/>
+        <p:nvPr/>
+      </p:nvGrpSpPr>
+      <p:grpSpPr>
+        <a:xfrm>
+          <a:off x="0" y="0"/>
+          <a:ext cx="0" cy="0"/>
+          <a:chOff x="0" y="0"/>
+          <a:chExt cx="0" cy="0"/>
+        </a:xfrm>
+      </p:grpSpPr>
+      <p:sp>
+        <p:nvSpPr>
+          <p:cNvPr id="87" name="Shape 87"/>
+          <p:cNvSpPr>
+            <a:spLocks noGrp="1" noRot="1" noChangeAspect="1"/>
+          </p:cNvSpPr>
+          <p:nvPr>
+            <p:ph type="sldImg" idx="2"/>
+          </p:nvPr>
+        </p:nvSpPr>
+        <p:spPr>
+          <a:xfrm>
+            <a:off x="381300" y="685800"/>
+            <a:ext cx="6096000" cy="3429000"/>
+          </a:xfrm>
+          <a:custGeom>
+            <a:avLst/>
+            <a:gdLst/>
+            <a:ahLst/>
+            <a:cxnLst/>
+            <a:rect l="0" t="0" r="0" b="0"/>
+            <a:pathLst>
+              <a:path w="120000" h="120000" extrusionOk="0">
+                <a:moveTo>
+                  <a:pt x="0" y="0"/>
+                </a:moveTo>
+                <a:lnTo>
+                  <a:pt x="120000" y="0"/>
+                </a:lnTo>
+                <a:lnTo>
+                  <a:pt x="120000" y="120000"/>
+                </a:lnTo>
+                <a:lnTo>
+                  <a:pt x="0" y="120000"/>
+                </a:lnTo>
+                <a:close/>
+              </a:path>
+            </a:pathLst>
+          </a:custGeom>
+        </p:spPr>
+      </p:sp>
+      <p:sp>
+        <p:nvSpPr>
+          <p:cNvPr id="88" name="Shape 88"/>
+          <p:cNvSpPr txBox="1">
+            <a:spLocks noGrp="1"/>
+          </p:cNvSpPr>
+          <p:nvPr>
+            <p:ph type="body" idx="1"/>
+          </p:nvPr>
+        </p:nvSpPr>
+        <p:spPr>
+          <a:xfrm>
+            <a:off x="685800" y="4343400"/>
+            <a:ext cx="5486400" cy="4114800"/>
+          </a:xfrm>
+          <a:prstGeom prst="rect">
+            <a:avLst/>
+          </a:prstGeom>
+        </p:spPr>
+        <p:txBody>
+          <a:bodyPr spcFirstLastPara="1" wrap="square" lIns="91425" tIns="91425" rIns="91425" bIns="91425" anchor="t" anchorCtr="0">
+            <a:noAutofit/>
+          </a:bodyPr>
+          <a:lstStyle/>
+          <a:p>
+            <a:pPr marL="0" lvl="0" indent="0">
+              <a:spcBef>
+                <a:spcPts val="0"/>
+              </a:spcBef>
+              <a:spcAft>
+                <a:spcPts val="0"/>
+              </a:spcAft>
+              <a:buNone/>
+            </a:pPr>
+            <a:endParaRPr/>
+          </a:p>
+        </p:txBody>
+      </p:sp>
+    </p:spTree>
+    <p:extLst>
+      <p:ext uri="{BB962C8B-B14F-4D97-AF65-F5344CB8AC3E}">
+        <p14:creationId xmlns:p14="http://schemas.microsoft.com/office/powerpoint/2010/main" val="1008641353"/>
+      </p:ext>
+    </p:extLst>
+  </p:cSld>
+  <p:clrMapOvr>
+    <a:masterClrMapping/>
+  </p:clrMapOvr>
+</p:notes>
+</file>
+
+<file path=ppt/notesSlides/notesSlide2.xml><?xml version="1.0" encoding="utf-8"?>
+<p:notes xmlns:a="http://schemas.openxmlformats.org/drawingml/2006/main" xmlns:r="http://schemas.openxmlformats.org/officeDocument/2006/relationships" xmlns:p="http://schemas.openxmlformats.org/presentationml/2006/main" showMasterSp="0" showMasterPhAnim="0">
+  <p:cSld>
+    <p:spTree>
+      <p:nvGrpSpPr>
+        <p:cNvPr id="1" name="Shape 56"/>
+        <p:cNvGrpSpPr/>
+        <p:nvPr/>
+      </p:nvGrpSpPr>
+      <p:grpSpPr>
+        <a:xfrm>
+          <a:off x="0" y="0"/>
+          <a:ext cx="0" cy="0"/>
+          <a:chOff x="0" y="0"/>
+          <a:chExt cx="0" cy="0"/>
+        </a:xfrm>
+      </p:grpSpPr>
+      <p:sp>
+        <p:nvSpPr>
+          <p:cNvPr id="57" name="Shape 57"/>
+          <p:cNvSpPr>
+            <a:spLocks noGrp="1" noRot="1" noChangeAspect="1"/>
+          </p:cNvSpPr>
+          <p:nvPr>
+            <p:ph type="sldImg" idx="2"/>
+          </p:nvPr>
+        </p:nvSpPr>
+        <p:spPr>
+          <a:xfrm>
+            <a:off x="381300" y="685800"/>
+            <a:ext cx="6096000" cy="3429000"/>
+          </a:xfrm>
+          <a:custGeom>
+            <a:avLst/>
+            <a:gdLst/>
+            <a:ahLst/>
+            <a:cxnLst/>
+            <a:rect l="0" t="0" r="0" b="0"/>
+            <a:pathLst>
+              <a:path w="120000" h="120000" extrusionOk="0">
+                <a:moveTo>
+                  <a:pt x="0" y="0"/>
+                </a:moveTo>
+                <a:lnTo>
+                  <a:pt x="120000" y="0"/>
+                </a:lnTo>
+                <a:lnTo>
+                  <a:pt x="120000" y="120000"/>
+                </a:lnTo>
+                <a:lnTo>
+                  <a:pt x="0" y="120000"/>
+                </a:lnTo>
+                <a:close/>
+              </a:path>
+            </a:pathLst>
+          </a:custGeom>
+        </p:spPr>
+      </p:sp>
+      <p:sp>
+        <p:nvSpPr>
+          <p:cNvPr id="58" name="Shape 58"/>
+          <p:cNvSpPr txBox="1">
+            <a:spLocks noGrp="1"/>
+          </p:cNvSpPr>
+          <p:nvPr>
+            <p:ph type="body" idx="1"/>
+          </p:nvPr>
+        </p:nvSpPr>
+        <p:spPr>
+          <a:xfrm>
+            <a:off x="685800" y="4343400"/>
+            <a:ext cx="5486400" cy="4114800"/>
+          </a:xfrm>
+          <a:prstGeom prst="rect">
+            <a:avLst/>
+          </a:prstGeom>
+        </p:spPr>
+        <p:txBody>
+          <a:bodyPr spcFirstLastPara="1" wrap="square" lIns="91425" tIns="91425" rIns="91425" bIns="91425" anchor="t" anchorCtr="0">
+            <a:noAutofit/>
+          </a:bodyPr>
+          <a:lstStyle/>
+          <a:p>
+            <a:pPr marL="0" lvl="0" indent="0">
+              <a:spcBef>
+                <a:spcPts val="0"/>
+              </a:spcBef>
+              <a:spcAft>
+                <a:spcPts val="0"/>
+              </a:spcAft>
+              <a:buNone/>
+            </a:pPr>
+            <a:endParaRPr/>
+          </a:p>
+        </p:txBody>
+      </p:sp>
+    </p:spTree>
+    <p:extLst>
+      <p:ext uri="{BB962C8B-B14F-4D97-AF65-F5344CB8AC3E}">
+        <p14:creationId xmlns:p14="http://schemas.microsoft.com/office/powerpoint/2010/main" val="1086002049"/>
+      </p:ext>
+    </p:extLst>
+  </p:cSld>
+  <p:clrMapOvr>
+    <a:masterClrMapping/>
+  </p:clrMapOvr>
+</p:notes>
+</file>
+
+<file path=ppt/notesSlides/notesSlide3.xml><?xml version="1.0" encoding="utf-8"?>
+<p:notes xmlns:a="http://schemas.openxmlformats.org/drawingml/2006/main" xmlns:r="http://schemas.openxmlformats.org/officeDocument/2006/relationships" xmlns:p="http://schemas.openxmlformats.org/presentationml/2006/main" showMasterSp="0" showMasterPhAnim="0">
+  <p:cSld>
+    <p:spTree>
+      <p:nvGrpSpPr>
+        <p:cNvPr id="1" name="Shape 62"/>
+        <p:cNvGrpSpPr/>
+        <p:nvPr/>
+      </p:nvGrpSpPr>
+      <p:grpSpPr>
+        <a:xfrm>
+          <a:off x="0" y="0"/>
+          <a:ext cx="0" cy="0"/>
+          <a:chOff x="0" y="0"/>
+          <a:chExt cx="0" cy="0"/>
+        </a:xfrm>
+      </p:grpSpPr>
+      <p:sp>
+        <p:nvSpPr>
+          <p:cNvPr id="63" name="Shape 63"/>
+          <p:cNvSpPr>
+            <a:spLocks noGrp="1" noRot="1" noChangeAspect="1"/>
+          </p:cNvSpPr>
+          <p:nvPr>
+            <p:ph type="sldImg" idx="2"/>
+          </p:nvPr>
+        </p:nvSpPr>
+        <p:spPr>
+          <a:xfrm>
+            <a:off x="381300" y="685800"/>
+            <a:ext cx="6096000" cy="3429000"/>
+          </a:xfrm>
+          <a:custGeom>
+            <a:avLst/>
+            <a:gdLst/>
+            <a:ahLst/>
+            <a:cxnLst/>
+            <a:rect l="0" t="0" r="0" b="0"/>
+            <a:pathLst>
+              <a:path w="120000" h="120000" extrusionOk="0">
+                <a:moveTo>
+                  <a:pt x="0" y="0"/>
+                </a:moveTo>
+                <a:lnTo>
+                  <a:pt x="120000" y="0"/>
+                </a:lnTo>
+                <a:lnTo>
+                  <a:pt x="120000" y="120000"/>
+                </a:lnTo>
+                <a:lnTo>
+                  <a:pt x="0" y="120000"/>
+                </a:lnTo>
+                <a:close/>
+              </a:path>
+            </a:pathLst>
+          </a:custGeom>
+        </p:spPr>
+      </p:sp>
+      <p:sp>
+        <p:nvSpPr>
+          <p:cNvPr id="64" name="Shape 64"/>
+          <p:cNvSpPr txBox="1">
+            <a:spLocks noGrp="1"/>
+          </p:cNvSpPr>
+          <p:nvPr>
+            <p:ph type="body" idx="1"/>
+          </p:nvPr>
+        </p:nvSpPr>
+        <p:spPr>
+          <a:xfrm>
+            <a:off x="685800" y="4343400"/>
+            <a:ext cx="5486400" cy="4114800"/>
+          </a:xfrm>
+          <a:prstGeom prst="rect">
+            <a:avLst/>
+          </a:prstGeom>
+        </p:spPr>
+        <p:txBody>
+          <a:bodyPr spcFirstLastPara="1" wrap="square" lIns="91425" tIns="91425" rIns="91425" bIns="91425" anchor="t" anchorCtr="0">
+            <a:noAutofit/>
+          </a:bodyPr>
+          <a:lstStyle/>
+          <a:p>
+            <a:pPr marL="0" lvl="0" indent="0">
+              <a:spcBef>
+                <a:spcPts val="0"/>
+              </a:spcBef>
+              <a:spcAft>
+                <a:spcPts val="0"/>
+              </a:spcAft>
+              <a:buNone/>
+            </a:pPr>
+            <a:endParaRPr/>
+          </a:p>
+        </p:txBody>
+      </p:sp>
+    </p:spTree>
+    <p:extLst>
+      <p:ext uri="{BB962C8B-B14F-4D97-AF65-F5344CB8AC3E}">
+        <p14:creationId xmlns:p14="http://schemas.microsoft.com/office/powerpoint/2010/main" val="972921690"/>
+      </p:ext>
+    </p:extLst>
+  </p:cSld>
+  <p:clrMapOvr>
+    <a:masterClrMapping/>
+  </p:clrMapOvr>
+</p:notes>
+</file>
+
+<file path=ppt/notesSlides/notesSlide4.xml><?xml version="1.0" encoding="utf-8"?>
+<p:notes xmlns:a="http://schemas.openxmlformats.org/drawingml/2006/main" xmlns:r="http://schemas.openxmlformats.org/officeDocument/2006/relationships" xmlns:p="http://schemas.openxmlformats.org/presentationml/2006/main" showMasterSp="0" showMasterPhAnim="0">
+  <p:cSld>
+    <p:spTree>
+      <p:nvGrpSpPr>
+        <p:cNvPr id="1" name="Shape 68"/>
+        <p:cNvGrpSpPr/>
+        <p:nvPr/>
+      </p:nvGrpSpPr>
+      <p:grpSpPr>
+        <a:xfrm>
+          <a:off x="0" y="0"/>
+          <a:ext cx="0" cy="0"/>
+          <a:chOff x="0" y="0"/>
+          <a:chExt cx="0" cy="0"/>
+        </a:xfrm>
+      </p:grpSpPr>
+      <p:sp>
+        <p:nvSpPr>
+          <p:cNvPr id="69" name="Shape 69"/>
+          <p:cNvSpPr>
+            <a:spLocks noGrp="1" noRot="1" noChangeAspect="1"/>
+          </p:cNvSpPr>
+          <p:nvPr>
+            <p:ph type="sldImg" idx="2"/>
+          </p:nvPr>
+        </p:nvSpPr>
+        <p:spPr>
+          <a:xfrm>
+            <a:off x="381300" y="685800"/>
+            <a:ext cx="6096000" cy="3429000"/>
+          </a:xfrm>
+          <a:custGeom>
+            <a:avLst/>
+            <a:gdLst/>
+            <a:ahLst/>
+            <a:cxnLst/>
+            <a:rect l="0" t="0" r="0" b="0"/>
+            <a:pathLst>
+              <a:path w="120000" h="120000" extrusionOk="0">
+                <a:moveTo>
+                  <a:pt x="0" y="0"/>
+                </a:moveTo>
+                <a:lnTo>
+                  <a:pt x="120000" y="0"/>
+                </a:lnTo>
+                <a:lnTo>
+                  <a:pt x="120000" y="120000"/>
+                </a:lnTo>
+                <a:lnTo>
+                  <a:pt x="0" y="120000"/>
+                </a:lnTo>
+                <a:close/>
+              </a:path>
+            </a:pathLst>
+          </a:custGeom>
+        </p:spPr>
+      </p:sp>
+      <p:sp>
+        <p:nvSpPr>
+          <p:cNvPr id="70" name="Shape 70"/>
+          <p:cNvSpPr txBox="1">
+            <a:spLocks noGrp="1"/>
+          </p:cNvSpPr>
+          <p:nvPr>
+            <p:ph type="body" idx="1"/>
+          </p:nvPr>
+        </p:nvSpPr>
+        <p:spPr>
+          <a:xfrm>
+            <a:off x="685800" y="4343400"/>
+            <a:ext cx="5486400" cy="4114800"/>
+          </a:xfrm>
+          <a:prstGeom prst="rect">
+            <a:avLst/>
+          </a:prstGeom>
+        </p:spPr>
+        <p:txBody>
+          <a:bodyPr spcFirstLastPara="1" wrap="square" lIns="91425" tIns="91425" rIns="91425" bIns="91425" anchor="t" anchorCtr="0">
+            <a:noAutofit/>
+          </a:bodyPr>
+          <a:lstStyle/>
+          <a:p>
+            <a:pPr marL="0" lvl="0" indent="0">
+              <a:spcBef>
+                <a:spcPts val="0"/>
+              </a:spcBef>
+              <a:spcAft>
+                <a:spcPts val="0"/>
+              </a:spcAft>
+              <a:buNone/>
+            </a:pPr>
+            <a:endParaRPr/>
+          </a:p>
+        </p:txBody>
+      </p:sp>
+    </p:spTree>
+    <p:extLst>
+      <p:ext uri="{BB962C8B-B14F-4D97-AF65-F5344CB8AC3E}">
+        <p14:creationId xmlns:p14="http://schemas.microsoft.com/office/powerpoint/2010/main" val="954355572"/>
+      </p:ext>
+    </p:extLst>
+  </p:cSld>
+  <p:clrMapOvr>
+    <a:masterClrMapping/>
+  </p:clrMapOvr>
+</p:notes>
+</file>
+
+<file path=ppt/notesSlides/notesSlide5.xml><?xml version="1.0" encoding="utf-8"?>
+<p:notes xmlns:a="http://schemas.openxmlformats.org/drawingml/2006/main" xmlns:r="http://schemas.openxmlformats.org/officeDocument/2006/relationships" xmlns:p="http://schemas.openxmlformats.org/presentationml/2006/main" showMasterSp="0" showMasterPhAnim="0">
+  <p:cSld>
+    <p:spTree>
+      <p:nvGrpSpPr>
+        <p:cNvPr id="1" name="Shape 74"/>
+        <p:cNvGrpSpPr/>
+        <p:nvPr/>
+      </p:nvGrpSpPr>
+      <p:grpSpPr>
+        <a:xfrm>
+          <a:off x="0" y="0"/>
+          <a:ext cx="0" cy="0"/>
+          <a:chOff x="0" y="0"/>
+          <a:chExt cx="0" cy="0"/>
+        </a:xfrm>
+      </p:grpSpPr>
+      <p:sp>
+        <p:nvSpPr>
+          <p:cNvPr id="75" name="Shape 75"/>
+          <p:cNvSpPr>
+            <a:spLocks noGrp="1" noRot="1" noChangeAspect="1"/>
+          </p:cNvSpPr>
+          <p:nvPr>
+            <p:ph type="sldImg" idx="2"/>
+          </p:nvPr>
+        </p:nvSpPr>
+        <p:spPr>
+          <a:xfrm>
+            <a:off x="381300" y="685800"/>
+            <a:ext cx="6096000" cy="3429000"/>
+          </a:xfrm>
+          <a:custGeom>
+            <a:avLst/>
+            <a:gdLst/>
+            <a:ahLst/>
+            <a:cxnLst/>
+            <a:rect l="0" t="0" r="0" b="0"/>
+            <a:pathLst>
+              <a:path w="120000" h="120000" extrusionOk="0">
+                <a:moveTo>
+                  <a:pt x="0" y="0"/>
+                </a:moveTo>
+                <a:lnTo>
+                  <a:pt x="120000" y="0"/>
+                </a:lnTo>
+                <a:lnTo>
+                  <a:pt x="120000" y="120000"/>
+                </a:lnTo>
+                <a:lnTo>
+                  <a:pt x="0" y="120000"/>
+                </a:lnTo>
+                <a:close/>
+              </a:path>
+            </a:pathLst>
+          </a:custGeom>
+        </p:spPr>
+      </p:sp>
+      <p:sp>
+        <p:nvSpPr>
+          <p:cNvPr id="76" name="Shape 76"/>
+          <p:cNvSpPr txBox="1">
+            <a:spLocks noGrp="1"/>
+          </p:cNvSpPr>
+          <p:nvPr>
+            <p:ph type="body" idx="1"/>
+          </p:nvPr>
+        </p:nvSpPr>
+        <p:spPr>
+          <a:xfrm>
+            <a:off x="685800" y="4343400"/>
+            <a:ext cx="5486400" cy="4114800"/>
+          </a:xfrm>
+          <a:prstGeom prst="rect">
+            <a:avLst/>
+          </a:prstGeom>
+        </p:spPr>
+        <p:txBody>
+          <a:bodyPr spcFirstLastPara="1" wrap="square" lIns="91425" tIns="91425" rIns="91425" bIns="91425" anchor="t" anchorCtr="0">
+            <a:noAutofit/>
+          </a:bodyPr>
+          <a:lstStyle/>
+          <a:p>
+            <a:pPr marL="0" lvl="0" indent="0">
+              <a:spcBef>
+                <a:spcPts val="0"/>
+              </a:spcBef>
+              <a:spcAft>
+                <a:spcPts val="0"/>
+              </a:spcAft>
+              <a:buNone/>
+            </a:pPr>
+            <a:endParaRPr/>
+          </a:p>
+        </p:txBody>
+      </p:sp>
+    </p:spTree>
+    <p:extLst>
+      <p:ext uri="{BB962C8B-B14F-4D97-AF65-F5344CB8AC3E}">
+        <p14:creationId xmlns:p14="http://schemas.microsoft.com/office/powerpoint/2010/main" val="298739161"/>
+      </p:ext>
+    </p:extLst>
+  </p:cSld>
+  <p:clrMapOvr>
+    <a:masterClrMapping/>
+  </p:clrMapOvr>
+</p:notes>
+</file>
+
+<file path=ppt/notesSlides/notesSlide6.xml><?xml version="1.0" encoding="utf-8"?>
+<p:notes xmlns:a="http://schemas.openxmlformats.org/drawingml/2006/main" xmlns:r="http://schemas.openxmlformats.org/officeDocument/2006/relationships" xmlns:p="http://schemas.openxmlformats.org/presentationml/2006/main" showMasterSp="0" showMasterPhAnim="0">
+  <p:cSld>
+    <p:spTree>
+      <p:nvGrpSpPr>
+        <p:cNvPr id="1" name="Shape 80"/>
+        <p:cNvGrpSpPr/>
+        <p:nvPr/>
+      </p:nvGrpSpPr>
+      <p:grpSpPr>
+        <a:xfrm>
+          <a:off x="0" y="0"/>
+          <a:ext cx="0" cy="0"/>
+          <a:chOff x="0" y="0"/>
+          <a:chExt cx="0" cy="0"/>
+        </a:xfrm>
+      </p:grpSpPr>
+      <p:sp>
+        <p:nvSpPr>
+          <p:cNvPr id="81" name="Shape 81"/>
+          <p:cNvSpPr>
+            <a:spLocks noGrp="1" noRot="1" noChangeAspect="1"/>
+          </p:cNvSpPr>
+          <p:nvPr>
+            <p:ph type="sldImg" idx="2"/>
+          </p:nvPr>
+        </p:nvSpPr>
+        <p:spPr>
+          <a:xfrm>
+            <a:off x="381300" y="685800"/>
+            <a:ext cx="6096000" cy="3429000"/>
+          </a:xfrm>
+          <a:custGeom>
+            <a:avLst/>
+            <a:gdLst/>
+            <a:ahLst/>
+            <a:cxnLst/>
+            <a:rect l="0" t="0" r="0" b="0"/>
+            <a:pathLst>
+              <a:path w="120000" h="120000" extrusionOk="0">
+                <a:moveTo>
+                  <a:pt x="0" y="0"/>
+                </a:moveTo>
+                <a:lnTo>
+                  <a:pt x="120000" y="0"/>
+                </a:lnTo>
+                <a:lnTo>
+                  <a:pt x="120000" y="120000"/>
+                </a:lnTo>
+                <a:lnTo>
+                  <a:pt x="0" y="120000"/>
+                </a:lnTo>
+                <a:close/>
+              </a:path>
+            </a:pathLst>
+          </a:custGeom>
+        </p:spPr>
+      </p:sp>
+      <p:sp>
+        <p:nvSpPr>
+          <p:cNvPr id="82" name="Shape 82"/>
+          <p:cNvSpPr txBox="1">
+            <a:spLocks noGrp="1"/>
+          </p:cNvSpPr>
+          <p:nvPr>
+            <p:ph type="body" idx="1"/>
+          </p:nvPr>
+        </p:nvSpPr>
+        <p:spPr>
+          <a:xfrm>
+            <a:off x="685800" y="4343400"/>
+            <a:ext cx="5486400" cy="4114800"/>
+          </a:xfrm>
+          <a:prstGeom prst="rect">
+            <a:avLst/>
+          </a:prstGeom>
+        </p:spPr>
+        <p:txBody>
+          <a:bodyPr spcFirstLastPara="1" wrap="square" lIns="91425" tIns="91425" rIns="91425" bIns="91425" anchor="t" anchorCtr="0">
+            <a:noAutofit/>
+          </a:bodyPr>
+          <a:lstStyle/>
+          <a:p>
+            <a:pPr marL="0" lvl="0" indent="0">
+              <a:spcBef>
+                <a:spcPts val="0"/>
+              </a:spcBef>
+              <a:spcAft>
+                <a:spcPts val="0"/>
+              </a:spcAft>
+              <a:buNone/>
+            </a:pPr>
+            <a:endParaRPr/>
+          </a:p>
+        </p:txBody>
+      </p:sp>
+    </p:spTree>
+    <p:extLst>
+      <p:ext uri="{BB962C8B-B14F-4D97-AF65-F5344CB8AC3E}">
+        <p14:creationId xmlns:p14="http://schemas.microsoft.com/office/powerpoint/2010/main" val="92312241"/>
+      </p:ext>
+    </p:extLst>
+  </p:cSld>
+  <p:clrMapOvr>
+    <a:masterClrMapping/>
+  </p:clrMapOvr>
+</p:notes>
+</file>
+
+<file path=ppt/notesSlides/notesSlide7.xml><?xml version="1.0" encoding="utf-8"?>
+<p:notes xmlns:a="http://schemas.openxmlformats.org/drawingml/2006/main" xmlns:r="http://schemas.openxmlformats.org/officeDocument/2006/relationships" xmlns:p="http://schemas.openxmlformats.org/presentationml/2006/main" showMasterSp="0" showMasterPhAnim="0">
+  <p:cSld>
+    <p:spTree>
+      <p:nvGrpSpPr>
+        <p:cNvPr id="1" name="Shape 92"/>
+        <p:cNvGrpSpPr/>
+        <p:nvPr/>
+      </p:nvGrpSpPr>
+      <p:grpSpPr>
+        <a:xfrm>
+          <a:off x="0" y="0"/>
+          <a:ext cx="0" cy="0"/>
+          <a:chOff x="0" y="0"/>
+          <a:chExt cx="0" cy="0"/>
+        </a:xfrm>
+      </p:grpSpPr>
+      <p:sp>
+        <p:nvSpPr>
+          <p:cNvPr id="93" name="Shape 93"/>
+          <p:cNvSpPr>
+            <a:spLocks noGrp="1" noRot="1" noChangeAspect="1"/>
+          </p:cNvSpPr>
+          <p:nvPr>
+            <p:ph type="sldImg" idx="2"/>
+          </p:nvPr>
+        </p:nvSpPr>
+        <p:spPr>
+          <a:xfrm>
+            <a:off x="381000" y="685800"/>
+            <a:ext cx="6096000" cy="3429000"/>
+          </a:xfrm>
+          <a:custGeom>
+            <a:avLst/>
+            <a:gdLst/>
+            <a:ahLst/>
+            <a:cxnLst/>
+            <a:rect l="0" t="0" r="0" b="0"/>
+            <a:pathLst>
+              <a:path w="120000" h="120000" extrusionOk="0">
+                <a:moveTo>
+                  <a:pt x="0" y="0"/>
+                </a:moveTo>
+                <a:lnTo>
+                  <a:pt x="120000" y="0"/>
+                </a:lnTo>
+                <a:lnTo>
+                  <a:pt x="120000" y="120000"/>
+                </a:lnTo>
+                <a:lnTo>
+                  <a:pt x="0" y="120000"/>
+                </a:lnTo>
+                <a:close/>
+              </a:path>
+            </a:pathLst>
+          </a:custGeom>
+        </p:spPr>
+      </p:sp>
+      <p:sp>
+        <p:nvSpPr>
+          <p:cNvPr id="94" name="Shape 94"/>
+          <p:cNvSpPr txBox="1">
+            <a:spLocks noGrp="1"/>
+          </p:cNvSpPr>
+          <p:nvPr>
+            <p:ph type="body" idx="1"/>
+          </p:nvPr>
+        </p:nvSpPr>
+        <p:spPr>
+          <a:xfrm>
+            <a:off x="685800" y="4343400"/>
+            <a:ext cx="5486400" cy="4114800"/>
+          </a:xfrm>
+          <a:prstGeom prst="rect">
+            <a:avLst/>
+          </a:prstGeom>
+        </p:spPr>
+        <p:txBody>
+          <a:bodyPr spcFirstLastPara="1" wrap="square" lIns="91425" tIns="91425" rIns="91425" bIns="91425" anchor="t" anchorCtr="0">
+            <a:noAutofit/>
+          </a:bodyPr>
+          <a:lstStyle/>
+          <a:p>
+            <a:pPr marL="0" lvl="0" indent="0">
+              <a:spcBef>
+                <a:spcPts val="0"/>
+              </a:spcBef>
+              <a:spcAft>
+                <a:spcPts val="0"/>
+              </a:spcAft>
+              <a:buNone/>
+            </a:pPr>
+            <a:endParaRPr/>
+          </a:p>
+        </p:txBody>
+      </p:sp>
+    </p:spTree>
+    <p:extLst>
+      <p:ext uri="{BB962C8B-B14F-4D97-AF65-F5344CB8AC3E}">
+        <p14:creationId xmlns:p14="http://schemas.microsoft.com/office/powerpoint/2010/main" val="2146794100"/>
+      </p:ext>
+    </p:extLst>
+  </p:cSld>
+  <p:clrMapOvr>
+    <a:masterClrMapping/>
+  </p:clrMapOvr>
+</p:notes>
+</file>
+
+<file path=ppt/notesSlides/notesSlide8.xml><?xml version="1.0" encoding="utf-8"?>
+<p:notes xmlns:a="http://schemas.openxmlformats.org/drawingml/2006/main" xmlns:r="http://schemas.openxmlformats.org/officeDocument/2006/relationships" xmlns:p="http://schemas.openxmlformats.org/presentationml/2006/main" showMasterSp="0" showMasterPhAnim="0">
+  <p:cSld>
+    <p:spTree>
+      <p:nvGrpSpPr>
+        <p:cNvPr id="1" name="Shape 98"/>
+        <p:cNvGrpSpPr/>
+        <p:nvPr/>
+      </p:nvGrpSpPr>
+      <p:grpSpPr>
+        <a:xfrm>
+          <a:off x="0" y="0"/>
+          <a:ext cx="0" cy="0"/>
+          <a:chOff x="0" y="0"/>
+          <a:chExt cx="0" cy="0"/>
+        </a:xfrm>
+      </p:grpSpPr>
+      <p:sp>
+        <p:nvSpPr>
+          <p:cNvPr id="99" name="Shape 99"/>
+          <p:cNvSpPr>
+            <a:spLocks noGrp="1" noRot="1" noChangeAspect="1"/>
+          </p:cNvSpPr>
+          <p:nvPr>
+            <p:ph type="sldImg" idx="2"/>
+          </p:nvPr>
+        </p:nvSpPr>
+        <p:spPr>
+          <a:xfrm>
+            <a:off x="381300" y="685800"/>
+            <a:ext cx="6096000" cy="3429000"/>
+          </a:xfrm>
+          <a:custGeom>
+            <a:avLst/>
+            <a:gdLst/>
+            <a:ahLst/>
+            <a:cxnLst/>
+            <a:rect l="0" t="0" r="0" b="0"/>
+            <a:pathLst>
+              <a:path w="120000" h="120000" extrusionOk="0">
+                <a:moveTo>
+                  <a:pt x="0" y="0"/>
+                </a:moveTo>
+                <a:lnTo>
+                  <a:pt x="120000" y="0"/>
+                </a:lnTo>
+                <a:lnTo>
+                  <a:pt x="120000" y="120000"/>
+                </a:lnTo>
+                <a:lnTo>
+                  <a:pt x="0" y="120000"/>
+                </a:lnTo>
+                <a:close/>
+              </a:path>
+            </a:pathLst>
+          </a:custGeom>
+        </p:spPr>
+      </p:sp>
+      <p:sp>
+        <p:nvSpPr>
+          <p:cNvPr id="100" name="Shape 100"/>
+          <p:cNvSpPr txBox="1">
+            <a:spLocks noGrp="1"/>
+          </p:cNvSpPr>
+          <p:nvPr>
+            <p:ph type="body" idx="1"/>
+          </p:nvPr>
+        </p:nvSpPr>
+        <p:spPr>
+          <a:xfrm>
+            <a:off x="685800" y="4343400"/>
+            <a:ext cx="5486400" cy="4114800"/>
+          </a:xfrm>
+          <a:prstGeom prst="rect">
+            <a:avLst/>
+          </a:prstGeom>
+        </p:spPr>
+        <p:txBody>
+          <a:bodyPr spcFirstLastPara="1" wrap="square" lIns="91425" tIns="91425" rIns="91425" bIns="91425" anchor="t" anchorCtr="0">
+            <a:noAutofit/>
+          </a:bodyPr>
+          <a:lstStyle/>
+          <a:p>
+            <a:pPr marL="0" lvl="0" indent="0">
+              <a:spcBef>
+                <a:spcPts val="0"/>
+              </a:spcBef>
+              <a:spcAft>
+                <a:spcPts val="0"/>
+              </a:spcAft>
+              <a:buNone/>
+            </a:pPr>
+            <a:endParaRPr/>
+          </a:p>
+        </p:txBody>
+      </p:sp>
+    </p:spTree>
+    <p:extLst>
+      <p:ext uri="{BB962C8B-B14F-4D97-AF65-F5344CB8AC3E}">
+        <p14:creationId xmlns:p14="http://schemas.microsoft.com/office/powerpoint/2010/main" val="1295685453"/>
+      </p:ext>
+    </p:extLst>
+  </p:cSld>
+  <p:clrMapOvr>
+    <a:masterClrMapping/>
+  </p:clrMapOvr>
+</p:notes>
+</file>
+
+<file path=ppt/notesSlides/notesSlide9.xml><?xml version="1.0" encoding="utf-8"?>
+<p:notes xmlns:a="http://schemas.openxmlformats.org/drawingml/2006/main" xmlns:r="http://schemas.openxmlformats.org/officeDocument/2006/relationships" xmlns:p="http://schemas.openxmlformats.org/presentationml/2006/main" showMasterSp="0" showMasterPhAnim="0">
+  <p:cSld>
+    <p:spTree>
+      <p:nvGrpSpPr>
+        <p:cNvPr id="1" name="Shape 104"/>
         <p:cNvGrpSpPr/>
         <p:nvPr/>
       </p:nvGrpSpPr>
@@ -796,9 +1704,11 @@
       <p:sp>
         <p:nvSpPr>
           <p:cNvPr id="105" name="Shape 105"/>
-          <p:cNvSpPr/>
+          <p:cNvSpPr>
+            <a:spLocks noGrp="1" noRot="1" noChangeAspect="1"/>
+          </p:cNvSpPr>
           <p:nvPr>
-            <p:ph idx="2" type="sldImg"/>
+            <p:ph type="sldImg" idx="2"/>
           </p:nvPr>
         </p:nvSpPr>
         <p:spPr>
@@ -807,8 +1717,13 @@
             <a:ext cx="6096000" cy="3429000"/>
           </a:xfrm>
           <a:custGeom>
+            <a:avLst/>
+            <a:gdLst/>
+            <a:ahLst/>
+            <a:cxnLst/>
+            <a:rect l="0" t="0" r="0" b="0"/>
             <a:pathLst>
-              <a:path extrusionOk="0" h="120000" w="120000">
+              <a:path w="120000" h="120000" extrusionOk="0">
                 <a:moveTo>
                   <a:pt x="0" y="0"/>
                 </a:moveTo>
@@ -830,9 +1745,11 @@
       <p:sp>
         <p:nvSpPr>
           <p:cNvPr id="106" name="Shape 106"/>
-          <p:cNvSpPr txBox="1"/>
+          <p:cNvSpPr txBox="1">
+            <a:spLocks noGrp="1"/>
+          </p:cNvSpPr>
           <p:nvPr>
-            <p:ph idx="1" type="body"/>
+            <p:ph type="body" idx="1"/>
           </p:nvPr>
         </p:nvSpPr>
         <p:spPr>
@@ -845,12 +1762,12 @@
           </a:prstGeom>
         </p:spPr>
         <p:txBody>
-          <a:bodyPr anchorCtr="0" anchor="t" bIns="91425" lIns="91425" spcFirstLastPara="1" rIns="91425" wrap="square" tIns="91425">
+          <a:bodyPr spcFirstLastPara="1" wrap="square" lIns="91425" tIns="91425" rIns="91425" bIns="91425" anchor="t" anchorCtr="0">
             <a:noAutofit/>
           </a:bodyPr>
           <a:lstStyle/>
           <a:p>
-            <a:pPr indent="0" lvl="0" marL="0">
+            <a:pPr marL="0" lvl="0" indent="0">
               <a:spcBef>
                 <a:spcPts val="0"/>
               </a:spcBef>
@@ -868,986 +1785,11 @@
         </p:txBody>
       </p:sp>
     </p:spTree>
-  </p:cSld>
-  <p:clrMapOvr>
-    <a:masterClrMapping/>
-  </p:clrMapOvr>
-</p:notes>
-</file>
-
-<file path=ppt/notesSlides/notesSlide11.xml><?xml version="1.0" encoding="utf-8"?>
-<p:notes xmlns:a="http://schemas.openxmlformats.org/drawingml/2006/main" xmlns:r="http://schemas.openxmlformats.org/officeDocument/2006/relationships" xmlns:mc="http://schemas.openxmlformats.org/markup-compatibility/2006" xmlns:mv="urn:schemas-microsoft-com:mac:vml" xmlns:p="http://schemas.openxmlformats.org/presentationml/2006/main" xmlns:c="http://schemas.openxmlformats.org/drawingml/2006/chart" xmlns:dgm="http://schemas.openxmlformats.org/drawingml/2006/diagram" xmlns:o="urn:schemas-microsoft-com:office:office" xmlns:v="urn:schemas-microsoft-com:vml" xmlns:pvml="urn:schemas-microsoft-com:office:powerpoint" xmlns:com="http://schemas.openxmlformats.org/drawingml/2006/compatibility" xmlns:p14="http://schemas.microsoft.com/office/powerpoint/2010/main" xmlns:p15="http://schemas.microsoft.com/office/powerpoint/2012/main" showMasterPhAnim="0" showMasterSp="0">
-  <p:cSld>
-    <p:spTree>
-      <p:nvGrpSpPr>
-        <p:cNvPr id="110" name="Shape 110"/>
-        <p:cNvGrpSpPr/>
-        <p:nvPr/>
-      </p:nvGrpSpPr>
-      <p:grpSpPr>
-        <a:xfrm>
-          <a:off x="0" y="0"/>
-          <a:ext cx="0" cy="0"/>
-          <a:chOff x="0" y="0"/>
-          <a:chExt cx="0" cy="0"/>
-        </a:xfrm>
-      </p:grpSpPr>
-      <p:sp>
-        <p:nvSpPr>
-          <p:cNvPr id="111" name="Shape 111"/>
-          <p:cNvSpPr/>
-          <p:nvPr>
-            <p:ph idx="2" type="sldImg"/>
-          </p:nvPr>
-        </p:nvSpPr>
-        <p:spPr>
-          <a:xfrm>
-            <a:off x="381300" y="685800"/>
-            <a:ext cx="6096000" cy="3429000"/>
-          </a:xfrm>
-          <a:custGeom>
-            <a:pathLst>
-              <a:path extrusionOk="0" h="120000" w="120000">
-                <a:moveTo>
-                  <a:pt x="0" y="0"/>
-                </a:moveTo>
-                <a:lnTo>
-                  <a:pt x="120000" y="0"/>
-                </a:lnTo>
-                <a:lnTo>
-                  <a:pt x="120000" y="120000"/>
-                </a:lnTo>
-                <a:lnTo>
-                  <a:pt x="0" y="120000"/>
-                </a:lnTo>
-                <a:close/>
-              </a:path>
-            </a:pathLst>
-          </a:custGeom>
-        </p:spPr>
-      </p:sp>
-      <p:sp>
-        <p:nvSpPr>
-          <p:cNvPr id="112" name="Shape 112"/>
-          <p:cNvSpPr txBox="1"/>
-          <p:nvPr>
-            <p:ph idx="1" type="body"/>
-          </p:nvPr>
-        </p:nvSpPr>
-        <p:spPr>
-          <a:xfrm>
-            <a:off x="685800" y="4343400"/>
-            <a:ext cx="5486400" cy="4114800"/>
-          </a:xfrm>
-          <a:prstGeom prst="rect">
-            <a:avLst/>
-          </a:prstGeom>
-        </p:spPr>
-        <p:txBody>
-          <a:bodyPr anchorCtr="0" anchor="t" bIns="91425" lIns="91425" spcFirstLastPara="1" rIns="91425" wrap="square" tIns="91425">
-            <a:noAutofit/>
-          </a:bodyPr>
-          <a:lstStyle/>
-          <a:p>
-            <a:pPr indent="0" lvl="0" marL="0">
-              <a:spcBef>
-                <a:spcPts val="0"/>
-              </a:spcBef>
-              <a:spcAft>
-                <a:spcPts val="0"/>
-              </a:spcAft>
-              <a:buNone/>
-            </a:pPr>
-            <a:r>
-              <a:t/>
-            </a:r>
-            <a:endParaRPr/>
-          </a:p>
-        </p:txBody>
-      </p:sp>
-    </p:spTree>
-  </p:cSld>
-  <p:clrMapOvr>
-    <a:masterClrMapping/>
-  </p:clrMapOvr>
-</p:notes>
-</file>
-
-<file path=ppt/notesSlides/notesSlide12.xml><?xml version="1.0" encoding="utf-8"?>
-<p:notes xmlns:a="http://schemas.openxmlformats.org/drawingml/2006/main" xmlns:r="http://schemas.openxmlformats.org/officeDocument/2006/relationships" xmlns:mc="http://schemas.openxmlformats.org/markup-compatibility/2006" xmlns:mv="urn:schemas-microsoft-com:mac:vml" xmlns:p="http://schemas.openxmlformats.org/presentationml/2006/main" xmlns:c="http://schemas.openxmlformats.org/drawingml/2006/chart" xmlns:dgm="http://schemas.openxmlformats.org/drawingml/2006/diagram" xmlns:o="urn:schemas-microsoft-com:office:office" xmlns:v="urn:schemas-microsoft-com:vml" xmlns:pvml="urn:schemas-microsoft-com:office:powerpoint" xmlns:com="http://schemas.openxmlformats.org/drawingml/2006/compatibility" xmlns:p14="http://schemas.microsoft.com/office/powerpoint/2010/main" xmlns:p15="http://schemas.microsoft.com/office/powerpoint/2012/main" showMasterPhAnim="0" showMasterSp="0">
-  <p:cSld>
-    <p:spTree>
-      <p:nvGrpSpPr>
-        <p:cNvPr id="116" name="Shape 116"/>
-        <p:cNvGrpSpPr/>
-        <p:nvPr/>
-      </p:nvGrpSpPr>
-      <p:grpSpPr>
-        <a:xfrm>
-          <a:off x="0" y="0"/>
-          <a:ext cx="0" cy="0"/>
-          <a:chOff x="0" y="0"/>
-          <a:chExt cx="0" cy="0"/>
-        </a:xfrm>
-      </p:grpSpPr>
-      <p:sp>
-        <p:nvSpPr>
-          <p:cNvPr id="117" name="Shape 117"/>
-          <p:cNvSpPr/>
-          <p:nvPr>
-            <p:ph idx="2" type="sldImg"/>
-          </p:nvPr>
-        </p:nvSpPr>
-        <p:spPr>
-          <a:xfrm>
-            <a:off x="381300" y="685800"/>
-            <a:ext cx="6096000" cy="3429000"/>
-          </a:xfrm>
-          <a:custGeom>
-            <a:pathLst>
-              <a:path extrusionOk="0" h="120000" w="120000">
-                <a:moveTo>
-                  <a:pt x="0" y="0"/>
-                </a:moveTo>
-                <a:lnTo>
-                  <a:pt x="120000" y="0"/>
-                </a:lnTo>
-                <a:lnTo>
-                  <a:pt x="120000" y="120000"/>
-                </a:lnTo>
-                <a:lnTo>
-                  <a:pt x="0" y="120000"/>
-                </a:lnTo>
-                <a:close/>
-              </a:path>
-            </a:pathLst>
-          </a:custGeom>
-        </p:spPr>
-      </p:sp>
-      <p:sp>
-        <p:nvSpPr>
-          <p:cNvPr id="118" name="Shape 118"/>
-          <p:cNvSpPr txBox="1"/>
-          <p:nvPr>
-            <p:ph idx="1" type="body"/>
-          </p:nvPr>
-        </p:nvSpPr>
-        <p:spPr>
-          <a:xfrm>
-            <a:off x="685800" y="4343400"/>
-            <a:ext cx="5486400" cy="4114800"/>
-          </a:xfrm>
-          <a:prstGeom prst="rect">
-            <a:avLst/>
-          </a:prstGeom>
-        </p:spPr>
-        <p:txBody>
-          <a:bodyPr anchorCtr="0" anchor="t" bIns="91425" lIns="91425" spcFirstLastPara="1" rIns="91425" wrap="square" tIns="91425">
-            <a:noAutofit/>
-          </a:bodyPr>
-          <a:lstStyle/>
-          <a:p>
-            <a:pPr indent="0" lvl="0" marL="0">
-              <a:spcBef>
-                <a:spcPts val="0"/>
-              </a:spcBef>
-              <a:spcAft>
-                <a:spcPts val="0"/>
-              </a:spcAft>
-              <a:buNone/>
-            </a:pPr>
-            <a:r>
-              <a:t/>
-            </a:r>
-            <a:endParaRPr/>
-          </a:p>
-        </p:txBody>
-      </p:sp>
-    </p:spTree>
-  </p:cSld>
-  <p:clrMapOvr>
-    <a:masterClrMapping/>
-  </p:clrMapOvr>
-</p:notes>
-</file>
-
-<file path=ppt/notesSlides/notesSlide2.xml><?xml version="1.0" encoding="utf-8"?>
-<p:notes xmlns:a="http://schemas.openxmlformats.org/drawingml/2006/main" xmlns:r="http://schemas.openxmlformats.org/officeDocument/2006/relationships" xmlns:mc="http://schemas.openxmlformats.org/markup-compatibility/2006" xmlns:mv="urn:schemas-microsoft-com:mac:vml" xmlns:p="http://schemas.openxmlformats.org/presentationml/2006/main" xmlns:c="http://schemas.openxmlformats.org/drawingml/2006/chart" xmlns:dgm="http://schemas.openxmlformats.org/drawingml/2006/diagram" xmlns:o="urn:schemas-microsoft-com:office:office" xmlns:v="urn:schemas-microsoft-com:vml" xmlns:pvml="urn:schemas-microsoft-com:office:powerpoint" xmlns:com="http://schemas.openxmlformats.org/drawingml/2006/compatibility" xmlns:p14="http://schemas.microsoft.com/office/powerpoint/2010/main" xmlns:p15="http://schemas.microsoft.com/office/powerpoint/2012/main" showMasterPhAnim="0" showMasterSp="0">
-  <p:cSld>
-    <p:spTree>
-      <p:nvGrpSpPr>
-        <p:cNvPr id="56" name="Shape 56"/>
-        <p:cNvGrpSpPr/>
-        <p:nvPr/>
-      </p:nvGrpSpPr>
-      <p:grpSpPr>
-        <a:xfrm>
-          <a:off x="0" y="0"/>
-          <a:ext cx="0" cy="0"/>
-          <a:chOff x="0" y="0"/>
-          <a:chExt cx="0" cy="0"/>
-        </a:xfrm>
-      </p:grpSpPr>
-      <p:sp>
-        <p:nvSpPr>
-          <p:cNvPr id="57" name="Shape 57"/>
-          <p:cNvSpPr/>
-          <p:nvPr>
-            <p:ph idx="2" type="sldImg"/>
-          </p:nvPr>
-        </p:nvSpPr>
-        <p:spPr>
-          <a:xfrm>
-            <a:off x="381300" y="685800"/>
-            <a:ext cx="6096000" cy="3429000"/>
-          </a:xfrm>
-          <a:custGeom>
-            <a:pathLst>
-              <a:path extrusionOk="0" h="120000" w="120000">
-                <a:moveTo>
-                  <a:pt x="0" y="0"/>
-                </a:moveTo>
-                <a:lnTo>
-                  <a:pt x="120000" y="0"/>
-                </a:lnTo>
-                <a:lnTo>
-                  <a:pt x="120000" y="120000"/>
-                </a:lnTo>
-                <a:lnTo>
-                  <a:pt x="0" y="120000"/>
-                </a:lnTo>
-                <a:close/>
-              </a:path>
-            </a:pathLst>
-          </a:custGeom>
-        </p:spPr>
-      </p:sp>
-      <p:sp>
-        <p:nvSpPr>
-          <p:cNvPr id="58" name="Shape 58"/>
-          <p:cNvSpPr txBox="1"/>
-          <p:nvPr>
-            <p:ph idx="1" type="body"/>
-          </p:nvPr>
-        </p:nvSpPr>
-        <p:spPr>
-          <a:xfrm>
-            <a:off x="685800" y="4343400"/>
-            <a:ext cx="5486400" cy="4114800"/>
-          </a:xfrm>
-          <a:prstGeom prst="rect">
-            <a:avLst/>
-          </a:prstGeom>
-        </p:spPr>
-        <p:txBody>
-          <a:bodyPr anchorCtr="0" anchor="t" bIns="91425" lIns="91425" spcFirstLastPara="1" rIns="91425" wrap="square" tIns="91425">
-            <a:noAutofit/>
-          </a:bodyPr>
-          <a:lstStyle/>
-          <a:p>
-            <a:pPr indent="0" lvl="0" marL="0">
-              <a:spcBef>
-                <a:spcPts val="0"/>
-              </a:spcBef>
-              <a:spcAft>
-                <a:spcPts val="0"/>
-              </a:spcAft>
-              <a:buNone/>
-            </a:pPr>
-            <a:r>
-              <a:t/>
-            </a:r>
-            <a:endParaRPr/>
-          </a:p>
-        </p:txBody>
-      </p:sp>
-    </p:spTree>
-  </p:cSld>
-  <p:clrMapOvr>
-    <a:masterClrMapping/>
-  </p:clrMapOvr>
-</p:notes>
-</file>
-
-<file path=ppt/notesSlides/notesSlide3.xml><?xml version="1.0" encoding="utf-8"?>
-<p:notes xmlns:a="http://schemas.openxmlformats.org/drawingml/2006/main" xmlns:r="http://schemas.openxmlformats.org/officeDocument/2006/relationships" xmlns:mc="http://schemas.openxmlformats.org/markup-compatibility/2006" xmlns:mv="urn:schemas-microsoft-com:mac:vml" xmlns:p="http://schemas.openxmlformats.org/presentationml/2006/main" xmlns:c="http://schemas.openxmlformats.org/drawingml/2006/chart" xmlns:dgm="http://schemas.openxmlformats.org/drawingml/2006/diagram" xmlns:o="urn:schemas-microsoft-com:office:office" xmlns:v="urn:schemas-microsoft-com:vml" xmlns:pvml="urn:schemas-microsoft-com:office:powerpoint" xmlns:com="http://schemas.openxmlformats.org/drawingml/2006/compatibility" xmlns:p14="http://schemas.microsoft.com/office/powerpoint/2010/main" xmlns:p15="http://schemas.microsoft.com/office/powerpoint/2012/main" showMasterPhAnim="0" showMasterSp="0">
-  <p:cSld>
-    <p:spTree>
-      <p:nvGrpSpPr>
-        <p:cNvPr id="62" name="Shape 62"/>
-        <p:cNvGrpSpPr/>
-        <p:nvPr/>
-      </p:nvGrpSpPr>
-      <p:grpSpPr>
-        <a:xfrm>
-          <a:off x="0" y="0"/>
-          <a:ext cx="0" cy="0"/>
-          <a:chOff x="0" y="0"/>
-          <a:chExt cx="0" cy="0"/>
-        </a:xfrm>
-      </p:grpSpPr>
-      <p:sp>
-        <p:nvSpPr>
-          <p:cNvPr id="63" name="Shape 63"/>
-          <p:cNvSpPr/>
-          <p:nvPr>
-            <p:ph idx="2" type="sldImg"/>
-          </p:nvPr>
-        </p:nvSpPr>
-        <p:spPr>
-          <a:xfrm>
-            <a:off x="381300" y="685800"/>
-            <a:ext cx="6096000" cy="3429000"/>
-          </a:xfrm>
-          <a:custGeom>
-            <a:pathLst>
-              <a:path extrusionOk="0" h="120000" w="120000">
-                <a:moveTo>
-                  <a:pt x="0" y="0"/>
-                </a:moveTo>
-                <a:lnTo>
-                  <a:pt x="120000" y="0"/>
-                </a:lnTo>
-                <a:lnTo>
-                  <a:pt x="120000" y="120000"/>
-                </a:lnTo>
-                <a:lnTo>
-                  <a:pt x="0" y="120000"/>
-                </a:lnTo>
-                <a:close/>
-              </a:path>
-            </a:pathLst>
-          </a:custGeom>
-        </p:spPr>
-      </p:sp>
-      <p:sp>
-        <p:nvSpPr>
-          <p:cNvPr id="64" name="Shape 64"/>
-          <p:cNvSpPr txBox="1"/>
-          <p:nvPr>
-            <p:ph idx="1" type="body"/>
-          </p:nvPr>
-        </p:nvSpPr>
-        <p:spPr>
-          <a:xfrm>
-            <a:off x="685800" y="4343400"/>
-            <a:ext cx="5486400" cy="4114800"/>
-          </a:xfrm>
-          <a:prstGeom prst="rect">
-            <a:avLst/>
-          </a:prstGeom>
-        </p:spPr>
-        <p:txBody>
-          <a:bodyPr anchorCtr="0" anchor="t" bIns="91425" lIns="91425" spcFirstLastPara="1" rIns="91425" wrap="square" tIns="91425">
-            <a:noAutofit/>
-          </a:bodyPr>
-          <a:lstStyle/>
-          <a:p>
-            <a:pPr indent="0" lvl="0" marL="0">
-              <a:spcBef>
-                <a:spcPts val="0"/>
-              </a:spcBef>
-              <a:spcAft>
-                <a:spcPts val="0"/>
-              </a:spcAft>
-              <a:buNone/>
-            </a:pPr>
-            <a:r>
-              <a:t/>
-            </a:r>
-            <a:endParaRPr/>
-          </a:p>
-        </p:txBody>
-      </p:sp>
-    </p:spTree>
-  </p:cSld>
-  <p:clrMapOvr>
-    <a:masterClrMapping/>
-  </p:clrMapOvr>
-</p:notes>
-</file>
-
-<file path=ppt/notesSlides/notesSlide4.xml><?xml version="1.0" encoding="utf-8"?>
-<p:notes xmlns:a="http://schemas.openxmlformats.org/drawingml/2006/main" xmlns:r="http://schemas.openxmlformats.org/officeDocument/2006/relationships" xmlns:mc="http://schemas.openxmlformats.org/markup-compatibility/2006" xmlns:mv="urn:schemas-microsoft-com:mac:vml" xmlns:p="http://schemas.openxmlformats.org/presentationml/2006/main" xmlns:c="http://schemas.openxmlformats.org/drawingml/2006/chart" xmlns:dgm="http://schemas.openxmlformats.org/drawingml/2006/diagram" xmlns:o="urn:schemas-microsoft-com:office:office" xmlns:v="urn:schemas-microsoft-com:vml" xmlns:pvml="urn:schemas-microsoft-com:office:powerpoint" xmlns:com="http://schemas.openxmlformats.org/drawingml/2006/compatibility" xmlns:p14="http://schemas.microsoft.com/office/powerpoint/2010/main" xmlns:p15="http://schemas.microsoft.com/office/powerpoint/2012/main" showMasterPhAnim="0" showMasterSp="0">
-  <p:cSld>
-    <p:spTree>
-      <p:nvGrpSpPr>
-        <p:cNvPr id="68" name="Shape 68"/>
-        <p:cNvGrpSpPr/>
-        <p:nvPr/>
-      </p:nvGrpSpPr>
-      <p:grpSpPr>
-        <a:xfrm>
-          <a:off x="0" y="0"/>
-          <a:ext cx="0" cy="0"/>
-          <a:chOff x="0" y="0"/>
-          <a:chExt cx="0" cy="0"/>
-        </a:xfrm>
-      </p:grpSpPr>
-      <p:sp>
-        <p:nvSpPr>
-          <p:cNvPr id="69" name="Shape 69"/>
-          <p:cNvSpPr/>
-          <p:nvPr>
-            <p:ph idx="2" type="sldImg"/>
-          </p:nvPr>
-        </p:nvSpPr>
-        <p:spPr>
-          <a:xfrm>
-            <a:off x="381300" y="685800"/>
-            <a:ext cx="6096000" cy="3429000"/>
-          </a:xfrm>
-          <a:custGeom>
-            <a:pathLst>
-              <a:path extrusionOk="0" h="120000" w="120000">
-                <a:moveTo>
-                  <a:pt x="0" y="0"/>
-                </a:moveTo>
-                <a:lnTo>
-                  <a:pt x="120000" y="0"/>
-                </a:lnTo>
-                <a:lnTo>
-                  <a:pt x="120000" y="120000"/>
-                </a:lnTo>
-                <a:lnTo>
-                  <a:pt x="0" y="120000"/>
-                </a:lnTo>
-                <a:close/>
-              </a:path>
-            </a:pathLst>
-          </a:custGeom>
-        </p:spPr>
-      </p:sp>
-      <p:sp>
-        <p:nvSpPr>
-          <p:cNvPr id="70" name="Shape 70"/>
-          <p:cNvSpPr txBox="1"/>
-          <p:nvPr>
-            <p:ph idx="1" type="body"/>
-          </p:nvPr>
-        </p:nvSpPr>
-        <p:spPr>
-          <a:xfrm>
-            <a:off x="685800" y="4343400"/>
-            <a:ext cx="5486400" cy="4114800"/>
-          </a:xfrm>
-          <a:prstGeom prst="rect">
-            <a:avLst/>
-          </a:prstGeom>
-        </p:spPr>
-        <p:txBody>
-          <a:bodyPr anchorCtr="0" anchor="t" bIns="91425" lIns="91425" spcFirstLastPara="1" rIns="91425" wrap="square" tIns="91425">
-            <a:noAutofit/>
-          </a:bodyPr>
-          <a:lstStyle/>
-          <a:p>
-            <a:pPr indent="0" lvl="0" marL="0">
-              <a:spcBef>
-                <a:spcPts val="0"/>
-              </a:spcBef>
-              <a:spcAft>
-                <a:spcPts val="0"/>
-              </a:spcAft>
-              <a:buNone/>
-            </a:pPr>
-            <a:r>
-              <a:t/>
-            </a:r>
-            <a:endParaRPr/>
-          </a:p>
-        </p:txBody>
-      </p:sp>
-    </p:spTree>
-  </p:cSld>
-  <p:clrMapOvr>
-    <a:masterClrMapping/>
-  </p:clrMapOvr>
-</p:notes>
-</file>
-
-<file path=ppt/notesSlides/notesSlide5.xml><?xml version="1.0" encoding="utf-8"?>
-<p:notes xmlns:a="http://schemas.openxmlformats.org/drawingml/2006/main" xmlns:r="http://schemas.openxmlformats.org/officeDocument/2006/relationships" xmlns:mc="http://schemas.openxmlformats.org/markup-compatibility/2006" xmlns:mv="urn:schemas-microsoft-com:mac:vml" xmlns:p="http://schemas.openxmlformats.org/presentationml/2006/main" xmlns:c="http://schemas.openxmlformats.org/drawingml/2006/chart" xmlns:dgm="http://schemas.openxmlformats.org/drawingml/2006/diagram" xmlns:o="urn:schemas-microsoft-com:office:office" xmlns:v="urn:schemas-microsoft-com:vml" xmlns:pvml="urn:schemas-microsoft-com:office:powerpoint" xmlns:com="http://schemas.openxmlformats.org/drawingml/2006/compatibility" xmlns:p14="http://schemas.microsoft.com/office/powerpoint/2010/main" xmlns:p15="http://schemas.microsoft.com/office/powerpoint/2012/main" showMasterPhAnim="0" showMasterSp="0">
-  <p:cSld>
-    <p:spTree>
-      <p:nvGrpSpPr>
-        <p:cNvPr id="74" name="Shape 74"/>
-        <p:cNvGrpSpPr/>
-        <p:nvPr/>
-      </p:nvGrpSpPr>
-      <p:grpSpPr>
-        <a:xfrm>
-          <a:off x="0" y="0"/>
-          <a:ext cx="0" cy="0"/>
-          <a:chOff x="0" y="0"/>
-          <a:chExt cx="0" cy="0"/>
-        </a:xfrm>
-      </p:grpSpPr>
-      <p:sp>
-        <p:nvSpPr>
-          <p:cNvPr id="75" name="Shape 75"/>
-          <p:cNvSpPr/>
-          <p:nvPr>
-            <p:ph idx="2" type="sldImg"/>
-          </p:nvPr>
-        </p:nvSpPr>
-        <p:spPr>
-          <a:xfrm>
-            <a:off x="381300" y="685800"/>
-            <a:ext cx="6096000" cy="3429000"/>
-          </a:xfrm>
-          <a:custGeom>
-            <a:pathLst>
-              <a:path extrusionOk="0" h="120000" w="120000">
-                <a:moveTo>
-                  <a:pt x="0" y="0"/>
-                </a:moveTo>
-                <a:lnTo>
-                  <a:pt x="120000" y="0"/>
-                </a:lnTo>
-                <a:lnTo>
-                  <a:pt x="120000" y="120000"/>
-                </a:lnTo>
-                <a:lnTo>
-                  <a:pt x="0" y="120000"/>
-                </a:lnTo>
-                <a:close/>
-              </a:path>
-            </a:pathLst>
-          </a:custGeom>
-        </p:spPr>
-      </p:sp>
-      <p:sp>
-        <p:nvSpPr>
-          <p:cNvPr id="76" name="Shape 76"/>
-          <p:cNvSpPr txBox="1"/>
-          <p:nvPr>
-            <p:ph idx="1" type="body"/>
-          </p:nvPr>
-        </p:nvSpPr>
-        <p:spPr>
-          <a:xfrm>
-            <a:off x="685800" y="4343400"/>
-            <a:ext cx="5486400" cy="4114800"/>
-          </a:xfrm>
-          <a:prstGeom prst="rect">
-            <a:avLst/>
-          </a:prstGeom>
-        </p:spPr>
-        <p:txBody>
-          <a:bodyPr anchorCtr="0" anchor="t" bIns="91425" lIns="91425" spcFirstLastPara="1" rIns="91425" wrap="square" tIns="91425">
-            <a:noAutofit/>
-          </a:bodyPr>
-          <a:lstStyle/>
-          <a:p>
-            <a:pPr indent="0" lvl="0" marL="0">
-              <a:spcBef>
-                <a:spcPts val="0"/>
-              </a:spcBef>
-              <a:spcAft>
-                <a:spcPts val="0"/>
-              </a:spcAft>
-              <a:buNone/>
-            </a:pPr>
-            <a:r>
-              <a:t/>
-            </a:r>
-            <a:endParaRPr/>
-          </a:p>
-        </p:txBody>
-      </p:sp>
-    </p:spTree>
-  </p:cSld>
-  <p:clrMapOvr>
-    <a:masterClrMapping/>
-  </p:clrMapOvr>
-</p:notes>
-</file>
-
-<file path=ppt/notesSlides/notesSlide6.xml><?xml version="1.0" encoding="utf-8"?>
-<p:notes xmlns:a="http://schemas.openxmlformats.org/drawingml/2006/main" xmlns:r="http://schemas.openxmlformats.org/officeDocument/2006/relationships" xmlns:mc="http://schemas.openxmlformats.org/markup-compatibility/2006" xmlns:mv="urn:schemas-microsoft-com:mac:vml" xmlns:p="http://schemas.openxmlformats.org/presentationml/2006/main" xmlns:c="http://schemas.openxmlformats.org/drawingml/2006/chart" xmlns:dgm="http://schemas.openxmlformats.org/drawingml/2006/diagram" xmlns:o="urn:schemas-microsoft-com:office:office" xmlns:v="urn:schemas-microsoft-com:vml" xmlns:pvml="urn:schemas-microsoft-com:office:powerpoint" xmlns:com="http://schemas.openxmlformats.org/drawingml/2006/compatibility" xmlns:p14="http://schemas.microsoft.com/office/powerpoint/2010/main" xmlns:p15="http://schemas.microsoft.com/office/powerpoint/2012/main" showMasterPhAnim="0" showMasterSp="0">
-  <p:cSld>
-    <p:spTree>
-      <p:nvGrpSpPr>
-        <p:cNvPr id="80" name="Shape 80"/>
-        <p:cNvGrpSpPr/>
-        <p:nvPr/>
-      </p:nvGrpSpPr>
-      <p:grpSpPr>
-        <a:xfrm>
-          <a:off x="0" y="0"/>
-          <a:ext cx="0" cy="0"/>
-          <a:chOff x="0" y="0"/>
-          <a:chExt cx="0" cy="0"/>
-        </a:xfrm>
-      </p:grpSpPr>
-      <p:sp>
-        <p:nvSpPr>
-          <p:cNvPr id="81" name="Shape 81"/>
-          <p:cNvSpPr/>
-          <p:nvPr>
-            <p:ph idx="2" type="sldImg"/>
-          </p:nvPr>
-        </p:nvSpPr>
-        <p:spPr>
-          <a:xfrm>
-            <a:off x="381300" y="685800"/>
-            <a:ext cx="6096000" cy="3429000"/>
-          </a:xfrm>
-          <a:custGeom>
-            <a:pathLst>
-              <a:path extrusionOk="0" h="120000" w="120000">
-                <a:moveTo>
-                  <a:pt x="0" y="0"/>
-                </a:moveTo>
-                <a:lnTo>
-                  <a:pt x="120000" y="0"/>
-                </a:lnTo>
-                <a:lnTo>
-                  <a:pt x="120000" y="120000"/>
-                </a:lnTo>
-                <a:lnTo>
-                  <a:pt x="0" y="120000"/>
-                </a:lnTo>
-                <a:close/>
-              </a:path>
-            </a:pathLst>
-          </a:custGeom>
-        </p:spPr>
-      </p:sp>
-      <p:sp>
-        <p:nvSpPr>
-          <p:cNvPr id="82" name="Shape 82"/>
-          <p:cNvSpPr txBox="1"/>
-          <p:nvPr>
-            <p:ph idx="1" type="body"/>
-          </p:nvPr>
-        </p:nvSpPr>
-        <p:spPr>
-          <a:xfrm>
-            <a:off x="685800" y="4343400"/>
-            <a:ext cx="5486400" cy="4114800"/>
-          </a:xfrm>
-          <a:prstGeom prst="rect">
-            <a:avLst/>
-          </a:prstGeom>
-        </p:spPr>
-        <p:txBody>
-          <a:bodyPr anchorCtr="0" anchor="t" bIns="91425" lIns="91425" spcFirstLastPara="1" rIns="91425" wrap="square" tIns="91425">
-            <a:noAutofit/>
-          </a:bodyPr>
-          <a:lstStyle/>
-          <a:p>
-            <a:pPr indent="0" lvl="0" marL="0">
-              <a:spcBef>
-                <a:spcPts val="0"/>
-              </a:spcBef>
-              <a:spcAft>
-                <a:spcPts val="0"/>
-              </a:spcAft>
-              <a:buNone/>
-            </a:pPr>
-            <a:r>
-              <a:t/>
-            </a:r>
-            <a:endParaRPr/>
-          </a:p>
-        </p:txBody>
-      </p:sp>
-    </p:spTree>
-  </p:cSld>
-  <p:clrMapOvr>
-    <a:masterClrMapping/>
-  </p:clrMapOvr>
-</p:notes>
-</file>
-
-<file path=ppt/notesSlides/notesSlide7.xml><?xml version="1.0" encoding="utf-8"?>
-<p:notes xmlns:a="http://schemas.openxmlformats.org/drawingml/2006/main" xmlns:r="http://schemas.openxmlformats.org/officeDocument/2006/relationships" xmlns:mc="http://schemas.openxmlformats.org/markup-compatibility/2006" xmlns:mv="urn:schemas-microsoft-com:mac:vml" xmlns:p="http://schemas.openxmlformats.org/presentationml/2006/main" xmlns:c="http://schemas.openxmlformats.org/drawingml/2006/chart" xmlns:dgm="http://schemas.openxmlformats.org/drawingml/2006/diagram" xmlns:o="urn:schemas-microsoft-com:office:office" xmlns:v="urn:schemas-microsoft-com:vml" xmlns:pvml="urn:schemas-microsoft-com:office:powerpoint" xmlns:com="http://schemas.openxmlformats.org/drawingml/2006/compatibility" xmlns:p14="http://schemas.microsoft.com/office/powerpoint/2010/main" xmlns:p15="http://schemas.microsoft.com/office/powerpoint/2012/main" showMasterPhAnim="0" showMasterSp="0">
-  <p:cSld>
-    <p:spTree>
-      <p:nvGrpSpPr>
-        <p:cNvPr id="86" name="Shape 86"/>
-        <p:cNvGrpSpPr/>
-        <p:nvPr/>
-      </p:nvGrpSpPr>
-      <p:grpSpPr>
-        <a:xfrm>
-          <a:off x="0" y="0"/>
-          <a:ext cx="0" cy="0"/>
-          <a:chOff x="0" y="0"/>
-          <a:chExt cx="0" cy="0"/>
-        </a:xfrm>
-      </p:grpSpPr>
-      <p:sp>
-        <p:nvSpPr>
-          <p:cNvPr id="87" name="Shape 87"/>
-          <p:cNvSpPr/>
-          <p:nvPr>
-            <p:ph idx="2" type="sldImg"/>
-          </p:nvPr>
-        </p:nvSpPr>
-        <p:spPr>
-          <a:xfrm>
-            <a:off x="381300" y="685800"/>
-            <a:ext cx="6096000" cy="3429000"/>
-          </a:xfrm>
-          <a:custGeom>
-            <a:pathLst>
-              <a:path extrusionOk="0" h="120000" w="120000">
-                <a:moveTo>
-                  <a:pt x="0" y="0"/>
-                </a:moveTo>
-                <a:lnTo>
-                  <a:pt x="120000" y="0"/>
-                </a:lnTo>
-                <a:lnTo>
-                  <a:pt x="120000" y="120000"/>
-                </a:lnTo>
-                <a:lnTo>
-                  <a:pt x="0" y="120000"/>
-                </a:lnTo>
-                <a:close/>
-              </a:path>
-            </a:pathLst>
-          </a:custGeom>
-        </p:spPr>
-      </p:sp>
-      <p:sp>
-        <p:nvSpPr>
-          <p:cNvPr id="88" name="Shape 88"/>
-          <p:cNvSpPr txBox="1"/>
-          <p:nvPr>
-            <p:ph idx="1" type="body"/>
-          </p:nvPr>
-        </p:nvSpPr>
-        <p:spPr>
-          <a:xfrm>
-            <a:off x="685800" y="4343400"/>
-            <a:ext cx="5486400" cy="4114800"/>
-          </a:xfrm>
-          <a:prstGeom prst="rect">
-            <a:avLst/>
-          </a:prstGeom>
-        </p:spPr>
-        <p:txBody>
-          <a:bodyPr anchorCtr="0" anchor="t" bIns="91425" lIns="91425" spcFirstLastPara="1" rIns="91425" wrap="square" tIns="91425">
-            <a:noAutofit/>
-          </a:bodyPr>
-          <a:lstStyle/>
-          <a:p>
-            <a:pPr indent="0" lvl="0" marL="0">
-              <a:spcBef>
-                <a:spcPts val="0"/>
-              </a:spcBef>
-              <a:spcAft>
-                <a:spcPts val="0"/>
-              </a:spcAft>
-              <a:buNone/>
-            </a:pPr>
-            <a:r>
-              <a:t/>
-            </a:r>
-            <a:endParaRPr/>
-          </a:p>
-        </p:txBody>
-      </p:sp>
-    </p:spTree>
-  </p:cSld>
-  <p:clrMapOvr>
-    <a:masterClrMapping/>
-  </p:clrMapOvr>
-</p:notes>
-</file>
-
-<file path=ppt/notesSlides/notesSlide8.xml><?xml version="1.0" encoding="utf-8"?>
-<p:notes xmlns:a="http://schemas.openxmlformats.org/drawingml/2006/main" xmlns:r="http://schemas.openxmlformats.org/officeDocument/2006/relationships" xmlns:mc="http://schemas.openxmlformats.org/markup-compatibility/2006" xmlns:mv="urn:schemas-microsoft-com:mac:vml" xmlns:p="http://schemas.openxmlformats.org/presentationml/2006/main" xmlns:c="http://schemas.openxmlformats.org/drawingml/2006/chart" xmlns:dgm="http://schemas.openxmlformats.org/drawingml/2006/diagram" xmlns:o="urn:schemas-microsoft-com:office:office" xmlns:v="urn:schemas-microsoft-com:vml" xmlns:pvml="urn:schemas-microsoft-com:office:powerpoint" xmlns:com="http://schemas.openxmlformats.org/drawingml/2006/compatibility" xmlns:p14="http://schemas.microsoft.com/office/powerpoint/2010/main" xmlns:p15="http://schemas.microsoft.com/office/powerpoint/2012/main" showMasterPhAnim="0" showMasterSp="0">
-  <p:cSld>
-    <p:spTree>
-      <p:nvGrpSpPr>
-        <p:cNvPr id="92" name="Shape 92"/>
-        <p:cNvGrpSpPr/>
-        <p:nvPr/>
-      </p:nvGrpSpPr>
-      <p:grpSpPr>
-        <a:xfrm>
-          <a:off x="0" y="0"/>
-          <a:ext cx="0" cy="0"/>
-          <a:chOff x="0" y="0"/>
-          <a:chExt cx="0" cy="0"/>
-        </a:xfrm>
-      </p:grpSpPr>
-      <p:sp>
-        <p:nvSpPr>
-          <p:cNvPr id="93" name="Shape 93"/>
-          <p:cNvSpPr/>
-          <p:nvPr>
-            <p:ph idx="2" type="sldImg"/>
-          </p:nvPr>
-        </p:nvSpPr>
-        <p:spPr>
-          <a:xfrm>
-            <a:off x="381300" y="685800"/>
-            <a:ext cx="6096000" cy="3429000"/>
-          </a:xfrm>
-          <a:custGeom>
-            <a:pathLst>
-              <a:path extrusionOk="0" h="120000" w="120000">
-                <a:moveTo>
-                  <a:pt x="0" y="0"/>
-                </a:moveTo>
-                <a:lnTo>
-                  <a:pt x="120000" y="0"/>
-                </a:lnTo>
-                <a:lnTo>
-                  <a:pt x="120000" y="120000"/>
-                </a:lnTo>
-                <a:lnTo>
-                  <a:pt x="0" y="120000"/>
-                </a:lnTo>
-                <a:close/>
-              </a:path>
-            </a:pathLst>
-          </a:custGeom>
-        </p:spPr>
-      </p:sp>
-      <p:sp>
-        <p:nvSpPr>
-          <p:cNvPr id="94" name="Shape 94"/>
-          <p:cNvSpPr txBox="1"/>
-          <p:nvPr>
-            <p:ph idx="1" type="body"/>
-          </p:nvPr>
-        </p:nvSpPr>
-        <p:spPr>
-          <a:xfrm>
-            <a:off x="685800" y="4343400"/>
-            <a:ext cx="5486400" cy="4114800"/>
-          </a:xfrm>
-          <a:prstGeom prst="rect">
-            <a:avLst/>
-          </a:prstGeom>
-        </p:spPr>
-        <p:txBody>
-          <a:bodyPr anchorCtr="0" anchor="t" bIns="91425" lIns="91425" spcFirstLastPara="1" rIns="91425" wrap="square" tIns="91425">
-            <a:noAutofit/>
-          </a:bodyPr>
-          <a:lstStyle/>
-          <a:p>
-            <a:pPr indent="0" lvl="0" marL="0">
-              <a:spcBef>
-                <a:spcPts val="0"/>
-              </a:spcBef>
-              <a:spcAft>
-                <a:spcPts val="0"/>
-              </a:spcAft>
-              <a:buNone/>
-            </a:pPr>
-            <a:r>
-              <a:t/>
-            </a:r>
-            <a:endParaRPr/>
-          </a:p>
-        </p:txBody>
-      </p:sp>
-    </p:spTree>
-  </p:cSld>
-  <p:clrMapOvr>
-    <a:masterClrMapping/>
-  </p:clrMapOvr>
-</p:notes>
-</file>
-
-<file path=ppt/notesSlides/notesSlide9.xml><?xml version="1.0" encoding="utf-8"?>
-<p:notes xmlns:a="http://schemas.openxmlformats.org/drawingml/2006/main" xmlns:r="http://schemas.openxmlformats.org/officeDocument/2006/relationships" xmlns:mc="http://schemas.openxmlformats.org/markup-compatibility/2006" xmlns:mv="urn:schemas-microsoft-com:mac:vml" xmlns:p="http://schemas.openxmlformats.org/presentationml/2006/main" xmlns:c="http://schemas.openxmlformats.org/drawingml/2006/chart" xmlns:dgm="http://schemas.openxmlformats.org/drawingml/2006/diagram" xmlns:o="urn:schemas-microsoft-com:office:office" xmlns:v="urn:schemas-microsoft-com:vml" xmlns:pvml="urn:schemas-microsoft-com:office:powerpoint" xmlns:com="http://schemas.openxmlformats.org/drawingml/2006/compatibility" xmlns:p14="http://schemas.microsoft.com/office/powerpoint/2010/main" xmlns:p15="http://schemas.microsoft.com/office/powerpoint/2012/main" showMasterPhAnim="0" showMasterSp="0">
-  <p:cSld>
-    <p:spTree>
-      <p:nvGrpSpPr>
-        <p:cNvPr id="98" name="Shape 98"/>
-        <p:cNvGrpSpPr/>
-        <p:nvPr/>
-      </p:nvGrpSpPr>
-      <p:grpSpPr>
-        <a:xfrm>
-          <a:off x="0" y="0"/>
-          <a:ext cx="0" cy="0"/>
-          <a:chOff x="0" y="0"/>
-          <a:chExt cx="0" cy="0"/>
-        </a:xfrm>
-      </p:grpSpPr>
-      <p:sp>
-        <p:nvSpPr>
-          <p:cNvPr id="99" name="Shape 99"/>
-          <p:cNvSpPr/>
-          <p:nvPr>
-            <p:ph idx="2" type="sldImg"/>
-          </p:nvPr>
-        </p:nvSpPr>
-        <p:spPr>
-          <a:xfrm>
-            <a:off x="381300" y="685800"/>
-            <a:ext cx="6096000" cy="3429000"/>
-          </a:xfrm>
-          <a:custGeom>
-            <a:pathLst>
-              <a:path extrusionOk="0" h="120000" w="120000">
-                <a:moveTo>
-                  <a:pt x="0" y="0"/>
-                </a:moveTo>
-                <a:lnTo>
-                  <a:pt x="120000" y="0"/>
-                </a:lnTo>
-                <a:lnTo>
-                  <a:pt x="120000" y="120000"/>
-                </a:lnTo>
-                <a:lnTo>
-                  <a:pt x="0" y="120000"/>
-                </a:lnTo>
-                <a:close/>
-              </a:path>
-            </a:pathLst>
-          </a:custGeom>
-        </p:spPr>
-      </p:sp>
-      <p:sp>
-        <p:nvSpPr>
-          <p:cNvPr id="100" name="Shape 100"/>
-          <p:cNvSpPr txBox="1"/>
-          <p:nvPr>
-            <p:ph idx="1" type="body"/>
-          </p:nvPr>
-        </p:nvSpPr>
-        <p:spPr>
-          <a:xfrm>
-            <a:off x="685800" y="4343400"/>
-            <a:ext cx="5486400" cy="4114800"/>
-          </a:xfrm>
-          <a:prstGeom prst="rect">
-            <a:avLst/>
-          </a:prstGeom>
-        </p:spPr>
-        <p:txBody>
-          <a:bodyPr anchorCtr="0" anchor="t" bIns="91425" lIns="91425" spcFirstLastPara="1" rIns="91425" wrap="square" tIns="91425">
-            <a:noAutofit/>
-          </a:bodyPr>
-          <a:lstStyle/>
-          <a:p>
-            <a:pPr indent="0" lvl="0" marL="0">
-              <a:spcBef>
-                <a:spcPts val="0"/>
-              </a:spcBef>
-              <a:spcAft>
-                <a:spcPts val="0"/>
-              </a:spcAft>
-              <a:buNone/>
-            </a:pPr>
-            <a:r>
-              <a:t/>
-            </a:r>
-            <a:endParaRPr/>
-          </a:p>
-        </p:txBody>
-      </p:sp>
-    </p:spTree>
+    <p:extLst>
+      <p:ext uri="{BB962C8B-B14F-4D97-AF65-F5344CB8AC3E}">
+        <p14:creationId xmlns:p14="http://schemas.microsoft.com/office/powerpoint/2010/main" val="1101227991"/>
+      </p:ext>
+    </p:extLst>
   </p:cSld>
   <p:clrMapOvr>
     <a:masterClrMapping/>
@@ -1856,11 +1798,11 @@
 </file>
 
 <file path=ppt/slideLayouts/slideLayout1.xml><?xml version="1.0" encoding="utf-8"?>
-<p:sldLayout xmlns:a="http://schemas.openxmlformats.org/drawingml/2006/main" xmlns:r="http://schemas.openxmlformats.org/officeDocument/2006/relationships" xmlns:mc="http://schemas.openxmlformats.org/markup-compatibility/2006" xmlns:mv="urn:schemas-microsoft-com:mac:vml" xmlns:p="http://schemas.openxmlformats.org/presentationml/2006/main" xmlns:c="http://schemas.openxmlformats.org/drawingml/2006/chart" xmlns:dgm="http://schemas.openxmlformats.org/drawingml/2006/diagram" xmlns:o="urn:schemas-microsoft-com:office:office" xmlns:v="urn:schemas-microsoft-com:vml" xmlns:pvml="urn:schemas-microsoft-com:office:powerpoint" xmlns:com="http://schemas.openxmlformats.org/drawingml/2006/compatibility" xmlns:p14="http://schemas.microsoft.com/office/powerpoint/2010/main" xmlns:p15="http://schemas.microsoft.com/office/powerpoint/2012/main" matchingName="Title slide" type="title">
+<p:sldLayout xmlns:a="http://schemas.openxmlformats.org/drawingml/2006/main" xmlns:r="http://schemas.openxmlformats.org/officeDocument/2006/relationships" xmlns:p="http://schemas.openxmlformats.org/presentationml/2006/main" matchingName="Title slide" type="title">
   <p:cSld name="TITLE">
     <p:spTree>
       <p:nvGrpSpPr>
-        <p:cNvPr id="9" name="Shape 9"/>
+        <p:cNvPr id="1" name="Shape 9"/>
         <p:cNvGrpSpPr/>
         <p:nvPr/>
       </p:nvGrpSpPr>
@@ -1875,7 +1817,9 @@
       <p:sp>
         <p:nvSpPr>
           <p:cNvPr id="10" name="Shape 10"/>
-          <p:cNvSpPr txBox="1"/>
+          <p:cNvSpPr txBox="1">
+            <a:spLocks noGrp="1"/>
+          </p:cNvSpPr>
           <p:nvPr>
             <p:ph type="ctrTitle"/>
           </p:nvPr>
@@ -1890,7 +1834,7 @@
           </a:prstGeom>
         </p:spPr>
         <p:txBody>
-          <a:bodyPr anchorCtr="0" anchor="b" bIns="91425" lIns="91425" spcFirstLastPara="1" rIns="91425" wrap="square" tIns="91425"/>
+          <a:bodyPr spcFirstLastPara="1" wrap="square" lIns="91425" tIns="91425" rIns="91425" bIns="91425" anchor="b" anchorCtr="0"/>
           <a:lstStyle>
             <a:lvl1pPr lvl="0" algn="ctr">
               <a:spcBef>
@@ -1992,15 +1936,19 @@
               <a:defRPr sz="5200"/>
             </a:lvl9pPr>
           </a:lstStyle>
-          <a:p/>
+          <a:p>
+            <a:endParaRPr/>
+          </a:p>
         </p:txBody>
       </p:sp>
       <p:sp>
         <p:nvSpPr>
           <p:cNvPr id="11" name="Shape 11"/>
-          <p:cNvSpPr txBox="1"/>
+          <p:cNvSpPr txBox="1">
+            <a:spLocks noGrp="1"/>
+          </p:cNvSpPr>
           <p:nvPr>
-            <p:ph idx="1" type="subTitle"/>
+            <p:ph type="subTitle" idx="1"/>
           </p:nvPr>
         </p:nvSpPr>
         <p:spPr>
@@ -2013,7 +1961,7 @@
           </a:prstGeom>
         </p:spPr>
         <p:txBody>
-          <a:bodyPr anchorCtr="0" anchor="t" bIns="91425" lIns="91425" spcFirstLastPara="1" rIns="91425" wrap="square" tIns="91425"/>
+          <a:bodyPr spcFirstLastPara="1" wrap="square" lIns="91425" tIns="91425" rIns="91425" bIns="91425" anchor="t" anchorCtr="0"/>
           <a:lstStyle>
             <a:lvl1pPr lvl="0" algn="ctr">
               <a:lnSpc>
@@ -2142,15 +2090,19 @@
               <a:defRPr sz="2800"/>
             </a:lvl9pPr>
           </a:lstStyle>
-          <a:p/>
+          <a:p>
+            <a:endParaRPr/>
+          </a:p>
         </p:txBody>
       </p:sp>
       <p:sp>
         <p:nvSpPr>
           <p:cNvPr id="12" name="Shape 12"/>
-          <p:cNvSpPr txBox="1"/>
+          <p:cNvSpPr txBox="1">
+            <a:spLocks noGrp="1"/>
+          </p:cNvSpPr>
           <p:nvPr>
-            <p:ph idx="12" type="sldNum"/>
+            <p:ph type="sldNum" idx="12"/>
           </p:nvPr>
         </p:nvSpPr>
         <p:spPr>
@@ -2163,7 +2115,7 @@
           </a:prstGeom>
         </p:spPr>
         <p:txBody>
-          <a:bodyPr anchorCtr="0" anchor="ctr" bIns="91425" lIns="91425" spcFirstLastPara="1" rIns="91425" wrap="square" tIns="91425">
+          <a:bodyPr spcFirstLastPara="1" wrap="square" lIns="91425" tIns="91425" rIns="91425" bIns="91425" anchor="ctr" anchorCtr="0">
             <a:noAutofit/>
           </a:bodyPr>
           <a:lstStyle>
@@ -2205,7 +2157,7 @@
             </a:lvl9pPr>
           </a:lstStyle>
           <a:p>
-            <a:pPr indent="0" lvl="0" marL="0">
+            <a:pPr marL="0" lvl="0" indent="0">
               <a:spcBef>
                 <a:spcPts val="0"/>
               </a:spcBef>
@@ -2231,11 +2183,11 @@
 </file>
 
 <file path=ppt/slideLayouts/slideLayout10.xml><?xml version="1.0" encoding="utf-8"?>
-<p:sldLayout xmlns:a="http://schemas.openxmlformats.org/drawingml/2006/main" xmlns:r="http://schemas.openxmlformats.org/officeDocument/2006/relationships" xmlns:mc="http://schemas.openxmlformats.org/markup-compatibility/2006" xmlns:mv="urn:schemas-microsoft-com:mac:vml" xmlns:p="http://schemas.openxmlformats.org/presentationml/2006/main" xmlns:c="http://schemas.openxmlformats.org/drawingml/2006/chart" xmlns:dgm="http://schemas.openxmlformats.org/drawingml/2006/diagram" xmlns:o="urn:schemas-microsoft-com:office:office" xmlns:v="urn:schemas-microsoft-com:vml" xmlns:pvml="urn:schemas-microsoft-com:office:powerpoint" xmlns:com="http://schemas.openxmlformats.org/drawingml/2006/compatibility" xmlns:p14="http://schemas.microsoft.com/office/powerpoint/2010/main" xmlns:p15="http://schemas.microsoft.com/office/powerpoint/2012/main" matchingName="Big number">
+<p:sldLayout xmlns:a="http://schemas.openxmlformats.org/drawingml/2006/main" xmlns:r="http://schemas.openxmlformats.org/officeDocument/2006/relationships" xmlns:p="http://schemas.openxmlformats.org/presentationml/2006/main" matchingName="Big number">
   <p:cSld name="BIG_NUMBER">
     <p:spTree>
       <p:nvGrpSpPr>
-        <p:cNvPr id="44" name="Shape 44"/>
+        <p:cNvPr id="1" name="Shape 44"/>
         <p:cNvGrpSpPr/>
         <p:nvPr/>
       </p:nvGrpSpPr>
@@ -2250,7 +2202,9 @@
       <p:sp>
         <p:nvSpPr>
           <p:cNvPr id="45" name="Shape 45"/>
-          <p:cNvSpPr txBox="1"/>
+          <p:cNvSpPr txBox="1">
+            <a:spLocks noGrp="1"/>
+          </p:cNvSpPr>
           <p:nvPr>
             <p:ph type="title"/>
           </p:nvPr>
@@ -2265,7 +2219,7 @@
           </a:prstGeom>
         </p:spPr>
         <p:txBody>
-          <a:bodyPr anchorCtr="0" anchor="b" bIns="91425" lIns="91425" spcFirstLastPara="1" rIns="91425" wrap="square" tIns="91425"/>
+          <a:bodyPr spcFirstLastPara="1" wrap="square" lIns="91425" tIns="91425" rIns="91425" bIns="91425" anchor="b" anchorCtr="0"/>
           <a:lstStyle>
             <a:lvl1pPr lvl="0" algn="ctr">
               <a:spcBef>
@@ -2367,15 +2321,19 @@
               <a:defRPr sz="12000"/>
             </a:lvl9pPr>
           </a:lstStyle>
-          <a:p/>
+          <a:p>
+            <a:endParaRPr/>
+          </a:p>
         </p:txBody>
       </p:sp>
       <p:sp>
         <p:nvSpPr>
           <p:cNvPr id="46" name="Shape 46"/>
-          <p:cNvSpPr txBox="1"/>
+          <p:cNvSpPr txBox="1">
+            <a:spLocks noGrp="1"/>
+          </p:cNvSpPr>
           <p:nvPr>
-            <p:ph idx="1" type="body"/>
+            <p:ph type="body" idx="1"/>
           </p:nvPr>
         </p:nvSpPr>
         <p:spPr>
@@ -2388,9 +2346,9 @@
           </a:prstGeom>
         </p:spPr>
         <p:txBody>
-          <a:bodyPr anchorCtr="0" anchor="t" bIns="91425" lIns="91425" spcFirstLastPara="1" rIns="91425" wrap="square" tIns="91425"/>
+          <a:bodyPr spcFirstLastPara="1" wrap="square" lIns="91425" tIns="91425" rIns="91425" bIns="91425" anchor="t" anchorCtr="0"/>
           <a:lstStyle>
-            <a:lvl1pPr indent="-342900" lvl="0" marL="457200" algn="ctr">
+            <a:lvl1pPr marL="457200" lvl="0" indent="-342900" algn="ctr">
               <a:spcBef>
                 <a:spcPts val="0"/>
               </a:spcBef>
@@ -2401,7 +2359,7 @@
               <a:buChar char="●"/>
               <a:defRPr/>
             </a:lvl1pPr>
-            <a:lvl2pPr indent="-317500" lvl="1" marL="914400" algn="ctr">
+            <a:lvl2pPr marL="914400" lvl="1" indent="-317500" algn="ctr">
               <a:spcBef>
                 <a:spcPts val="1600"/>
               </a:spcBef>
@@ -2412,7 +2370,7 @@
               <a:buChar char="○"/>
               <a:defRPr/>
             </a:lvl2pPr>
-            <a:lvl3pPr indent="-317500" lvl="2" marL="1371600" algn="ctr">
+            <a:lvl3pPr marL="1371600" lvl="2" indent="-317500" algn="ctr">
               <a:spcBef>
                 <a:spcPts val="1600"/>
               </a:spcBef>
@@ -2423,7 +2381,7 @@
               <a:buChar char="■"/>
               <a:defRPr/>
             </a:lvl3pPr>
-            <a:lvl4pPr indent="-317500" lvl="3" marL="1828800" algn="ctr">
+            <a:lvl4pPr marL="1828800" lvl="3" indent="-317500" algn="ctr">
               <a:spcBef>
                 <a:spcPts val="1600"/>
               </a:spcBef>
@@ -2434,7 +2392,7 @@
               <a:buChar char="●"/>
               <a:defRPr/>
             </a:lvl4pPr>
-            <a:lvl5pPr indent="-317500" lvl="4" marL="2286000" algn="ctr">
+            <a:lvl5pPr marL="2286000" lvl="4" indent="-317500" algn="ctr">
               <a:spcBef>
                 <a:spcPts val="1600"/>
               </a:spcBef>
@@ -2445,7 +2403,7 @@
               <a:buChar char="○"/>
               <a:defRPr/>
             </a:lvl5pPr>
-            <a:lvl6pPr indent="-317500" lvl="5" marL="2743200" algn="ctr">
+            <a:lvl6pPr marL="2743200" lvl="5" indent="-317500" algn="ctr">
               <a:spcBef>
                 <a:spcPts val="1600"/>
               </a:spcBef>
@@ -2456,7 +2414,7 @@
               <a:buChar char="■"/>
               <a:defRPr/>
             </a:lvl6pPr>
-            <a:lvl7pPr indent="-317500" lvl="6" marL="3200400" algn="ctr">
+            <a:lvl7pPr marL="3200400" lvl="6" indent="-317500" algn="ctr">
               <a:spcBef>
                 <a:spcPts val="1600"/>
               </a:spcBef>
@@ -2467,7 +2425,7 @@
               <a:buChar char="●"/>
               <a:defRPr/>
             </a:lvl7pPr>
-            <a:lvl8pPr indent="-317500" lvl="7" marL="3657600" algn="ctr">
+            <a:lvl8pPr marL="3657600" lvl="7" indent="-317500" algn="ctr">
               <a:spcBef>
                 <a:spcPts val="1600"/>
               </a:spcBef>
@@ -2478,7 +2436,7 @@
               <a:buChar char="○"/>
               <a:defRPr/>
             </a:lvl8pPr>
-            <a:lvl9pPr indent="-317500" lvl="8" marL="4114800" algn="ctr">
+            <a:lvl9pPr marL="4114800" lvl="8" indent="-317500" algn="ctr">
               <a:spcBef>
                 <a:spcPts val="1600"/>
               </a:spcBef>
@@ -2490,15 +2448,19 @@
               <a:defRPr/>
             </a:lvl9pPr>
           </a:lstStyle>
-          <a:p/>
+          <a:p>
+            <a:endParaRPr/>
+          </a:p>
         </p:txBody>
       </p:sp>
       <p:sp>
         <p:nvSpPr>
           <p:cNvPr id="47" name="Shape 47"/>
-          <p:cNvSpPr txBox="1"/>
+          <p:cNvSpPr txBox="1">
+            <a:spLocks noGrp="1"/>
+          </p:cNvSpPr>
           <p:nvPr>
-            <p:ph idx="12" type="sldNum"/>
+            <p:ph type="sldNum" idx="12"/>
           </p:nvPr>
         </p:nvSpPr>
         <p:spPr>
@@ -2511,7 +2473,7 @@
           </a:prstGeom>
         </p:spPr>
         <p:txBody>
-          <a:bodyPr anchorCtr="0" anchor="ctr" bIns="91425" lIns="91425" spcFirstLastPara="1" rIns="91425" wrap="square" tIns="91425">
+          <a:bodyPr spcFirstLastPara="1" wrap="square" lIns="91425" tIns="91425" rIns="91425" bIns="91425" anchor="ctr" anchorCtr="0">
             <a:noAutofit/>
           </a:bodyPr>
           <a:lstStyle>
@@ -2553,7 +2515,7 @@
             </a:lvl9pPr>
           </a:lstStyle>
           <a:p>
-            <a:pPr indent="0" lvl="0" marL="0">
+            <a:pPr marL="0" lvl="0" indent="0">
               <a:spcBef>
                 <a:spcPts val="0"/>
               </a:spcBef>
@@ -2579,11 +2541,11 @@
 </file>
 
 <file path=ppt/slideLayouts/slideLayout11.xml><?xml version="1.0" encoding="utf-8"?>
-<p:sldLayout xmlns:a="http://schemas.openxmlformats.org/drawingml/2006/main" xmlns:r="http://schemas.openxmlformats.org/officeDocument/2006/relationships" xmlns:mc="http://schemas.openxmlformats.org/markup-compatibility/2006" xmlns:mv="urn:schemas-microsoft-com:mac:vml" xmlns:p="http://schemas.openxmlformats.org/presentationml/2006/main" xmlns:c="http://schemas.openxmlformats.org/drawingml/2006/chart" xmlns:dgm="http://schemas.openxmlformats.org/drawingml/2006/diagram" xmlns:o="urn:schemas-microsoft-com:office:office" xmlns:v="urn:schemas-microsoft-com:vml" xmlns:pvml="urn:schemas-microsoft-com:office:powerpoint" xmlns:com="http://schemas.openxmlformats.org/drawingml/2006/compatibility" xmlns:p14="http://schemas.microsoft.com/office/powerpoint/2010/main" xmlns:p15="http://schemas.microsoft.com/office/powerpoint/2012/main" matchingName="Blank" type="blank">
+<p:sldLayout xmlns:a="http://schemas.openxmlformats.org/drawingml/2006/main" xmlns:r="http://schemas.openxmlformats.org/officeDocument/2006/relationships" xmlns:p="http://schemas.openxmlformats.org/presentationml/2006/main" matchingName="Blank" type="blank">
   <p:cSld name="BLANK">
     <p:spTree>
       <p:nvGrpSpPr>
-        <p:cNvPr id="48" name="Shape 48"/>
+        <p:cNvPr id="1" name="Shape 48"/>
         <p:cNvGrpSpPr/>
         <p:nvPr/>
       </p:nvGrpSpPr>
@@ -2598,9 +2560,11 @@
       <p:sp>
         <p:nvSpPr>
           <p:cNvPr id="49" name="Shape 49"/>
-          <p:cNvSpPr txBox="1"/>
+          <p:cNvSpPr txBox="1">
+            <a:spLocks noGrp="1"/>
+          </p:cNvSpPr>
           <p:nvPr>
-            <p:ph idx="12" type="sldNum"/>
+            <p:ph type="sldNum" idx="12"/>
           </p:nvPr>
         </p:nvSpPr>
         <p:spPr>
@@ -2613,7 +2577,7 @@
           </a:prstGeom>
         </p:spPr>
         <p:txBody>
-          <a:bodyPr anchorCtr="0" anchor="ctr" bIns="91425" lIns="91425" spcFirstLastPara="1" rIns="91425" wrap="square" tIns="91425">
+          <a:bodyPr spcFirstLastPara="1" wrap="square" lIns="91425" tIns="91425" rIns="91425" bIns="91425" anchor="ctr" anchorCtr="0">
             <a:noAutofit/>
           </a:bodyPr>
           <a:lstStyle>
@@ -2655,7 +2619,7 @@
             </a:lvl9pPr>
           </a:lstStyle>
           <a:p>
-            <a:pPr indent="0" lvl="0" marL="0">
+            <a:pPr marL="0" lvl="0" indent="0">
               <a:spcBef>
                 <a:spcPts val="0"/>
               </a:spcBef>
@@ -2681,11 +2645,11 @@
 </file>
 
 <file path=ppt/slideLayouts/slideLayout2.xml><?xml version="1.0" encoding="utf-8"?>
-<p:sldLayout xmlns:a="http://schemas.openxmlformats.org/drawingml/2006/main" xmlns:r="http://schemas.openxmlformats.org/officeDocument/2006/relationships" xmlns:mc="http://schemas.openxmlformats.org/markup-compatibility/2006" xmlns:mv="urn:schemas-microsoft-com:mac:vml" xmlns:p="http://schemas.openxmlformats.org/presentationml/2006/main" xmlns:c="http://schemas.openxmlformats.org/drawingml/2006/chart" xmlns:dgm="http://schemas.openxmlformats.org/drawingml/2006/diagram" xmlns:o="urn:schemas-microsoft-com:office:office" xmlns:v="urn:schemas-microsoft-com:vml" xmlns:pvml="urn:schemas-microsoft-com:office:powerpoint" xmlns:com="http://schemas.openxmlformats.org/drawingml/2006/compatibility" xmlns:p14="http://schemas.microsoft.com/office/powerpoint/2010/main" xmlns:p15="http://schemas.microsoft.com/office/powerpoint/2012/main" matchingName="Section header" type="secHead">
+<p:sldLayout xmlns:a="http://schemas.openxmlformats.org/drawingml/2006/main" xmlns:r="http://schemas.openxmlformats.org/officeDocument/2006/relationships" xmlns:p="http://schemas.openxmlformats.org/presentationml/2006/main" matchingName="Section header" type="secHead">
   <p:cSld name="SECTION_HEADER">
     <p:spTree>
       <p:nvGrpSpPr>
-        <p:cNvPr id="13" name="Shape 13"/>
+        <p:cNvPr id="1" name="Shape 13"/>
         <p:cNvGrpSpPr/>
         <p:nvPr/>
       </p:nvGrpSpPr>
@@ -2700,7 +2664,9 @@
       <p:sp>
         <p:nvSpPr>
           <p:cNvPr id="14" name="Shape 14"/>
-          <p:cNvSpPr txBox="1"/>
+          <p:cNvSpPr txBox="1">
+            <a:spLocks noGrp="1"/>
+          </p:cNvSpPr>
           <p:nvPr>
             <p:ph type="title"/>
           </p:nvPr>
@@ -2715,7 +2681,7 @@
           </a:prstGeom>
         </p:spPr>
         <p:txBody>
-          <a:bodyPr anchorCtr="0" anchor="ctr" bIns="91425" lIns="91425" spcFirstLastPara="1" rIns="91425" wrap="square" tIns="91425"/>
+          <a:bodyPr spcFirstLastPara="1" wrap="square" lIns="91425" tIns="91425" rIns="91425" bIns="91425" anchor="ctr" anchorCtr="0"/>
           <a:lstStyle>
             <a:lvl1pPr lvl="0" algn="ctr">
               <a:spcBef>
@@ -2817,15 +2783,19 @@
               <a:defRPr sz="3600"/>
             </a:lvl9pPr>
           </a:lstStyle>
-          <a:p/>
+          <a:p>
+            <a:endParaRPr/>
+          </a:p>
         </p:txBody>
       </p:sp>
       <p:sp>
         <p:nvSpPr>
           <p:cNvPr id="15" name="Shape 15"/>
-          <p:cNvSpPr txBox="1"/>
+          <p:cNvSpPr txBox="1">
+            <a:spLocks noGrp="1"/>
+          </p:cNvSpPr>
           <p:nvPr>
-            <p:ph idx="12" type="sldNum"/>
+            <p:ph type="sldNum" idx="12"/>
           </p:nvPr>
         </p:nvSpPr>
         <p:spPr>
@@ -2838,7 +2808,7 @@
           </a:prstGeom>
         </p:spPr>
         <p:txBody>
-          <a:bodyPr anchorCtr="0" anchor="ctr" bIns="91425" lIns="91425" spcFirstLastPara="1" rIns="91425" wrap="square" tIns="91425">
+          <a:bodyPr spcFirstLastPara="1" wrap="square" lIns="91425" tIns="91425" rIns="91425" bIns="91425" anchor="ctr" anchorCtr="0">
             <a:noAutofit/>
           </a:bodyPr>
           <a:lstStyle>
@@ -2880,7 +2850,7 @@
             </a:lvl9pPr>
           </a:lstStyle>
           <a:p>
-            <a:pPr indent="0" lvl="0" marL="0">
+            <a:pPr marL="0" lvl="0" indent="0">
               <a:spcBef>
                 <a:spcPts val="0"/>
               </a:spcBef>
@@ -2906,11 +2876,11 @@
 </file>
 
 <file path=ppt/slideLayouts/slideLayout3.xml><?xml version="1.0" encoding="utf-8"?>
-<p:sldLayout xmlns:a="http://schemas.openxmlformats.org/drawingml/2006/main" xmlns:r="http://schemas.openxmlformats.org/officeDocument/2006/relationships" xmlns:mc="http://schemas.openxmlformats.org/markup-compatibility/2006" xmlns:mv="urn:schemas-microsoft-com:mac:vml" xmlns:p="http://schemas.openxmlformats.org/presentationml/2006/main" xmlns:c="http://schemas.openxmlformats.org/drawingml/2006/chart" xmlns:dgm="http://schemas.openxmlformats.org/drawingml/2006/diagram" xmlns:o="urn:schemas-microsoft-com:office:office" xmlns:v="urn:schemas-microsoft-com:vml" xmlns:pvml="urn:schemas-microsoft-com:office:powerpoint" xmlns:com="http://schemas.openxmlformats.org/drawingml/2006/compatibility" xmlns:p14="http://schemas.microsoft.com/office/powerpoint/2010/main" xmlns:p15="http://schemas.microsoft.com/office/powerpoint/2012/main" matchingName="Title and body" type="tx">
+<p:sldLayout xmlns:a="http://schemas.openxmlformats.org/drawingml/2006/main" xmlns:r="http://schemas.openxmlformats.org/officeDocument/2006/relationships" xmlns:p="http://schemas.openxmlformats.org/presentationml/2006/main" matchingName="Title and body" type="tx">
   <p:cSld name="TITLE_AND_BODY">
     <p:spTree>
       <p:nvGrpSpPr>
-        <p:cNvPr id="16" name="Shape 16"/>
+        <p:cNvPr id="1" name="Shape 16"/>
         <p:cNvGrpSpPr/>
         <p:nvPr/>
       </p:nvGrpSpPr>
@@ -2925,7 +2895,9 @@
       <p:sp>
         <p:nvSpPr>
           <p:cNvPr id="17" name="Shape 17"/>
-          <p:cNvSpPr txBox="1"/>
+          <p:cNvSpPr txBox="1">
+            <a:spLocks noGrp="1"/>
+          </p:cNvSpPr>
           <p:nvPr>
             <p:ph type="title"/>
           </p:nvPr>
@@ -2940,7 +2912,7 @@
           </a:prstGeom>
         </p:spPr>
         <p:txBody>
-          <a:bodyPr anchorCtr="0" anchor="t" bIns="91425" lIns="91425" spcFirstLastPara="1" rIns="91425" wrap="square" tIns="91425"/>
+          <a:bodyPr spcFirstLastPara="1" wrap="square" lIns="91425" tIns="91425" rIns="91425" bIns="91425" anchor="t" anchorCtr="0"/>
           <a:lstStyle>
             <a:lvl1pPr lvl="0">
               <a:spcBef>
@@ -3042,15 +3014,19 @@
               <a:defRPr/>
             </a:lvl9pPr>
           </a:lstStyle>
-          <a:p/>
+          <a:p>
+            <a:endParaRPr/>
+          </a:p>
         </p:txBody>
       </p:sp>
       <p:sp>
         <p:nvSpPr>
           <p:cNvPr id="18" name="Shape 18"/>
-          <p:cNvSpPr txBox="1"/>
+          <p:cNvSpPr txBox="1">
+            <a:spLocks noGrp="1"/>
+          </p:cNvSpPr>
           <p:nvPr>
-            <p:ph idx="1" type="body"/>
+            <p:ph type="body" idx="1"/>
           </p:nvPr>
         </p:nvSpPr>
         <p:spPr>
@@ -3063,9 +3039,9 @@
           </a:prstGeom>
         </p:spPr>
         <p:txBody>
-          <a:bodyPr anchorCtr="0" anchor="t" bIns="91425" lIns="91425" spcFirstLastPara="1" rIns="91425" wrap="square" tIns="91425"/>
+          <a:bodyPr spcFirstLastPara="1" wrap="square" lIns="91425" tIns="91425" rIns="91425" bIns="91425" anchor="t" anchorCtr="0"/>
           <a:lstStyle>
-            <a:lvl1pPr indent="-342900" lvl="0" marL="457200">
+            <a:lvl1pPr marL="457200" lvl="0" indent="-342900">
               <a:spcBef>
                 <a:spcPts val="0"/>
               </a:spcBef>
@@ -3076,7 +3052,7 @@
               <a:buChar char="●"/>
               <a:defRPr/>
             </a:lvl1pPr>
-            <a:lvl2pPr indent="-317500" lvl="1" marL="914400">
+            <a:lvl2pPr marL="914400" lvl="1" indent="-317500">
               <a:spcBef>
                 <a:spcPts val="1600"/>
               </a:spcBef>
@@ -3087,7 +3063,7 @@
               <a:buChar char="○"/>
               <a:defRPr/>
             </a:lvl2pPr>
-            <a:lvl3pPr indent="-317500" lvl="2" marL="1371600">
+            <a:lvl3pPr marL="1371600" lvl="2" indent="-317500">
               <a:spcBef>
                 <a:spcPts val="1600"/>
               </a:spcBef>
@@ -3098,7 +3074,7 @@
               <a:buChar char="■"/>
               <a:defRPr/>
             </a:lvl3pPr>
-            <a:lvl4pPr indent="-317500" lvl="3" marL="1828800">
+            <a:lvl4pPr marL="1828800" lvl="3" indent="-317500">
               <a:spcBef>
                 <a:spcPts val="1600"/>
               </a:spcBef>
@@ -3109,7 +3085,7 @@
               <a:buChar char="●"/>
               <a:defRPr/>
             </a:lvl4pPr>
-            <a:lvl5pPr indent="-317500" lvl="4" marL="2286000">
+            <a:lvl5pPr marL="2286000" lvl="4" indent="-317500">
               <a:spcBef>
                 <a:spcPts val="1600"/>
               </a:spcBef>
@@ -3120,7 +3096,7 @@
               <a:buChar char="○"/>
               <a:defRPr/>
             </a:lvl5pPr>
-            <a:lvl6pPr indent="-317500" lvl="5" marL="2743200">
+            <a:lvl6pPr marL="2743200" lvl="5" indent="-317500">
               <a:spcBef>
                 <a:spcPts val="1600"/>
               </a:spcBef>
@@ -3131,7 +3107,7 @@
               <a:buChar char="■"/>
               <a:defRPr/>
             </a:lvl6pPr>
-            <a:lvl7pPr indent="-317500" lvl="6" marL="3200400">
+            <a:lvl7pPr marL="3200400" lvl="6" indent="-317500">
               <a:spcBef>
                 <a:spcPts val="1600"/>
               </a:spcBef>
@@ -3142,7 +3118,7 @@
               <a:buChar char="●"/>
               <a:defRPr/>
             </a:lvl7pPr>
-            <a:lvl8pPr indent="-317500" lvl="7" marL="3657600">
+            <a:lvl8pPr marL="3657600" lvl="7" indent="-317500">
               <a:spcBef>
                 <a:spcPts val="1600"/>
               </a:spcBef>
@@ -3153,7 +3129,7 @@
               <a:buChar char="○"/>
               <a:defRPr/>
             </a:lvl8pPr>
-            <a:lvl9pPr indent="-317500" lvl="8" marL="4114800">
+            <a:lvl9pPr marL="4114800" lvl="8" indent="-317500">
               <a:spcBef>
                 <a:spcPts val="1600"/>
               </a:spcBef>
@@ -3165,15 +3141,19 @@
               <a:defRPr/>
             </a:lvl9pPr>
           </a:lstStyle>
-          <a:p/>
+          <a:p>
+            <a:endParaRPr/>
+          </a:p>
         </p:txBody>
       </p:sp>
       <p:sp>
         <p:nvSpPr>
           <p:cNvPr id="19" name="Shape 19"/>
-          <p:cNvSpPr txBox="1"/>
+          <p:cNvSpPr txBox="1">
+            <a:spLocks noGrp="1"/>
+          </p:cNvSpPr>
           <p:nvPr>
-            <p:ph idx="12" type="sldNum"/>
+            <p:ph type="sldNum" idx="12"/>
           </p:nvPr>
         </p:nvSpPr>
         <p:spPr>
@@ -3186,7 +3166,7 @@
           </a:prstGeom>
         </p:spPr>
         <p:txBody>
-          <a:bodyPr anchorCtr="0" anchor="ctr" bIns="91425" lIns="91425" spcFirstLastPara="1" rIns="91425" wrap="square" tIns="91425">
+          <a:bodyPr spcFirstLastPara="1" wrap="square" lIns="91425" tIns="91425" rIns="91425" bIns="91425" anchor="ctr" anchorCtr="0">
             <a:noAutofit/>
           </a:bodyPr>
           <a:lstStyle>
@@ -3228,7 +3208,7 @@
             </a:lvl9pPr>
           </a:lstStyle>
           <a:p>
-            <a:pPr indent="0" lvl="0" marL="0">
+            <a:pPr marL="0" lvl="0" indent="0">
               <a:spcBef>
                 <a:spcPts val="0"/>
               </a:spcBef>
@@ -3254,11 +3234,11 @@
 </file>
 
 <file path=ppt/slideLayouts/slideLayout4.xml><?xml version="1.0" encoding="utf-8"?>
-<p:sldLayout xmlns:a="http://schemas.openxmlformats.org/drawingml/2006/main" xmlns:r="http://schemas.openxmlformats.org/officeDocument/2006/relationships" xmlns:mc="http://schemas.openxmlformats.org/markup-compatibility/2006" xmlns:mv="urn:schemas-microsoft-com:mac:vml" xmlns:p="http://schemas.openxmlformats.org/presentationml/2006/main" xmlns:c="http://schemas.openxmlformats.org/drawingml/2006/chart" xmlns:dgm="http://schemas.openxmlformats.org/drawingml/2006/diagram" xmlns:o="urn:schemas-microsoft-com:office:office" xmlns:v="urn:schemas-microsoft-com:vml" xmlns:pvml="urn:schemas-microsoft-com:office:powerpoint" xmlns:com="http://schemas.openxmlformats.org/drawingml/2006/compatibility" xmlns:p14="http://schemas.microsoft.com/office/powerpoint/2010/main" xmlns:p15="http://schemas.microsoft.com/office/powerpoint/2012/main" matchingName="Title and two columns" type="twoColTx">
+<p:sldLayout xmlns:a="http://schemas.openxmlformats.org/drawingml/2006/main" xmlns:r="http://schemas.openxmlformats.org/officeDocument/2006/relationships" xmlns:p="http://schemas.openxmlformats.org/presentationml/2006/main" matchingName="Title and two columns" type="twoColTx">
   <p:cSld name="TITLE_AND_TWO_COLUMNS">
     <p:spTree>
       <p:nvGrpSpPr>
-        <p:cNvPr id="20" name="Shape 20"/>
+        <p:cNvPr id="1" name="Shape 20"/>
         <p:cNvGrpSpPr/>
         <p:nvPr/>
       </p:nvGrpSpPr>
@@ -3273,7 +3253,9 @@
       <p:sp>
         <p:nvSpPr>
           <p:cNvPr id="21" name="Shape 21"/>
-          <p:cNvSpPr txBox="1"/>
+          <p:cNvSpPr txBox="1">
+            <a:spLocks noGrp="1"/>
+          </p:cNvSpPr>
           <p:nvPr>
             <p:ph type="title"/>
           </p:nvPr>
@@ -3288,7 +3270,7 @@
           </a:prstGeom>
         </p:spPr>
         <p:txBody>
-          <a:bodyPr anchorCtr="0" anchor="t" bIns="91425" lIns="91425" spcFirstLastPara="1" rIns="91425" wrap="square" tIns="91425"/>
+          <a:bodyPr spcFirstLastPara="1" wrap="square" lIns="91425" tIns="91425" rIns="91425" bIns="91425" anchor="t" anchorCtr="0"/>
           <a:lstStyle>
             <a:lvl1pPr lvl="0">
               <a:spcBef>
@@ -3390,15 +3372,19 @@
               <a:defRPr/>
             </a:lvl9pPr>
           </a:lstStyle>
-          <a:p/>
+          <a:p>
+            <a:endParaRPr/>
+          </a:p>
         </p:txBody>
       </p:sp>
       <p:sp>
         <p:nvSpPr>
           <p:cNvPr id="22" name="Shape 22"/>
-          <p:cNvSpPr txBox="1"/>
+          <p:cNvSpPr txBox="1">
+            <a:spLocks noGrp="1"/>
+          </p:cNvSpPr>
           <p:nvPr>
-            <p:ph idx="1" type="body"/>
+            <p:ph type="body" idx="1"/>
           </p:nvPr>
         </p:nvSpPr>
         <p:spPr>
@@ -3411,9 +3397,9 @@
           </a:prstGeom>
         </p:spPr>
         <p:txBody>
-          <a:bodyPr anchorCtr="0" anchor="t" bIns="91425" lIns="91425" spcFirstLastPara="1" rIns="91425" wrap="square" tIns="91425"/>
+          <a:bodyPr spcFirstLastPara="1" wrap="square" lIns="91425" tIns="91425" rIns="91425" bIns="91425" anchor="t" anchorCtr="0"/>
           <a:lstStyle>
-            <a:lvl1pPr indent="-317500" lvl="0" marL="457200">
+            <a:lvl1pPr marL="457200" lvl="0" indent="-317500">
               <a:spcBef>
                 <a:spcPts val="0"/>
               </a:spcBef>
@@ -3424,7 +3410,7 @@
               <a:buChar char="●"/>
               <a:defRPr sz="1400"/>
             </a:lvl1pPr>
-            <a:lvl2pPr indent="-304800" lvl="1" marL="914400">
+            <a:lvl2pPr marL="914400" lvl="1" indent="-304800">
               <a:spcBef>
                 <a:spcPts val="1600"/>
               </a:spcBef>
@@ -3435,7 +3421,7 @@
               <a:buChar char="○"/>
               <a:defRPr sz="1200"/>
             </a:lvl2pPr>
-            <a:lvl3pPr indent="-304800" lvl="2" marL="1371600">
+            <a:lvl3pPr marL="1371600" lvl="2" indent="-304800">
               <a:spcBef>
                 <a:spcPts val="1600"/>
               </a:spcBef>
@@ -3446,7 +3432,7 @@
               <a:buChar char="■"/>
               <a:defRPr sz="1200"/>
             </a:lvl3pPr>
-            <a:lvl4pPr indent="-304800" lvl="3" marL="1828800">
+            <a:lvl4pPr marL="1828800" lvl="3" indent="-304800">
               <a:spcBef>
                 <a:spcPts val="1600"/>
               </a:spcBef>
@@ -3457,7 +3443,7 @@
               <a:buChar char="●"/>
               <a:defRPr sz="1200"/>
             </a:lvl4pPr>
-            <a:lvl5pPr indent="-304800" lvl="4" marL="2286000">
+            <a:lvl5pPr marL="2286000" lvl="4" indent="-304800">
               <a:spcBef>
                 <a:spcPts val="1600"/>
               </a:spcBef>
@@ -3468,7 +3454,7 @@
               <a:buChar char="○"/>
               <a:defRPr sz="1200"/>
             </a:lvl5pPr>
-            <a:lvl6pPr indent="-304800" lvl="5" marL="2743200">
+            <a:lvl6pPr marL="2743200" lvl="5" indent="-304800">
               <a:spcBef>
                 <a:spcPts val="1600"/>
               </a:spcBef>
@@ -3479,7 +3465,7 @@
               <a:buChar char="■"/>
               <a:defRPr sz="1200"/>
             </a:lvl6pPr>
-            <a:lvl7pPr indent="-304800" lvl="6" marL="3200400">
+            <a:lvl7pPr marL="3200400" lvl="6" indent="-304800">
               <a:spcBef>
                 <a:spcPts val="1600"/>
               </a:spcBef>
@@ -3490,7 +3476,7 @@
               <a:buChar char="●"/>
               <a:defRPr sz="1200"/>
             </a:lvl7pPr>
-            <a:lvl8pPr indent="-304800" lvl="7" marL="3657600">
+            <a:lvl8pPr marL="3657600" lvl="7" indent="-304800">
               <a:spcBef>
                 <a:spcPts val="1600"/>
               </a:spcBef>
@@ -3501,7 +3487,7 @@
               <a:buChar char="○"/>
               <a:defRPr sz="1200"/>
             </a:lvl8pPr>
-            <a:lvl9pPr indent="-304800" lvl="8" marL="4114800">
+            <a:lvl9pPr marL="4114800" lvl="8" indent="-304800">
               <a:spcBef>
                 <a:spcPts val="1600"/>
               </a:spcBef>
@@ -3513,15 +3499,19 @@
               <a:defRPr sz="1200"/>
             </a:lvl9pPr>
           </a:lstStyle>
-          <a:p/>
+          <a:p>
+            <a:endParaRPr/>
+          </a:p>
         </p:txBody>
       </p:sp>
       <p:sp>
         <p:nvSpPr>
           <p:cNvPr id="23" name="Shape 23"/>
-          <p:cNvSpPr txBox="1"/>
+          <p:cNvSpPr txBox="1">
+            <a:spLocks noGrp="1"/>
+          </p:cNvSpPr>
           <p:nvPr>
-            <p:ph idx="2" type="body"/>
+            <p:ph type="body" idx="2"/>
           </p:nvPr>
         </p:nvSpPr>
         <p:spPr>
@@ -3534,9 +3524,9 @@
           </a:prstGeom>
         </p:spPr>
         <p:txBody>
-          <a:bodyPr anchorCtr="0" anchor="t" bIns="91425" lIns="91425" spcFirstLastPara="1" rIns="91425" wrap="square" tIns="91425"/>
+          <a:bodyPr spcFirstLastPara="1" wrap="square" lIns="91425" tIns="91425" rIns="91425" bIns="91425" anchor="t" anchorCtr="0"/>
           <a:lstStyle>
-            <a:lvl1pPr indent="-317500" lvl="0" marL="457200">
+            <a:lvl1pPr marL="457200" lvl="0" indent="-317500">
               <a:spcBef>
                 <a:spcPts val="0"/>
               </a:spcBef>
@@ -3547,7 +3537,7 @@
               <a:buChar char="●"/>
               <a:defRPr sz="1400"/>
             </a:lvl1pPr>
-            <a:lvl2pPr indent="-304800" lvl="1" marL="914400">
+            <a:lvl2pPr marL="914400" lvl="1" indent="-304800">
               <a:spcBef>
                 <a:spcPts val="1600"/>
               </a:spcBef>
@@ -3558,7 +3548,7 @@
               <a:buChar char="○"/>
               <a:defRPr sz="1200"/>
             </a:lvl2pPr>
-            <a:lvl3pPr indent="-304800" lvl="2" marL="1371600">
+            <a:lvl3pPr marL="1371600" lvl="2" indent="-304800">
               <a:spcBef>
                 <a:spcPts val="1600"/>
               </a:spcBef>
@@ -3569,7 +3559,7 @@
               <a:buChar char="■"/>
               <a:defRPr sz="1200"/>
             </a:lvl3pPr>
-            <a:lvl4pPr indent="-304800" lvl="3" marL="1828800">
+            <a:lvl4pPr marL="1828800" lvl="3" indent="-304800">
               <a:spcBef>
                 <a:spcPts val="1600"/>
               </a:spcBef>
@@ -3580,7 +3570,7 @@
               <a:buChar char="●"/>
               <a:defRPr sz="1200"/>
             </a:lvl4pPr>
-            <a:lvl5pPr indent="-304800" lvl="4" marL="2286000">
+            <a:lvl5pPr marL="2286000" lvl="4" indent="-304800">
               <a:spcBef>
                 <a:spcPts val="1600"/>
               </a:spcBef>
@@ -3591,7 +3581,7 @@
               <a:buChar char="○"/>
               <a:defRPr sz="1200"/>
             </a:lvl5pPr>
-            <a:lvl6pPr indent="-304800" lvl="5" marL="2743200">
+            <a:lvl6pPr marL="2743200" lvl="5" indent="-304800">
               <a:spcBef>
                 <a:spcPts val="1600"/>
               </a:spcBef>
@@ -3602,7 +3592,7 @@
               <a:buChar char="■"/>
               <a:defRPr sz="1200"/>
             </a:lvl6pPr>
-            <a:lvl7pPr indent="-304800" lvl="6" marL="3200400">
+            <a:lvl7pPr marL="3200400" lvl="6" indent="-304800">
               <a:spcBef>
                 <a:spcPts val="1600"/>
               </a:spcBef>
@@ -3613,7 +3603,7 @@
               <a:buChar char="●"/>
               <a:defRPr sz="1200"/>
             </a:lvl7pPr>
-            <a:lvl8pPr indent="-304800" lvl="7" marL="3657600">
+            <a:lvl8pPr marL="3657600" lvl="7" indent="-304800">
               <a:spcBef>
                 <a:spcPts val="1600"/>
               </a:spcBef>
@@ -3624,7 +3614,7 @@
               <a:buChar char="○"/>
               <a:defRPr sz="1200"/>
             </a:lvl8pPr>
-            <a:lvl9pPr indent="-304800" lvl="8" marL="4114800">
+            <a:lvl9pPr marL="4114800" lvl="8" indent="-304800">
               <a:spcBef>
                 <a:spcPts val="1600"/>
               </a:spcBef>
@@ -3636,15 +3626,19 @@
               <a:defRPr sz="1200"/>
             </a:lvl9pPr>
           </a:lstStyle>
-          <a:p/>
+          <a:p>
+            <a:endParaRPr/>
+          </a:p>
         </p:txBody>
       </p:sp>
       <p:sp>
         <p:nvSpPr>
           <p:cNvPr id="24" name="Shape 24"/>
-          <p:cNvSpPr txBox="1"/>
+          <p:cNvSpPr txBox="1">
+            <a:spLocks noGrp="1"/>
+          </p:cNvSpPr>
           <p:nvPr>
-            <p:ph idx="12" type="sldNum"/>
+            <p:ph type="sldNum" idx="12"/>
           </p:nvPr>
         </p:nvSpPr>
         <p:spPr>
@@ -3657,7 +3651,7 @@
           </a:prstGeom>
         </p:spPr>
         <p:txBody>
-          <a:bodyPr anchorCtr="0" anchor="ctr" bIns="91425" lIns="91425" spcFirstLastPara="1" rIns="91425" wrap="square" tIns="91425">
+          <a:bodyPr spcFirstLastPara="1" wrap="square" lIns="91425" tIns="91425" rIns="91425" bIns="91425" anchor="ctr" anchorCtr="0">
             <a:noAutofit/>
           </a:bodyPr>
           <a:lstStyle>
@@ -3699,7 +3693,7 @@
             </a:lvl9pPr>
           </a:lstStyle>
           <a:p>
-            <a:pPr indent="0" lvl="0" marL="0">
+            <a:pPr marL="0" lvl="0" indent="0">
               <a:spcBef>
                 <a:spcPts val="0"/>
               </a:spcBef>
@@ -3725,11 +3719,11 @@
 </file>
 
 <file path=ppt/slideLayouts/slideLayout5.xml><?xml version="1.0" encoding="utf-8"?>
-<p:sldLayout xmlns:a="http://schemas.openxmlformats.org/drawingml/2006/main" xmlns:r="http://schemas.openxmlformats.org/officeDocument/2006/relationships" xmlns:mc="http://schemas.openxmlformats.org/markup-compatibility/2006" xmlns:mv="urn:schemas-microsoft-com:mac:vml" xmlns:p="http://schemas.openxmlformats.org/presentationml/2006/main" xmlns:c="http://schemas.openxmlformats.org/drawingml/2006/chart" xmlns:dgm="http://schemas.openxmlformats.org/drawingml/2006/diagram" xmlns:o="urn:schemas-microsoft-com:office:office" xmlns:v="urn:schemas-microsoft-com:vml" xmlns:pvml="urn:schemas-microsoft-com:office:powerpoint" xmlns:com="http://schemas.openxmlformats.org/drawingml/2006/compatibility" xmlns:p14="http://schemas.microsoft.com/office/powerpoint/2010/main" xmlns:p15="http://schemas.microsoft.com/office/powerpoint/2012/main" matchingName="Title only" type="titleOnly">
+<p:sldLayout xmlns:a="http://schemas.openxmlformats.org/drawingml/2006/main" xmlns:r="http://schemas.openxmlformats.org/officeDocument/2006/relationships" xmlns:p="http://schemas.openxmlformats.org/presentationml/2006/main" matchingName="Title only" type="titleOnly">
   <p:cSld name="TITLE_ONLY">
     <p:spTree>
       <p:nvGrpSpPr>
-        <p:cNvPr id="25" name="Shape 25"/>
+        <p:cNvPr id="1" name="Shape 25"/>
         <p:cNvGrpSpPr/>
         <p:nvPr/>
       </p:nvGrpSpPr>
@@ -3744,7 +3738,9 @@
       <p:sp>
         <p:nvSpPr>
           <p:cNvPr id="26" name="Shape 26"/>
-          <p:cNvSpPr txBox="1"/>
+          <p:cNvSpPr txBox="1">
+            <a:spLocks noGrp="1"/>
+          </p:cNvSpPr>
           <p:nvPr>
             <p:ph type="title"/>
           </p:nvPr>
@@ -3759,7 +3755,7 @@
           </a:prstGeom>
         </p:spPr>
         <p:txBody>
-          <a:bodyPr anchorCtr="0" anchor="t" bIns="91425" lIns="91425" spcFirstLastPara="1" rIns="91425" wrap="square" tIns="91425"/>
+          <a:bodyPr spcFirstLastPara="1" wrap="square" lIns="91425" tIns="91425" rIns="91425" bIns="91425" anchor="t" anchorCtr="0"/>
           <a:lstStyle>
             <a:lvl1pPr lvl="0">
               <a:spcBef>
@@ -3861,15 +3857,19 @@
               <a:defRPr/>
             </a:lvl9pPr>
           </a:lstStyle>
-          <a:p/>
+          <a:p>
+            <a:endParaRPr/>
+          </a:p>
         </p:txBody>
       </p:sp>
       <p:sp>
         <p:nvSpPr>
           <p:cNvPr id="27" name="Shape 27"/>
-          <p:cNvSpPr txBox="1"/>
+          <p:cNvSpPr txBox="1">
+            <a:spLocks noGrp="1"/>
+          </p:cNvSpPr>
           <p:nvPr>
-            <p:ph idx="12" type="sldNum"/>
+            <p:ph type="sldNum" idx="12"/>
           </p:nvPr>
         </p:nvSpPr>
         <p:spPr>
@@ -3882,7 +3882,7 @@
           </a:prstGeom>
         </p:spPr>
         <p:txBody>
-          <a:bodyPr anchorCtr="0" anchor="ctr" bIns="91425" lIns="91425" spcFirstLastPara="1" rIns="91425" wrap="square" tIns="91425">
+          <a:bodyPr spcFirstLastPara="1" wrap="square" lIns="91425" tIns="91425" rIns="91425" bIns="91425" anchor="ctr" anchorCtr="0">
             <a:noAutofit/>
           </a:bodyPr>
           <a:lstStyle>
@@ -3924,7 +3924,7 @@
             </a:lvl9pPr>
           </a:lstStyle>
           <a:p>
-            <a:pPr indent="0" lvl="0" marL="0">
+            <a:pPr marL="0" lvl="0" indent="0">
               <a:spcBef>
                 <a:spcPts val="0"/>
               </a:spcBef>
@@ -3950,11 +3950,11 @@
 </file>
 
 <file path=ppt/slideLayouts/slideLayout6.xml><?xml version="1.0" encoding="utf-8"?>
-<p:sldLayout xmlns:a="http://schemas.openxmlformats.org/drawingml/2006/main" xmlns:r="http://schemas.openxmlformats.org/officeDocument/2006/relationships" xmlns:mc="http://schemas.openxmlformats.org/markup-compatibility/2006" xmlns:mv="urn:schemas-microsoft-com:mac:vml" xmlns:p="http://schemas.openxmlformats.org/presentationml/2006/main" xmlns:c="http://schemas.openxmlformats.org/drawingml/2006/chart" xmlns:dgm="http://schemas.openxmlformats.org/drawingml/2006/diagram" xmlns:o="urn:schemas-microsoft-com:office:office" xmlns:v="urn:schemas-microsoft-com:vml" xmlns:pvml="urn:schemas-microsoft-com:office:powerpoint" xmlns:com="http://schemas.openxmlformats.org/drawingml/2006/compatibility" xmlns:p14="http://schemas.microsoft.com/office/powerpoint/2010/main" xmlns:p15="http://schemas.microsoft.com/office/powerpoint/2012/main" matchingName="One column text">
+<p:sldLayout xmlns:a="http://schemas.openxmlformats.org/drawingml/2006/main" xmlns:r="http://schemas.openxmlformats.org/officeDocument/2006/relationships" xmlns:p="http://schemas.openxmlformats.org/presentationml/2006/main" matchingName="One column text">
   <p:cSld name="ONE_COLUMN_TEXT">
     <p:spTree>
       <p:nvGrpSpPr>
-        <p:cNvPr id="28" name="Shape 28"/>
+        <p:cNvPr id="1" name="Shape 28"/>
         <p:cNvGrpSpPr/>
         <p:nvPr/>
       </p:nvGrpSpPr>
@@ -3969,7 +3969,9 @@
       <p:sp>
         <p:nvSpPr>
           <p:cNvPr id="29" name="Shape 29"/>
-          <p:cNvSpPr txBox="1"/>
+          <p:cNvSpPr txBox="1">
+            <a:spLocks noGrp="1"/>
+          </p:cNvSpPr>
           <p:nvPr>
             <p:ph type="title"/>
           </p:nvPr>
@@ -3984,7 +3986,7 @@
           </a:prstGeom>
         </p:spPr>
         <p:txBody>
-          <a:bodyPr anchorCtr="0" anchor="b" bIns="91425" lIns="91425" spcFirstLastPara="1" rIns="91425" wrap="square" tIns="91425"/>
+          <a:bodyPr spcFirstLastPara="1" wrap="square" lIns="91425" tIns="91425" rIns="91425" bIns="91425" anchor="b" anchorCtr="0"/>
           <a:lstStyle>
             <a:lvl1pPr lvl="0">
               <a:spcBef>
@@ -4086,15 +4088,19 @@
               <a:defRPr sz="2400"/>
             </a:lvl9pPr>
           </a:lstStyle>
-          <a:p/>
+          <a:p>
+            <a:endParaRPr/>
+          </a:p>
         </p:txBody>
       </p:sp>
       <p:sp>
         <p:nvSpPr>
           <p:cNvPr id="30" name="Shape 30"/>
-          <p:cNvSpPr txBox="1"/>
+          <p:cNvSpPr txBox="1">
+            <a:spLocks noGrp="1"/>
+          </p:cNvSpPr>
           <p:nvPr>
-            <p:ph idx="1" type="body"/>
+            <p:ph type="body" idx="1"/>
           </p:nvPr>
         </p:nvSpPr>
         <p:spPr>
@@ -4107,9 +4113,9 @@
           </a:prstGeom>
         </p:spPr>
         <p:txBody>
-          <a:bodyPr anchorCtr="0" anchor="t" bIns="91425" lIns="91425" spcFirstLastPara="1" rIns="91425" wrap="square" tIns="91425"/>
+          <a:bodyPr spcFirstLastPara="1" wrap="square" lIns="91425" tIns="91425" rIns="91425" bIns="91425" anchor="t" anchorCtr="0"/>
           <a:lstStyle>
-            <a:lvl1pPr indent="-304800" lvl="0" marL="457200">
+            <a:lvl1pPr marL="457200" lvl="0" indent="-304800">
               <a:spcBef>
                 <a:spcPts val="0"/>
               </a:spcBef>
@@ -4120,7 +4126,7 @@
               <a:buChar char="●"/>
               <a:defRPr sz="1200"/>
             </a:lvl1pPr>
-            <a:lvl2pPr indent="-304800" lvl="1" marL="914400">
+            <a:lvl2pPr marL="914400" lvl="1" indent="-304800">
               <a:spcBef>
                 <a:spcPts val="1600"/>
               </a:spcBef>
@@ -4131,7 +4137,7 @@
               <a:buChar char="○"/>
               <a:defRPr sz="1200"/>
             </a:lvl2pPr>
-            <a:lvl3pPr indent="-304800" lvl="2" marL="1371600">
+            <a:lvl3pPr marL="1371600" lvl="2" indent="-304800">
               <a:spcBef>
                 <a:spcPts val="1600"/>
               </a:spcBef>
@@ -4142,7 +4148,7 @@
               <a:buChar char="■"/>
               <a:defRPr sz="1200"/>
             </a:lvl3pPr>
-            <a:lvl4pPr indent="-304800" lvl="3" marL="1828800">
+            <a:lvl4pPr marL="1828800" lvl="3" indent="-304800">
               <a:spcBef>
                 <a:spcPts val="1600"/>
               </a:spcBef>
@@ -4153,7 +4159,7 @@
               <a:buChar char="●"/>
               <a:defRPr sz="1200"/>
             </a:lvl4pPr>
-            <a:lvl5pPr indent="-304800" lvl="4" marL="2286000">
+            <a:lvl5pPr marL="2286000" lvl="4" indent="-304800">
               <a:spcBef>
                 <a:spcPts val="1600"/>
               </a:spcBef>
@@ -4164,7 +4170,7 @@
               <a:buChar char="○"/>
               <a:defRPr sz="1200"/>
             </a:lvl5pPr>
-            <a:lvl6pPr indent="-304800" lvl="5" marL="2743200">
+            <a:lvl6pPr marL="2743200" lvl="5" indent="-304800">
               <a:spcBef>
                 <a:spcPts val="1600"/>
               </a:spcBef>
@@ -4175,7 +4181,7 @@
               <a:buChar char="■"/>
               <a:defRPr sz="1200"/>
             </a:lvl6pPr>
-            <a:lvl7pPr indent="-304800" lvl="6" marL="3200400">
+            <a:lvl7pPr marL="3200400" lvl="6" indent="-304800">
               <a:spcBef>
                 <a:spcPts val="1600"/>
               </a:spcBef>
@@ -4186,7 +4192,7 @@
               <a:buChar char="●"/>
               <a:defRPr sz="1200"/>
             </a:lvl7pPr>
-            <a:lvl8pPr indent="-304800" lvl="7" marL="3657600">
+            <a:lvl8pPr marL="3657600" lvl="7" indent="-304800">
               <a:spcBef>
                 <a:spcPts val="1600"/>
               </a:spcBef>
@@ -4197,7 +4203,7 @@
               <a:buChar char="○"/>
               <a:defRPr sz="1200"/>
             </a:lvl8pPr>
-            <a:lvl9pPr indent="-304800" lvl="8" marL="4114800">
+            <a:lvl9pPr marL="4114800" lvl="8" indent="-304800">
               <a:spcBef>
                 <a:spcPts val="1600"/>
               </a:spcBef>
@@ -4209,15 +4215,19 @@
               <a:defRPr sz="1200"/>
             </a:lvl9pPr>
           </a:lstStyle>
-          <a:p/>
+          <a:p>
+            <a:endParaRPr/>
+          </a:p>
         </p:txBody>
       </p:sp>
       <p:sp>
         <p:nvSpPr>
           <p:cNvPr id="31" name="Shape 31"/>
-          <p:cNvSpPr txBox="1"/>
+          <p:cNvSpPr txBox="1">
+            <a:spLocks noGrp="1"/>
+          </p:cNvSpPr>
           <p:nvPr>
-            <p:ph idx="12" type="sldNum"/>
+            <p:ph type="sldNum" idx="12"/>
           </p:nvPr>
         </p:nvSpPr>
         <p:spPr>
@@ -4230,7 +4240,7 @@
           </a:prstGeom>
         </p:spPr>
         <p:txBody>
-          <a:bodyPr anchorCtr="0" anchor="ctr" bIns="91425" lIns="91425" spcFirstLastPara="1" rIns="91425" wrap="square" tIns="91425">
+          <a:bodyPr spcFirstLastPara="1" wrap="square" lIns="91425" tIns="91425" rIns="91425" bIns="91425" anchor="ctr" anchorCtr="0">
             <a:noAutofit/>
           </a:bodyPr>
           <a:lstStyle>
@@ -4272,7 +4282,7 @@
             </a:lvl9pPr>
           </a:lstStyle>
           <a:p>
-            <a:pPr indent="0" lvl="0" marL="0">
+            <a:pPr marL="0" lvl="0" indent="0">
               <a:spcBef>
                 <a:spcPts val="0"/>
               </a:spcBef>
@@ -4298,11 +4308,11 @@
 </file>
 
 <file path=ppt/slideLayouts/slideLayout7.xml><?xml version="1.0" encoding="utf-8"?>
-<p:sldLayout xmlns:a="http://schemas.openxmlformats.org/drawingml/2006/main" xmlns:r="http://schemas.openxmlformats.org/officeDocument/2006/relationships" xmlns:mc="http://schemas.openxmlformats.org/markup-compatibility/2006" xmlns:mv="urn:schemas-microsoft-com:mac:vml" xmlns:p="http://schemas.openxmlformats.org/presentationml/2006/main" xmlns:c="http://schemas.openxmlformats.org/drawingml/2006/chart" xmlns:dgm="http://schemas.openxmlformats.org/drawingml/2006/diagram" xmlns:o="urn:schemas-microsoft-com:office:office" xmlns:v="urn:schemas-microsoft-com:vml" xmlns:pvml="urn:schemas-microsoft-com:office:powerpoint" xmlns:com="http://schemas.openxmlformats.org/drawingml/2006/compatibility" xmlns:p14="http://schemas.microsoft.com/office/powerpoint/2010/main" xmlns:p15="http://schemas.microsoft.com/office/powerpoint/2012/main" matchingName="Main point">
+<p:sldLayout xmlns:a="http://schemas.openxmlformats.org/drawingml/2006/main" xmlns:r="http://schemas.openxmlformats.org/officeDocument/2006/relationships" xmlns:p="http://schemas.openxmlformats.org/presentationml/2006/main" matchingName="Main point">
   <p:cSld name="MAIN_POINT">
     <p:spTree>
       <p:nvGrpSpPr>
-        <p:cNvPr id="32" name="Shape 32"/>
+        <p:cNvPr id="1" name="Shape 32"/>
         <p:cNvGrpSpPr/>
         <p:nvPr/>
       </p:nvGrpSpPr>
@@ -4317,7 +4327,9 @@
       <p:sp>
         <p:nvSpPr>
           <p:cNvPr id="33" name="Shape 33"/>
-          <p:cNvSpPr txBox="1"/>
+          <p:cNvSpPr txBox="1">
+            <a:spLocks noGrp="1"/>
+          </p:cNvSpPr>
           <p:nvPr>
             <p:ph type="title"/>
           </p:nvPr>
@@ -4332,7 +4344,7 @@
           </a:prstGeom>
         </p:spPr>
         <p:txBody>
-          <a:bodyPr anchorCtr="0" anchor="ctr" bIns="91425" lIns="91425" spcFirstLastPara="1" rIns="91425" wrap="square" tIns="91425"/>
+          <a:bodyPr spcFirstLastPara="1" wrap="square" lIns="91425" tIns="91425" rIns="91425" bIns="91425" anchor="ctr" anchorCtr="0"/>
           <a:lstStyle>
             <a:lvl1pPr lvl="0">
               <a:spcBef>
@@ -4434,15 +4446,19 @@
               <a:defRPr sz="4800"/>
             </a:lvl9pPr>
           </a:lstStyle>
-          <a:p/>
+          <a:p>
+            <a:endParaRPr/>
+          </a:p>
         </p:txBody>
       </p:sp>
       <p:sp>
         <p:nvSpPr>
           <p:cNvPr id="34" name="Shape 34"/>
-          <p:cNvSpPr txBox="1"/>
+          <p:cNvSpPr txBox="1">
+            <a:spLocks noGrp="1"/>
+          </p:cNvSpPr>
           <p:nvPr>
-            <p:ph idx="12" type="sldNum"/>
+            <p:ph type="sldNum" idx="12"/>
           </p:nvPr>
         </p:nvSpPr>
         <p:spPr>
@@ -4455,7 +4471,7 @@
           </a:prstGeom>
         </p:spPr>
         <p:txBody>
-          <a:bodyPr anchorCtr="0" anchor="ctr" bIns="91425" lIns="91425" spcFirstLastPara="1" rIns="91425" wrap="square" tIns="91425">
+          <a:bodyPr spcFirstLastPara="1" wrap="square" lIns="91425" tIns="91425" rIns="91425" bIns="91425" anchor="ctr" anchorCtr="0">
             <a:noAutofit/>
           </a:bodyPr>
           <a:lstStyle>
@@ -4497,7 +4513,7 @@
             </a:lvl9pPr>
           </a:lstStyle>
           <a:p>
-            <a:pPr indent="0" lvl="0" marL="0">
+            <a:pPr marL="0" lvl="0" indent="0">
               <a:spcBef>
                 <a:spcPts val="0"/>
               </a:spcBef>
@@ -4523,11 +4539,11 @@
 </file>
 
 <file path=ppt/slideLayouts/slideLayout8.xml><?xml version="1.0" encoding="utf-8"?>
-<p:sldLayout xmlns:a="http://schemas.openxmlformats.org/drawingml/2006/main" xmlns:r="http://schemas.openxmlformats.org/officeDocument/2006/relationships" xmlns:mc="http://schemas.openxmlformats.org/markup-compatibility/2006" xmlns:mv="urn:schemas-microsoft-com:mac:vml" xmlns:p="http://schemas.openxmlformats.org/presentationml/2006/main" xmlns:c="http://schemas.openxmlformats.org/drawingml/2006/chart" xmlns:dgm="http://schemas.openxmlformats.org/drawingml/2006/diagram" xmlns:o="urn:schemas-microsoft-com:office:office" xmlns:v="urn:schemas-microsoft-com:vml" xmlns:pvml="urn:schemas-microsoft-com:office:powerpoint" xmlns:com="http://schemas.openxmlformats.org/drawingml/2006/compatibility" xmlns:p14="http://schemas.microsoft.com/office/powerpoint/2010/main" xmlns:p15="http://schemas.microsoft.com/office/powerpoint/2012/main" matchingName="Section title and description">
+<p:sldLayout xmlns:a="http://schemas.openxmlformats.org/drawingml/2006/main" xmlns:r="http://schemas.openxmlformats.org/officeDocument/2006/relationships" xmlns:p="http://schemas.openxmlformats.org/presentationml/2006/main" matchingName="Section title and description">
   <p:cSld name="SECTION_TITLE_AND_DESCRIPTION">
     <p:spTree>
       <p:nvGrpSpPr>
-        <p:cNvPr id="35" name="Shape 35"/>
+        <p:cNvPr id="1" name="Shape 35"/>
         <p:cNvGrpSpPr/>
         <p:nvPr/>
       </p:nvGrpSpPr>
@@ -4561,12 +4577,12 @@
           </a:ln>
         </p:spPr>
         <p:txBody>
-          <a:bodyPr anchorCtr="0" anchor="ctr" bIns="91425" lIns="91425" spcFirstLastPara="1" rIns="91425" wrap="square" tIns="91425">
+          <a:bodyPr spcFirstLastPara="1" wrap="square" lIns="91425" tIns="91425" rIns="91425" bIns="91425" anchor="ctr" anchorCtr="0">
             <a:noAutofit/>
           </a:bodyPr>
           <a:lstStyle/>
           <a:p>
-            <a:pPr indent="0" lvl="0" marL="0">
+            <a:pPr marL="0" lvl="0" indent="0">
               <a:spcBef>
                 <a:spcPts val="0"/>
               </a:spcBef>
@@ -4575,9 +4591,6 @@
               </a:spcAft>
               <a:buNone/>
             </a:pPr>
-            <a:r>
-              <a:t/>
-            </a:r>
             <a:endParaRPr/>
           </a:p>
         </p:txBody>
@@ -4585,7 +4598,9 @@
       <p:sp>
         <p:nvSpPr>
           <p:cNvPr id="37" name="Shape 37"/>
-          <p:cNvSpPr txBox="1"/>
+          <p:cNvSpPr txBox="1">
+            <a:spLocks noGrp="1"/>
+          </p:cNvSpPr>
           <p:nvPr>
             <p:ph type="title"/>
           </p:nvPr>
@@ -4600,7 +4615,7 @@
           </a:prstGeom>
         </p:spPr>
         <p:txBody>
-          <a:bodyPr anchorCtr="0" anchor="b" bIns="91425" lIns="91425" spcFirstLastPara="1" rIns="91425" wrap="square" tIns="91425"/>
+          <a:bodyPr spcFirstLastPara="1" wrap="square" lIns="91425" tIns="91425" rIns="91425" bIns="91425" anchor="b" anchorCtr="0"/>
           <a:lstStyle>
             <a:lvl1pPr lvl="0" algn="ctr">
               <a:spcBef>
@@ -4702,15 +4717,19 @@
               <a:defRPr sz="4200"/>
             </a:lvl9pPr>
           </a:lstStyle>
-          <a:p/>
+          <a:p>
+            <a:endParaRPr/>
+          </a:p>
         </p:txBody>
       </p:sp>
       <p:sp>
         <p:nvSpPr>
           <p:cNvPr id="38" name="Shape 38"/>
-          <p:cNvSpPr txBox="1"/>
+          <p:cNvSpPr txBox="1">
+            <a:spLocks noGrp="1"/>
+          </p:cNvSpPr>
           <p:nvPr>
-            <p:ph idx="1" type="subTitle"/>
+            <p:ph type="subTitle" idx="1"/>
           </p:nvPr>
         </p:nvSpPr>
         <p:spPr>
@@ -4723,7 +4742,7 @@
           </a:prstGeom>
         </p:spPr>
         <p:txBody>
-          <a:bodyPr anchorCtr="0" anchor="t" bIns="91425" lIns="91425" spcFirstLastPara="1" rIns="91425" wrap="square" tIns="91425"/>
+          <a:bodyPr spcFirstLastPara="1" wrap="square" lIns="91425" tIns="91425" rIns="91425" bIns="91425" anchor="t" anchorCtr="0"/>
           <a:lstStyle>
             <a:lvl1pPr lvl="0" algn="ctr">
               <a:lnSpc>
@@ -4852,15 +4871,19 @@
               <a:defRPr sz="2100"/>
             </a:lvl9pPr>
           </a:lstStyle>
-          <a:p/>
+          <a:p>
+            <a:endParaRPr/>
+          </a:p>
         </p:txBody>
       </p:sp>
       <p:sp>
         <p:nvSpPr>
           <p:cNvPr id="39" name="Shape 39"/>
-          <p:cNvSpPr txBox="1"/>
+          <p:cNvSpPr txBox="1">
+            <a:spLocks noGrp="1"/>
+          </p:cNvSpPr>
           <p:nvPr>
-            <p:ph idx="2" type="body"/>
+            <p:ph type="body" idx="2"/>
           </p:nvPr>
         </p:nvSpPr>
         <p:spPr>
@@ -4873,9 +4896,9 @@
           </a:prstGeom>
         </p:spPr>
         <p:txBody>
-          <a:bodyPr anchorCtr="0" anchor="ctr" bIns="91425" lIns="91425" spcFirstLastPara="1" rIns="91425" wrap="square" tIns="91425"/>
+          <a:bodyPr spcFirstLastPara="1" wrap="square" lIns="91425" tIns="91425" rIns="91425" bIns="91425" anchor="ctr" anchorCtr="0"/>
           <a:lstStyle>
-            <a:lvl1pPr indent="-342900" lvl="0" marL="457200">
+            <a:lvl1pPr marL="457200" lvl="0" indent="-342900">
               <a:spcBef>
                 <a:spcPts val="0"/>
               </a:spcBef>
@@ -4893,7 +4916,7 @@
                 </a:solidFill>
               </a:defRPr>
             </a:lvl1pPr>
-            <a:lvl2pPr indent="-317500" lvl="1" marL="914400">
+            <a:lvl2pPr marL="914400" lvl="1" indent="-317500">
               <a:spcBef>
                 <a:spcPts val="1600"/>
               </a:spcBef>
@@ -4911,7 +4934,7 @@
                 </a:solidFill>
               </a:defRPr>
             </a:lvl2pPr>
-            <a:lvl3pPr indent="-317500" lvl="2" marL="1371600">
+            <a:lvl3pPr marL="1371600" lvl="2" indent="-317500">
               <a:spcBef>
                 <a:spcPts val="1600"/>
               </a:spcBef>
@@ -4929,7 +4952,7 @@
                 </a:solidFill>
               </a:defRPr>
             </a:lvl3pPr>
-            <a:lvl4pPr indent="-317500" lvl="3" marL="1828800">
+            <a:lvl4pPr marL="1828800" lvl="3" indent="-317500">
               <a:spcBef>
                 <a:spcPts val="1600"/>
               </a:spcBef>
@@ -4947,7 +4970,7 @@
                 </a:solidFill>
               </a:defRPr>
             </a:lvl4pPr>
-            <a:lvl5pPr indent="-317500" lvl="4" marL="2286000">
+            <a:lvl5pPr marL="2286000" lvl="4" indent="-317500">
               <a:spcBef>
                 <a:spcPts val="1600"/>
               </a:spcBef>
@@ -4965,7 +4988,7 @@
                 </a:solidFill>
               </a:defRPr>
             </a:lvl5pPr>
-            <a:lvl6pPr indent="-317500" lvl="5" marL="2743200">
+            <a:lvl6pPr marL="2743200" lvl="5" indent="-317500">
               <a:spcBef>
                 <a:spcPts val="1600"/>
               </a:spcBef>
@@ -4983,7 +5006,7 @@
                 </a:solidFill>
               </a:defRPr>
             </a:lvl6pPr>
-            <a:lvl7pPr indent="-317500" lvl="6" marL="3200400">
+            <a:lvl7pPr marL="3200400" lvl="6" indent="-317500">
               <a:spcBef>
                 <a:spcPts val="1600"/>
               </a:spcBef>
@@ -5001,7 +5024,7 @@
                 </a:solidFill>
               </a:defRPr>
             </a:lvl7pPr>
-            <a:lvl8pPr indent="-317500" lvl="7" marL="3657600">
+            <a:lvl8pPr marL="3657600" lvl="7" indent="-317500">
               <a:spcBef>
                 <a:spcPts val="1600"/>
               </a:spcBef>
@@ -5019,7 +5042,7 @@
                 </a:solidFill>
               </a:defRPr>
             </a:lvl8pPr>
-            <a:lvl9pPr indent="-317500" lvl="8" marL="4114800">
+            <a:lvl9pPr marL="4114800" lvl="8" indent="-317500">
               <a:spcBef>
                 <a:spcPts val="1600"/>
               </a:spcBef>
@@ -5038,15 +5061,19 @@
               </a:defRPr>
             </a:lvl9pPr>
           </a:lstStyle>
-          <a:p/>
+          <a:p>
+            <a:endParaRPr/>
+          </a:p>
         </p:txBody>
       </p:sp>
       <p:sp>
         <p:nvSpPr>
           <p:cNvPr id="40" name="Shape 40"/>
-          <p:cNvSpPr txBox="1"/>
+          <p:cNvSpPr txBox="1">
+            <a:spLocks noGrp="1"/>
+          </p:cNvSpPr>
           <p:nvPr>
-            <p:ph idx="12" type="sldNum"/>
+            <p:ph type="sldNum" idx="12"/>
           </p:nvPr>
         </p:nvSpPr>
         <p:spPr>
@@ -5059,7 +5086,7 @@
           </a:prstGeom>
         </p:spPr>
         <p:txBody>
-          <a:bodyPr anchorCtr="0" anchor="ctr" bIns="91425" lIns="91425" spcFirstLastPara="1" rIns="91425" wrap="square" tIns="91425">
+          <a:bodyPr spcFirstLastPara="1" wrap="square" lIns="91425" tIns="91425" rIns="91425" bIns="91425" anchor="ctr" anchorCtr="0">
             <a:noAutofit/>
           </a:bodyPr>
           <a:lstStyle>
@@ -5101,7 +5128,7 @@
             </a:lvl9pPr>
           </a:lstStyle>
           <a:p>
-            <a:pPr indent="0" lvl="0" marL="0">
+            <a:pPr marL="0" lvl="0" indent="0">
               <a:spcBef>
                 <a:spcPts val="0"/>
               </a:spcBef>
@@ -5127,11 +5154,11 @@
 </file>
 
 <file path=ppt/slideLayouts/slideLayout9.xml><?xml version="1.0" encoding="utf-8"?>
-<p:sldLayout xmlns:a="http://schemas.openxmlformats.org/drawingml/2006/main" xmlns:r="http://schemas.openxmlformats.org/officeDocument/2006/relationships" xmlns:mc="http://schemas.openxmlformats.org/markup-compatibility/2006" xmlns:mv="urn:schemas-microsoft-com:mac:vml" xmlns:p="http://schemas.openxmlformats.org/presentationml/2006/main" xmlns:c="http://schemas.openxmlformats.org/drawingml/2006/chart" xmlns:dgm="http://schemas.openxmlformats.org/drawingml/2006/diagram" xmlns:o="urn:schemas-microsoft-com:office:office" xmlns:v="urn:schemas-microsoft-com:vml" xmlns:pvml="urn:schemas-microsoft-com:office:powerpoint" xmlns:com="http://schemas.openxmlformats.org/drawingml/2006/compatibility" xmlns:p14="http://schemas.microsoft.com/office/powerpoint/2010/main" xmlns:p15="http://schemas.microsoft.com/office/powerpoint/2012/main" matchingName="Caption">
+<p:sldLayout xmlns:a="http://schemas.openxmlformats.org/drawingml/2006/main" xmlns:r="http://schemas.openxmlformats.org/officeDocument/2006/relationships" xmlns:p="http://schemas.openxmlformats.org/presentationml/2006/main" matchingName="Caption">
   <p:cSld name="CAPTION_ONLY">
     <p:spTree>
       <p:nvGrpSpPr>
-        <p:cNvPr id="41" name="Shape 41"/>
+        <p:cNvPr id="1" name="Shape 41"/>
         <p:cNvGrpSpPr/>
         <p:nvPr/>
       </p:nvGrpSpPr>
@@ -5146,9 +5173,11 @@
       <p:sp>
         <p:nvSpPr>
           <p:cNvPr id="42" name="Shape 42"/>
-          <p:cNvSpPr txBox="1"/>
+          <p:cNvSpPr txBox="1">
+            <a:spLocks noGrp="1"/>
+          </p:cNvSpPr>
           <p:nvPr>
-            <p:ph idx="1" type="body"/>
+            <p:ph type="body" idx="1"/>
           </p:nvPr>
         </p:nvSpPr>
         <p:spPr>
@@ -5161,9 +5190,9 @@
           </a:prstGeom>
         </p:spPr>
         <p:txBody>
-          <a:bodyPr anchorCtr="0" anchor="ctr" bIns="91425" lIns="91425" spcFirstLastPara="1" rIns="91425" wrap="square" tIns="91425"/>
+          <a:bodyPr spcFirstLastPara="1" wrap="square" lIns="91425" tIns="91425" rIns="91425" bIns="91425" anchor="ctr" anchorCtr="0"/>
           <a:lstStyle>
-            <a:lvl1pPr indent="-228600" lvl="0" marL="457200">
+            <a:lvl1pPr marL="457200" lvl="0" indent="-228600">
               <a:lnSpc>
                 <a:spcPct val="100000"/>
               </a:lnSpc>
@@ -5178,15 +5207,19 @@
               <a:defRPr/>
             </a:lvl1pPr>
           </a:lstStyle>
-          <a:p/>
+          <a:p>
+            <a:endParaRPr/>
+          </a:p>
         </p:txBody>
       </p:sp>
       <p:sp>
         <p:nvSpPr>
           <p:cNvPr id="43" name="Shape 43"/>
-          <p:cNvSpPr txBox="1"/>
+          <p:cNvSpPr txBox="1">
+            <a:spLocks noGrp="1"/>
+          </p:cNvSpPr>
           <p:nvPr>
-            <p:ph idx="12" type="sldNum"/>
+            <p:ph type="sldNum" idx="12"/>
           </p:nvPr>
         </p:nvSpPr>
         <p:spPr>
@@ -5199,7 +5232,7 @@
           </a:prstGeom>
         </p:spPr>
         <p:txBody>
-          <a:bodyPr anchorCtr="0" anchor="ctr" bIns="91425" lIns="91425" spcFirstLastPara="1" rIns="91425" wrap="square" tIns="91425">
+          <a:bodyPr spcFirstLastPara="1" wrap="square" lIns="91425" tIns="91425" rIns="91425" bIns="91425" anchor="ctr" anchorCtr="0">
             <a:noAutofit/>
           </a:bodyPr>
           <a:lstStyle>
@@ -5241,7 +5274,7 @@
             </a:lvl9pPr>
           </a:lstStyle>
           <a:p>
-            <a:pPr indent="0" lvl="0" marL="0">
+            <a:pPr marL="0" lvl="0" indent="0">
               <a:spcBef>
                 <a:spcPts val="0"/>
               </a:spcBef>
@@ -5267,18 +5300,19 @@
 </file>
 
 <file path=ppt/slideMasters/slideMaster1.xml><?xml version="1.0" encoding="utf-8"?>
-<p:sldMaster xmlns:a="http://schemas.openxmlformats.org/drawingml/2006/main" xmlns:r="http://schemas.openxmlformats.org/officeDocument/2006/relationships" xmlns:mc="http://schemas.openxmlformats.org/markup-compatibility/2006" xmlns:mv="urn:schemas-microsoft-com:mac:vml" xmlns:p="http://schemas.openxmlformats.org/presentationml/2006/main" xmlns:c="http://schemas.openxmlformats.org/drawingml/2006/chart" xmlns:dgm="http://schemas.openxmlformats.org/drawingml/2006/diagram" xmlns:o="urn:schemas-microsoft-com:office:office" xmlns:v="urn:schemas-microsoft-com:vml" xmlns:pvml="urn:schemas-microsoft-com:office:powerpoint" xmlns:com="http://schemas.openxmlformats.org/drawingml/2006/compatibility" xmlns:p14="http://schemas.microsoft.com/office/powerpoint/2010/main" xmlns:p15="http://schemas.microsoft.com/office/powerpoint/2012/main">
+<p:sldMaster xmlns:a="http://schemas.openxmlformats.org/drawingml/2006/main" xmlns:r="http://schemas.openxmlformats.org/officeDocument/2006/relationships" xmlns:p="http://schemas.openxmlformats.org/presentationml/2006/main">
   <p:cSld name="simple-dark-2">
     <p:bg>
       <p:bgPr>
         <a:solidFill>
           <a:schemeClr val="lt1"/>
         </a:solidFill>
+        <a:effectLst/>
       </p:bgPr>
     </p:bg>
     <p:spTree>
       <p:nvGrpSpPr>
-        <p:cNvPr id="5" name="Shape 5"/>
+        <p:cNvPr id="1" name="Shape 5"/>
         <p:cNvGrpSpPr/>
         <p:nvPr/>
       </p:nvGrpSpPr>
@@ -5293,7 +5327,9 @@
       <p:sp>
         <p:nvSpPr>
           <p:cNvPr id="6" name="Shape 6"/>
-          <p:cNvSpPr txBox="1"/>
+          <p:cNvSpPr txBox="1">
+            <a:spLocks noGrp="1"/>
+          </p:cNvSpPr>
           <p:nvPr>
             <p:ph type="title"/>
           </p:nvPr>
@@ -5312,7 +5348,7 @@
           </a:ln>
         </p:spPr>
         <p:txBody>
-          <a:bodyPr anchorCtr="0" anchor="t" bIns="91425" lIns="91425" spcFirstLastPara="1" rIns="91425" wrap="square" tIns="91425"/>
+          <a:bodyPr spcFirstLastPara="1" wrap="square" lIns="91425" tIns="91425" rIns="91425" bIns="91425" anchor="t" anchorCtr="0"/>
           <a:lstStyle>
             <a:lvl1pPr lvl="0">
               <a:spcBef>
@@ -5477,15 +5513,19 @@
               </a:defRPr>
             </a:lvl9pPr>
           </a:lstStyle>
-          <a:p/>
+          <a:p>
+            <a:endParaRPr/>
+          </a:p>
         </p:txBody>
       </p:sp>
       <p:sp>
         <p:nvSpPr>
           <p:cNvPr id="7" name="Shape 7"/>
-          <p:cNvSpPr txBox="1"/>
+          <p:cNvSpPr txBox="1">
+            <a:spLocks noGrp="1"/>
+          </p:cNvSpPr>
           <p:nvPr>
-            <p:ph idx="1" type="body"/>
+            <p:ph type="body" idx="1"/>
           </p:nvPr>
         </p:nvSpPr>
         <p:spPr>
@@ -5502,9 +5542,9 @@
           </a:ln>
         </p:spPr>
         <p:txBody>
-          <a:bodyPr anchorCtr="0" anchor="t" bIns="91425" lIns="91425" spcFirstLastPara="1" rIns="91425" wrap="square" tIns="91425"/>
+          <a:bodyPr spcFirstLastPara="1" wrap="square" lIns="91425" tIns="91425" rIns="91425" bIns="91425" anchor="t" anchorCtr="0"/>
           <a:lstStyle>
-            <a:lvl1pPr indent="-342900" lvl="0" marL="457200">
+            <a:lvl1pPr marL="457200" lvl="0" indent="-342900">
               <a:lnSpc>
                 <a:spcPct val="115000"/>
               </a:lnSpc>
@@ -5525,7 +5565,7 @@
                 </a:solidFill>
               </a:defRPr>
             </a:lvl1pPr>
-            <a:lvl2pPr indent="-317500" lvl="1" marL="914400">
+            <a:lvl2pPr marL="914400" lvl="1" indent="-317500">
               <a:lnSpc>
                 <a:spcPct val="115000"/>
               </a:lnSpc>
@@ -5546,7 +5586,7 @@
                 </a:solidFill>
               </a:defRPr>
             </a:lvl2pPr>
-            <a:lvl3pPr indent="-317500" lvl="2" marL="1371600">
+            <a:lvl3pPr marL="1371600" lvl="2" indent="-317500">
               <a:lnSpc>
                 <a:spcPct val="115000"/>
               </a:lnSpc>
@@ -5567,7 +5607,7 @@
                 </a:solidFill>
               </a:defRPr>
             </a:lvl3pPr>
-            <a:lvl4pPr indent="-317500" lvl="3" marL="1828800">
+            <a:lvl4pPr marL="1828800" lvl="3" indent="-317500">
               <a:lnSpc>
                 <a:spcPct val="115000"/>
               </a:lnSpc>
@@ -5588,7 +5628,7 @@
                 </a:solidFill>
               </a:defRPr>
             </a:lvl4pPr>
-            <a:lvl5pPr indent="-317500" lvl="4" marL="2286000">
+            <a:lvl5pPr marL="2286000" lvl="4" indent="-317500">
               <a:lnSpc>
                 <a:spcPct val="115000"/>
               </a:lnSpc>
@@ -5609,7 +5649,7 @@
                 </a:solidFill>
               </a:defRPr>
             </a:lvl5pPr>
-            <a:lvl6pPr indent="-317500" lvl="5" marL="2743200">
+            <a:lvl6pPr marL="2743200" lvl="5" indent="-317500">
               <a:lnSpc>
                 <a:spcPct val="115000"/>
               </a:lnSpc>
@@ -5630,7 +5670,7 @@
                 </a:solidFill>
               </a:defRPr>
             </a:lvl6pPr>
-            <a:lvl7pPr indent="-317500" lvl="6" marL="3200400">
+            <a:lvl7pPr marL="3200400" lvl="6" indent="-317500">
               <a:lnSpc>
                 <a:spcPct val="115000"/>
               </a:lnSpc>
@@ -5651,7 +5691,7 @@
                 </a:solidFill>
               </a:defRPr>
             </a:lvl7pPr>
-            <a:lvl8pPr indent="-317500" lvl="7" marL="3657600">
+            <a:lvl8pPr marL="3657600" lvl="7" indent="-317500">
               <a:lnSpc>
                 <a:spcPct val="115000"/>
               </a:lnSpc>
@@ -5672,7 +5712,7 @@
                 </a:solidFill>
               </a:defRPr>
             </a:lvl8pPr>
-            <a:lvl9pPr indent="-317500" lvl="8" marL="4114800">
+            <a:lvl9pPr marL="4114800" lvl="8" indent="-317500">
               <a:lnSpc>
                 <a:spcPct val="115000"/>
               </a:lnSpc>
@@ -5694,15 +5734,19 @@
               </a:defRPr>
             </a:lvl9pPr>
           </a:lstStyle>
-          <a:p/>
+          <a:p>
+            <a:endParaRPr/>
+          </a:p>
         </p:txBody>
       </p:sp>
       <p:sp>
         <p:nvSpPr>
           <p:cNvPr id="8" name="Shape 8"/>
-          <p:cNvSpPr txBox="1"/>
+          <p:cNvSpPr txBox="1">
+            <a:spLocks noGrp="1"/>
+          </p:cNvSpPr>
           <p:nvPr>
-            <p:ph idx="12" type="sldNum"/>
+            <p:ph type="sldNum" idx="12"/>
           </p:nvPr>
         </p:nvSpPr>
         <p:spPr>
@@ -5719,7 +5763,7 @@
           </a:ln>
         </p:spPr>
         <p:txBody>
-          <a:bodyPr anchorCtr="0" anchor="ctr" bIns="91425" lIns="91425" spcFirstLastPara="1" rIns="91425" wrap="square" tIns="91425">
+          <a:bodyPr spcFirstLastPara="1" wrap="square" lIns="91425" tIns="91425" rIns="91425" bIns="91425" anchor="ctr" anchorCtr="0">
             <a:noAutofit/>
           </a:bodyPr>
           <a:lstStyle>
@@ -5797,7 +5841,7 @@
             </a:lvl9pPr>
           </a:lstStyle>
           <a:p>
-            <a:pPr indent="0" lvl="0" marL="0">
+            <a:pPr marL="0" lvl="0" indent="0">
               <a:spcBef>
                 <a:spcPts val="0"/>
               </a:spcBef>
@@ -5816,7 +5860,7 @@
       </p:sp>
     </p:spTree>
   </p:cSld>
-  <p:clrMap accent1="accent1" accent2="accent2" accent3="accent3" accent4="accent4" accent5="accent5" accent6="accent6" bg1="lt1" bg2="dk2" tx1="dk1" tx2="lt2" folHlink="folHlink" hlink="hlink"/>
+  <p:clrMap bg1="lt1" tx1="dk1" bg2="dk2" tx2="lt2" accent1="accent1" accent2="accent2" accent3="accent3" accent4="accent4" accent5="accent5" accent6="accent6" hlink="hlink" folHlink="folHlink"/>
   <p:sldLayoutIdLst>
     <p:sldLayoutId id="2147483648" r:id="rId1"/>
     <p:sldLayoutId id="2147483649" r:id="rId2"/>
@@ -5830,10 +5874,10 @@
     <p:sldLayoutId id="2147483657" r:id="rId10"/>
     <p:sldLayoutId id="2147483658" r:id="rId11"/>
   </p:sldLayoutIdLst>
-  <p:hf dt="0" ftr="0" hdr="0" sldNum="0"/>
+  <p:hf sldNum="0" hdr="0" ftr="0" dt="0"/>
   <p:txStyles>
     <p:titleStyle>
-      <a:defPPr lvl="0" marR="0" rtl="0" algn="l">
+      <a:defPPr marR="0" lvl="0" algn="l" rtl="0">
         <a:lnSpc>
           <a:spcPct val="100000"/>
         </a:lnSpc>
@@ -5844,7 +5888,7 @@
           <a:spcPts val="0"/>
         </a:spcAft>
       </a:defPPr>
-      <a:lvl1pPr lvl="0" marR="0" rtl="0" algn="l">
+      <a:lvl1pPr marR="0" lvl="0" algn="l" rtl="0">
         <a:lnSpc>
           <a:spcPct val="100000"/>
         </a:lnSpc>
@@ -5858,7 +5902,7 @@
           <a:srgbClr val="000000"/>
         </a:buClr>
         <a:buFont typeface="Arial"/>
-        <a:defRPr b="0" i="0" sz="1400" u="none" cap="none" strike="noStrike">
+        <a:defRPr sz="1400" b="0" i="0" u="none" strike="noStrike" cap="none">
           <a:solidFill>
             <a:srgbClr val="000000"/>
           </a:solidFill>
@@ -5868,7 +5912,7 @@
           <a:sym typeface="Arial"/>
         </a:defRPr>
       </a:lvl1pPr>
-      <a:lvl2pPr lvl="1" marR="0" rtl="0" algn="l">
+      <a:lvl2pPr marR="0" lvl="1" algn="l" rtl="0">
         <a:lnSpc>
           <a:spcPct val="100000"/>
         </a:lnSpc>
@@ -5882,7 +5926,7 @@
           <a:srgbClr val="000000"/>
         </a:buClr>
         <a:buFont typeface="Arial"/>
-        <a:defRPr b="0" i="0" sz="1400" u="none" cap="none" strike="noStrike">
+        <a:defRPr sz="1400" b="0" i="0" u="none" strike="noStrike" cap="none">
           <a:solidFill>
             <a:srgbClr val="000000"/>
           </a:solidFill>
@@ -5892,7 +5936,7 @@
           <a:sym typeface="Arial"/>
         </a:defRPr>
       </a:lvl2pPr>
-      <a:lvl3pPr lvl="2" marR="0" rtl="0" algn="l">
+      <a:lvl3pPr marR="0" lvl="2" algn="l" rtl="0">
         <a:lnSpc>
           <a:spcPct val="100000"/>
         </a:lnSpc>
@@ -5906,7 +5950,7 @@
           <a:srgbClr val="000000"/>
         </a:buClr>
         <a:buFont typeface="Arial"/>
-        <a:defRPr b="0" i="0" sz="1400" u="none" cap="none" strike="noStrike">
+        <a:defRPr sz="1400" b="0" i="0" u="none" strike="noStrike" cap="none">
           <a:solidFill>
             <a:srgbClr val="000000"/>
           </a:solidFill>
@@ -5916,7 +5960,7 @@
           <a:sym typeface="Arial"/>
         </a:defRPr>
       </a:lvl3pPr>
-      <a:lvl4pPr lvl="3" marR="0" rtl="0" algn="l">
+      <a:lvl4pPr marR="0" lvl="3" algn="l" rtl="0">
         <a:lnSpc>
           <a:spcPct val="100000"/>
         </a:lnSpc>
@@ -5930,7 +5974,7 @@
           <a:srgbClr val="000000"/>
         </a:buClr>
         <a:buFont typeface="Arial"/>
-        <a:defRPr b="0" i="0" sz="1400" u="none" cap="none" strike="noStrike">
+        <a:defRPr sz="1400" b="0" i="0" u="none" strike="noStrike" cap="none">
           <a:solidFill>
             <a:srgbClr val="000000"/>
           </a:solidFill>
@@ -5940,7 +5984,7 @@
           <a:sym typeface="Arial"/>
         </a:defRPr>
       </a:lvl4pPr>
-      <a:lvl5pPr lvl="4" marR="0" rtl="0" algn="l">
+      <a:lvl5pPr marR="0" lvl="4" algn="l" rtl="0">
         <a:lnSpc>
           <a:spcPct val="100000"/>
         </a:lnSpc>
@@ -5954,7 +5998,7 @@
           <a:srgbClr val="000000"/>
         </a:buClr>
         <a:buFont typeface="Arial"/>
-        <a:defRPr b="0" i="0" sz="1400" u="none" cap="none" strike="noStrike">
+        <a:defRPr sz="1400" b="0" i="0" u="none" strike="noStrike" cap="none">
           <a:solidFill>
             <a:srgbClr val="000000"/>
           </a:solidFill>
@@ -5964,7 +6008,7 @@
           <a:sym typeface="Arial"/>
         </a:defRPr>
       </a:lvl5pPr>
-      <a:lvl6pPr lvl="5" marR="0" rtl="0" algn="l">
+      <a:lvl6pPr marR="0" lvl="5" algn="l" rtl="0">
         <a:lnSpc>
           <a:spcPct val="100000"/>
         </a:lnSpc>
@@ -5978,7 +6022,7 @@
           <a:srgbClr val="000000"/>
         </a:buClr>
         <a:buFont typeface="Arial"/>
-        <a:defRPr b="0" i="0" sz="1400" u="none" cap="none" strike="noStrike">
+        <a:defRPr sz="1400" b="0" i="0" u="none" strike="noStrike" cap="none">
           <a:solidFill>
             <a:srgbClr val="000000"/>
           </a:solidFill>
@@ -5988,7 +6032,7 @@
           <a:sym typeface="Arial"/>
         </a:defRPr>
       </a:lvl6pPr>
-      <a:lvl7pPr lvl="6" marR="0" rtl="0" algn="l">
+      <a:lvl7pPr marR="0" lvl="6" algn="l" rtl="0">
         <a:lnSpc>
           <a:spcPct val="100000"/>
         </a:lnSpc>
@@ -6002,7 +6046,7 @@
           <a:srgbClr val="000000"/>
         </a:buClr>
         <a:buFont typeface="Arial"/>
-        <a:defRPr b="0" i="0" sz="1400" u="none" cap="none" strike="noStrike">
+        <a:defRPr sz="1400" b="0" i="0" u="none" strike="noStrike" cap="none">
           <a:solidFill>
             <a:srgbClr val="000000"/>
           </a:solidFill>
@@ -6012,7 +6056,7 @@
           <a:sym typeface="Arial"/>
         </a:defRPr>
       </a:lvl7pPr>
-      <a:lvl8pPr lvl="7" marR="0" rtl="0" algn="l">
+      <a:lvl8pPr marR="0" lvl="7" algn="l" rtl="0">
         <a:lnSpc>
           <a:spcPct val="100000"/>
         </a:lnSpc>
@@ -6026,7 +6070,7 @@
           <a:srgbClr val="000000"/>
         </a:buClr>
         <a:buFont typeface="Arial"/>
-        <a:defRPr b="0" i="0" sz="1400" u="none" cap="none" strike="noStrike">
+        <a:defRPr sz="1400" b="0" i="0" u="none" strike="noStrike" cap="none">
           <a:solidFill>
             <a:srgbClr val="000000"/>
           </a:solidFill>
@@ -6036,7 +6080,7 @@
           <a:sym typeface="Arial"/>
         </a:defRPr>
       </a:lvl8pPr>
-      <a:lvl9pPr lvl="8" marR="0" rtl="0" algn="l">
+      <a:lvl9pPr marR="0" lvl="8" algn="l" rtl="0">
         <a:lnSpc>
           <a:spcPct val="100000"/>
         </a:lnSpc>
@@ -6050,7 +6094,7 @@
           <a:srgbClr val="000000"/>
         </a:buClr>
         <a:buFont typeface="Arial"/>
-        <a:defRPr b="0" i="0" sz="1400" u="none" cap="none" strike="noStrike">
+        <a:defRPr sz="1400" b="0" i="0" u="none" strike="noStrike" cap="none">
           <a:solidFill>
             <a:srgbClr val="000000"/>
           </a:solidFill>
@@ -6062,7 +6106,7 @@
       </a:lvl9pPr>
     </p:titleStyle>
     <p:bodyStyle>
-      <a:defPPr lvl="0" marR="0" rtl="0" algn="l">
+      <a:defPPr marR="0" lvl="0" algn="l" rtl="0">
         <a:lnSpc>
           <a:spcPct val="100000"/>
         </a:lnSpc>
@@ -6073,7 +6117,7 @@
           <a:spcPts val="0"/>
         </a:spcAft>
       </a:defPPr>
-      <a:lvl1pPr lvl="0" marR="0" rtl="0" algn="l">
+      <a:lvl1pPr marR="0" lvl="0" algn="l" rtl="0">
         <a:lnSpc>
           <a:spcPct val="100000"/>
         </a:lnSpc>
@@ -6087,7 +6131,7 @@
           <a:srgbClr val="000000"/>
         </a:buClr>
         <a:buFont typeface="Arial"/>
-        <a:defRPr b="0" i="0" sz="1400" u="none" cap="none" strike="noStrike">
+        <a:defRPr sz="1400" b="0" i="0" u="none" strike="noStrike" cap="none">
           <a:solidFill>
             <a:srgbClr val="000000"/>
           </a:solidFill>
@@ -6097,7 +6141,7 @@
           <a:sym typeface="Arial"/>
         </a:defRPr>
       </a:lvl1pPr>
-      <a:lvl2pPr lvl="1" marR="0" rtl="0" algn="l">
+      <a:lvl2pPr marR="0" lvl="1" algn="l" rtl="0">
         <a:lnSpc>
           <a:spcPct val="100000"/>
         </a:lnSpc>
@@ -6111,7 +6155,7 @@
           <a:srgbClr val="000000"/>
         </a:buClr>
         <a:buFont typeface="Arial"/>
-        <a:defRPr b="0" i="0" sz="1400" u="none" cap="none" strike="noStrike">
+        <a:defRPr sz="1400" b="0" i="0" u="none" strike="noStrike" cap="none">
           <a:solidFill>
             <a:srgbClr val="000000"/>
           </a:solidFill>
@@ -6121,7 +6165,7 @@
           <a:sym typeface="Arial"/>
         </a:defRPr>
       </a:lvl2pPr>
-      <a:lvl3pPr lvl="2" marR="0" rtl="0" algn="l">
+      <a:lvl3pPr marR="0" lvl="2" algn="l" rtl="0">
         <a:lnSpc>
           <a:spcPct val="100000"/>
         </a:lnSpc>
@@ -6135,7 +6179,7 @@
           <a:srgbClr val="000000"/>
         </a:buClr>
         <a:buFont typeface="Arial"/>
-        <a:defRPr b="0" i="0" sz="1400" u="none" cap="none" strike="noStrike">
+        <a:defRPr sz="1400" b="0" i="0" u="none" strike="noStrike" cap="none">
           <a:solidFill>
             <a:srgbClr val="000000"/>
           </a:solidFill>
@@ -6145,7 +6189,7 @@
           <a:sym typeface="Arial"/>
         </a:defRPr>
       </a:lvl3pPr>
-      <a:lvl4pPr lvl="3" marR="0" rtl="0" algn="l">
+      <a:lvl4pPr marR="0" lvl="3" algn="l" rtl="0">
         <a:lnSpc>
           <a:spcPct val="100000"/>
         </a:lnSpc>
@@ -6159,7 +6203,7 @@
           <a:srgbClr val="000000"/>
         </a:buClr>
         <a:buFont typeface="Arial"/>
-        <a:defRPr b="0" i="0" sz="1400" u="none" cap="none" strike="noStrike">
+        <a:defRPr sz="1400" b="0" i="0" u="none" strike="noStrike" cap="none">
           <a:solidFill>
             <a:srgbClr val="000000"/>
           </a:solidFill>
@@ -6169,7 +6213,7 @@
           <a:sym typeface="Arial"/>
         </a:defRPr>
       </a:lvl4pPr>
-      <a:lvl5pPr lvl="4" marR="0" rtl="0" algn="l">
+      <a:lvl5pPr marR="0" lvl="4" algn="l" rtl="0">
         <a:lnSpc>
           <a:spcPct val="100000"/>
         </a:lnSpc>
@@ -6183,7 +6227,7 @@
           <a:srgbClr val="000000"/>
         </a:buClr>
         <a:buFont typeface="Arial"/>
-        <a:defRPr b="0" i="0" sz="1400" u="none" cap="none" strike="noStrike">
+        <a:defRPr sz="1400" b="0" i="0" u="none" strike="noStrike" cap="none">
           <a:solidFill>
             <a:srgbClr val="000000"/>
           </a:solidFill>
@@ -6193,7 +6237,7 @@
           <a:sym typeface="Arial"/>
         </a:defRPr>
       </a:lvl5pPr>
-      <a:lvl6pPr lvl="5" marR="0" rtl="0" algn="l">
+      <a:lvl6pPr marR="0" lvl="5" algn="l" rtl="0">
         <a:lnSpc>
           <a:spcPct val="100000"/>
         </a:lnSpc>
@@ -6207,7 +6251,7 @@
           <a:srgbClr val="000000"/>
         </a:buClr>
         <a:buFont typeface="Arial"/>
-        <a:defRPr b="0" i="0" sz="1400" u="none" cap="none" strike="noStrike">
+        <a:defRPr sz="1400" b="0" i="0" u="none" strike="noStrike" cap="none">
           <a:solidFill>
             <a:srgbClr val="000000"/>
           </a:solidFill>
@@ -6217,7 +6261,7 @@
           <a:sym typeface="Arial"/>
         </a:defRPr>
       </a:lvl6pPr>
-      <a:lvl7pPr lvl="6" marR="0" rtl="0" algn="l">
+      <a:lvl7pPr marR="0" lvl="6" algn="l" rtl="0">
         <a:lnSpc>
           <a:spcPct val="100000"/>
         </a:lnSpc>
@@ -6231,7 +6275,7 @@
           <a:srgbClr val="000000"/>
         </a:buClr>
         <a:buFont typeface="Arial"/>
-        <a:defRPr b="0" i="0" sz="1400" u="none" cap="none" strike="noStrike">
+        <a:defRPr sz="1400" b="0" i="0" u="none" strike="noStrike" cap="none">
           <a:solidFill>
             <a:srgbClr val="000000"/>
           </a:solidFill>
@@ -6241,7 +6285,7 @@
           <a:sym typeface="Arial"/>
         </a:defRPr>
       </a:lvl7pPr>
-      <a:lvl8pPr lvl="7" marR="0" rtl="0" algn="l">
+      <a:lvl8pPr marR="0" lvl="7" algn="l" rtl="0">
         <a:lnSpc>
           <a:spcPct val="100000"/>
         </a:lnSpc>
@@ -6255,7 +6299,7 @@
           <a:srgbClr val="000000"/>
         </a:buClr>
         <a:buFont typeface="Arial"/>
-        <a:defRPr b="0" i="0" sz="1400" u="none" cap="none" strike="noStrike">
+        <a:defRPr sz="1400" b="0" i="0" u="none" strike="noStrike" cap="none">
           <a:solidFill>
             <a:srgbClr val="000000"/>
           </a:solidFill>
@@ -6265,7 +6309,7 @@
           <a:sym typeface="Arial"/>
         </a:defRPr>
       </a:lvl8pPr>
-      <a:lvl9pPr lvl="8" marR="0" rtl="0" algn="l">
+      <a:lvl9pPr marR="0" lvl="8" algn="l" rtl="0">
         <a:lnSpc>
           <a:spcPct val="100000"/>
         </a:lnSpc>
@@ -6279,7 +6323,7 @@
           <a:srgbClr val="000000"/>
         </a:buClr>
         <a:buFont typeface="Arial"/>
-        <a:defRPr b="0" i="0" sz="1400" u="none" cap="none" strike="noStrike">
+        <a:defRPr sz="1400" b="0" i="0" u="none" strike="noStrike" cap="none">
           <a:solidFill>
             <a:srgbClr val="000000"/>
           </a:solidFill>
@@ -6291,7 +6335,7 @@
       </a:lvl9pPr>
     </p:bodyStyle>
     <p:otherStyle>
-      <a:defPPr lvl="0" marR="0" rtl="0" algn="l">
+      <a:defPPr marR="0" lvl="0" algn="l" rtl="0">
         <a:lnSpc>
           <a:spcPct val="100000"/>
         </a:lnSpc>
@@ -6302,7 +6346,7 @@
           <a:spcPts val="0"/>
         </a:spcAft>
       </a:defPPr>
-      <a:lvl1pPr lvl="0" marR="0" rtl="0" algn="l">
+      <a:lvl1pPr marR="0" lvl="0" algn="l" rtl="0">
         <a:lnSpc>
           <a:spcPct val="100000"/>
         </a:lnSpc>
@@ -6316,7 +6360,7 @@
           <a:srgbClr val="000000"/>
         </a:buClr>
         <a:buFont typeface="Arial"/>
-        <a:defRPr b="0" i="0" sz="1400" u="none" cap="none" strike="noStrike">
+        <a:defRPr sz="1400" b="0" i="0" u="none" strike="noStrike" cap="none">
           <a:solidFill>
             <a:srgbClr val="000000"/>
           </a:solidFill>
@@ -6326,7 +6370,7 @@
           <a:sym typeface="Arial"/>
         </a:defRPr>
       </a:lvl1pPr>
-      <a:lvl2pPr lvl="1" marR="0" rtl="0" algn="l">
+      <a:lvl2pPr marR="0" lvl="1" algn="l" rtl="0">
         <a:lnSpc>
           <a:spcPct val="100000"/>
         </a:lnSpc>
@@ -6340,7 +6384,7 @@
           <a:srgbClr val="000000"/>
         </a:buClr>
         <a:buFont typeface="Arial"/>
-        <a:defRPr b="0" i="0" sz="1400" u="none" cap="none" strike="noStrike">
+        <a:defRPr sz="1400" b="0" i="0" u="none" strike="noStrike" cap="none">
           <a:solidFill>
             <a:srgbClr val="000000"/>
           </a:solidFill>
@@ -6350,7 +6394,7 @@
           <a:sym typeface="Arial"/>
         </a:defRPr>
       </a:lvl2pPr>
-      <a:lvl3pPr lvl="2" marR="0" rtl="0" algn="l">
+      <a:lvl3pPr marR="0" lvl="2" algn="l" rtl="0">
         <a:lnSpc>
           <a:spcPct val="100000"/>
         </a:lnSpc>
@@ -6364,7 +6408,7 @@
           <a:srgbClr val="000000"/>
         </a:buClr>
         <a:buFont typeface="Arial"/>
-        <a:defRPr b="0" i="0" sz="1400" u="none" cap="none" strike="noStrike">
+        <a:defRPr sz="1400" b="0" i="0" u="none" strike="noStrike" cap="none">
           <a:solidFill>
             <a:srgbClr val="000000"/>
           </a:solidFill>
@@ -6374,7 +6418,7 @@
           <a:sym typeface="Arial"/>
         </a:defRPr>
       </a:lvl3pPr>
-      <a:lvl4pPr lvl="3" marR="0" rtl="0" algn="l">
+      <a:lvl4pPr marR="0" lvl="3" algn="l" rtl="0">
         <a:lnSpc>
           <a:spcPct val="100000"/>
         </a:lnSpc>
@@ -6388,7 +6432,7 @@
           <a:srgbClr val="000000"/>
         </a:buClr>
         <a:buFont typeface="Arial"/>
-        <a:defRPr b="0" i="0" sz="1400" u="none" cap="none" strike="noStrike">
+        <a:defRPr sz="1400" b="0" i="0" u="none" strike="noStrike" cap="none">
           <a:solidFill>
             <a:srgbClr val="000000"/>
           </a:solidFill>
@@ -6398,7 +6442,7 @@
           <a:sym typeface="Arial"/>
         </a:defRPr>
       </a:lvl4pPr>
-      <a:lvl5pPr lvl="4" marR="0" rtl="0" algn="l">
+      <a:lvl5pPr marR="0" lvl="4" algn="l" rtl="0">
         <a:lnSpc>
           <a:spcPct val="100000"/>
         </a:lnSpc>
@@ -6412,7 +6456,7 @@
           <a:srgbClr val="000000"/>
         </a:buClr>
         <a:buFont typeface="Arial"/>
-        <a:defRPr b="0" i="0" sz="1400" u="none" cap="none" strike="noStrike">
+        <a:defRPr sz="1400" b="0" i="0" u="none" strike="noStrike" cap="none">
           <a:solidFill>
             <a:srgbClr val="000000"/>
           </a:solidFill>
@@ -6422,7 +6466,7 @@
           <a:sym typeface="Arial"/>
         </a:defRPr>
       </a:lvl5pPr>
-      <a:lvl6pPr lvl="5" marR="0" rtl="0" algn="l">
+      <a:lvl6pPr marR="0" lvl="5" algn="l" rtl="0">
         <a:lnSpc>
           <a:spcPct val="100000"/>
         </a:lnSpc>
@@ -6436,7 +6480,7 @@
           <a:srgbClr val="000000"/>
         </a:buClr>
         <a:buFont typeface="Arial"/>
-        <a:defRPr b="0" i="0" sz="1400" u="none" cap="none" strike="noStrike">
+        <a:defRPr sz="1400" b="0" i="0" u="none" strike="noStrike" cap="none">
           <a:solidFill>
             <a:srgbClr val="000000"/>
           </a:solidFill>
@@ -6446,7 +6490,7 @@
           <a:sym typeface="Arial"/>
         </a:defRPr>
       </a:lvl6pPr>
-      <a:lvl7pPr lvl="6" marR="0" rtl="0" algn="l">
+      <a:lvl7pPr marR="0" lvl="6" algn="l" rtl="0">
         <a:lnSpc>
           <a:spcPct val="100000"/>
         </a:lnSpc>
@@ -6460,7 +6504,7 @@
           <a:srgbClr val="000000"/>
         </a:buClr>
         <a:buFont typeface="Arial"/>
-        <a:defRPr b="0" i="0" sz="1400" u="none" cap="none" strike="noStrike">
+        <a:defRPr sz="1400" b="0" i="0" u="none" strike="noStrike" cap="none">
           <a:solidFill>
             <a:srgbClr val="000000"/>
           </a:solidFill>
@@ -6470,7 +6514,7 @@
           <a:sym typeface="Arial"/>
         </a:defRPr>
       </a:lvl7pPr>
-      <a:lvl8pPr lvl="7" marR="0" rtl="0" algn="l">
+      <a:lvl8pPr marR="0" lvl="7" algn="l" rtl="0">
         <a:lnSpc>
           <a:spcPct val="100000"/>
         </a:lnSpc>
@@ -6484,7 +6528,7 @@
           <a:srgbClr val="000000"/>
         </a:buClr>
         <a:buFont typeface="Arial"/>
-        <a:defRPr b="0" i="0" sz="1400" u="none" cap="none" strike="noStrike">
+        <a:defRPr sz="1400" b="0" i="0" u="none" strike="noStrike" cap="none">
           <a:solidFill>
             <a:srgbClr val="000000"/>
           </a:solidFill>
@@ -6494,7 +6538,7 @@
           <a:sym typeface="Arial"/>
         </a:defRPr>
       </a:lvl8pPr>
-      <a:lvl9pPr lvl="8" marR="0" rtl="0" algn="l">
+      <a:lvl9pPr marR="0" lvl="8" algn="l" rtl="0">
         <a:lnSpc>
           <a:spcPct val="100000"/>
         </a:lnSpc>
@@ -6508,7 +6552,7 @@
           <a:srgbClr val="000000"/>
         </a:buClr>
         <a:buFont typeface="Arial"/>
-        <a:defRPr b="0" i="0" sz="1400" u="none" cap="none" strike="noStrike">
+        <a:defRPr sz="1400" b="0" i="0" u="none" strike="noStrike" cap="none">
           <a:solidFill>
             <a:srgbClr val="000000"/>
           </a:solidFill>
@@ -6524,11 +6568,11 @@
 </file>
 
 <file path=ppt/slides/slide1.xml><?xml version="1.0" encoding="utf-8"?>
-<p:sld xmlns:a="http://schemas.openxmlformats.org/drawingml/2006/main" xmlns:r="http://schemas.openxmlformats.org/officeDocument/2006/relationships" xmlns:mc="http://schemas.openxmlformats.org/markup-compatibility/2006" xmlns:mv="urn:schemas-microsoft-com:mac:vml" xmlns:p="http://schemas.openxmlformats.org/presentationml/2006/main" xmlns:c="http://schemas.openxmlformats.org/drawingml/2006/chart" xmlns:dgm="http://schemas.openxmlformats.org/drawingml/2006/diagram" xmlns:o="urn:schemas-microsoft-com:office:office" xmlns:v="urn:schemas-microsoft-com:vml" xmlns:pvml="urn:schemas-microsoft-com:office:powerpoint" xmlns:com="http://schemas.openxmlformats.org/drawingml/2006/compatibility" xmlns:p14="http://schemas.microsoft.com/office/powerpoint/2010/main" xmlns:p15="http://schemas.microsoft.com/office/powerpoint/2012/main">
+<p:sld xmlns:a="http://schemas.openxmlformats.org/drawingml/2006/main" xmlns:r="http://schemas.openxmlformats.org/officeDocument/2006/relationships" xmlns:p="http://schemas.openxmlformats.org/presentationml/2006/main">
   <p:cSld>
     <p:spTree>
       <p:nvGrpSpPr>
-        <p:cNvPr id="53" name="Shape 53"/>
+        <p:cNvPr id="1" name="Shape 53"/>
         <p:cNvGrpSpPr/>
         <p:nvPr/>
       </p:nvGrpSpPr>
@@ -6543,7 +6587,9 @@
       <p:sp>
         <p:nvSpPr>
           <p:cNvPr id="54" name="Shape 54"/>
-          <p:cNvSpPr txBox="1"/>
+          <p:cNvSpPr txBox="1">
+            <a:spLocks noGrp="1"/>
+          </p:cNvSpPr>
           <p:nvPr>
             <p:ph type="ctrTitle"/>
           </p:nvPr>
@@ -6558,12 +6604,12 @@
           </a:prstGeom>
         </p:spPr>
         <p:txBody>
-          <a:bodyPr anchorCtr="0" anchor="b" bIns="91425" lIns="91425" spcFirstLastPara="1" rIns="91425" wrap="square" tIns="91425">
+          <a:bodyPr spcFirstLastPara="1" wrap="square" lIns="91425" tIns="91425" rIns="91425" bIns="91425" anchor="b" anchorCtr="0">
             <a:noAutofit/>
           </a:bodyPr>
           <a:lstStyle/>
           <a:p>
-            <a:pPr indent="0" lvl="0" marL="0">
+            <a:pPr marL="0" lvl="0" indent="0">
               <a:spcBef>
                 <a:spcPts val="0"/>
               </a:spcBef>
@@ -6573,19 +6619,25 @@
               <a:buNone/>
             </a:pPr>
             <a:r>
-              <a:rPr lang="en"/>
-              <a:t>Cross Site Scripting and Cross Site Request Forgery</a:t>
+              <a:rPr lang="en" dirty="0"/>
+              <a:t>Cross Site </a:t>
             </a:r>
-            <a:endParaRPr/>
+            <a:r>
+              <a:rPr lang="en" dirty="0" smtClean="0"/>
+              <a:t>Scripting</a:t>
+            </a:r>
+            <a:endParaRPr dirty="0"/>
           </a:p>
         </p:txBody>
       </p:sp>
       <p:sp>
         <p:nvSpPr>
           <p:cNvPr id="55" name="Shape 55"/>
-          <p:cNvSpPr txBox="1"/>
+          <p:cNvSpPr txBox="1">
+            <a:spLocks noGrp="1"/>
+          </p:cNvSpPr>
           <p:nvPr>
-            <p:ph idx="1" type="subTitle"/>
+            <p:ph type="subTitle" idx="1"/>
           </p:nvPr>
         </p:nvSpPr>
         <p:spPr>
@@ -6598,12 +6650,12 @@
           </a:prstGeom>
         </p:spPr>
         <p:txBody>
-          <a:bodyPr anchorCtr="0" anchor="t" bIns="91425" lIns="91425" spcFirstLastPara="1" rIns="91425" wrap="square" tIns="91425">
+          <a:bodyPr spcFirstLastPara="1" wrap="square" lIns="91425" tIns="91425" rIns="91425" bIns="91425" anchor="t" anchorCtr="0">
             <a:noAutofit/>
           </a:bodyPr>
           <a:lstStyle/>
           <a:p>
-            <a:pPr indent="0" lvl="0" marL="0">
+            <a:pPr marL="0" lvl="0" indent="0">
               <a:spcBef>
                 <a:spcPts val="0"/>
               </a:spcBef>
@@ -6629,11 +6681,11 @@
 </file>
 
 <file path=ppt/slides/slide10.xml><?xml version="1.0" encoding="utf-8"?>
-<p:sld xmlns:a="http://schemas.openxmlformats.org/drawingml/2006/main" xmlns:r="http://schemas.openxmlformats.org/officeDocument/2006/relationships" xmlns:mc="http://schemas.openxmlformats.org/markup-compatibility/2006" xmlns:mv="urn:schemas-microsoft-com:mac:vml" xmlns:p="http://schemas.openxmlformats.org/presentationml/2006/main" xmlns:c="http://schemas.openxmlformats.org/drawingml/2006/chart" xmlns:dgm="http://schemas.openxmlformats.org/drawingml/2006/diagram" xmlns:o="urn:schemas-microsoft-com:office:office" xmlns:v="urn:schemas-microsoft-com:vml" xmlns:pvml="urn:schemas-microsoft-com:office:powerpoint" xmlns:com="http://schemas.openxmlformats.org/drawingml/2006/compatibility" xmlns:p14="http://schemas.microsoft.com/office/powerpoint/2010/main" xmlns:p15="http://schemas.microsoft.com/office/powerpoint/2012/main">
+<p:sld xmlns:a="http://schemas.openxmlformats.org/drawingml/2006/main" xmlns:r="http://schemas.openxmlformats.org/officeDocument/2006/relationships" xmlns:p="http://schemas.openxmlformats.org/presentationml/2006/main">
   <p:cSld>
     <p:spTree>
       <p:nvGrpSpPr>
-        <p:cNvPr id="107" name="Shape 107"/>
+        <p:cNvPr id="1" name="Shape 89"/>
         <p:cNvGrpSpPr/>
         <p:nvPr/>
       </p:nvGrpSpPr>
@@ -6647,8 +6699,10 @@
       </p:grpSpPr>
       <p:sp>
         <p:nvSpPr>
-          <p:cNvPr id="108" name="Shape 108"/>
-          <p:cNvSpPr txBox="1"/>
+          <p:cNvPr id="90" name="Shape 90"/>
+          <p:cNvSpPr txBox="1">
+            <a:spLocks noGrp="1"/>
+          </p:cNvSpPr>
           <p:nvPr>
             <p:ph type="title"/>
           </p:nvPr>
@@ -6663,12 +6717,12 @@
           </a:prstGeom>
         </p:spPr>
         <p:txBody>
-          <a:bodyPr anchorCtr="0" anchor="t" bIns="91425" lIns="91425" spcFirstLastPara="1" rIns="91425" wrap="square" tIns="91425">
+          <a:bodyPr spcFirstLastPara="1" wrap="square" lIns="91425" tIns="91425" rIns="91425" bIns="91425" anchor="t" anchorCtr="0">
             <a:noAutofit/>
           </a:bodyPr>
           <a:lstStyle/>
           <a:p>
-            <a:pPr indent="0" lvl="0" marL="0">
+            <a:pPr marL="0" lvl="0" indent="0">
               <a:spcBef>
                 <a:spcPts val="0"/>
               </a:spcBef>
@@ -6679,7 +6733,7 @@
             </a:pPr>
             <a:r>
               <a:rPr lang="en"/>
-              <a:t>Historical</a:t>
+              <a:t>CSRF</a:t>
             </a:r>
             <a:endParaRPr/>
           </a:p>
@@ -6687,10 +6741,12 @@
       </p:sp>
       <p:sp>
         <p:nvSpPr>
-          <p:cNvPr id="109" name="Shape 109"/>
-          <p:cNvSpPr txBox="1"/>
+          <p:cNvPr id="91" name="Shape 91"/>
+          <p:cNvSpPr txBox="1">
+            <a:spLocks noGrp="1"/>
+          </p:cNvSpPr>
           <p:nvPr>
-            <p:ph idx="1" type="body"/>
+            <p:ph type="body" idx="1"/>
           </p:nvPr>
         </p:nvSpPr>
         <p:spPr>
@@ -6703,1499 +6759,12 @@
           </a:prstGeom>
         </p:spPr>
         <p:txBody>
-          <a:bodyPr anchorCtr="0" anchor="t" bIns="91425" lIns="91425" spcFirstLastPara="1" rIns="91425" wrap="square" tIns="91425">
+          <a:bodyPr spcFirstLastPara="1" wrap="square" lIns="91425" tIns="91425" rIns="91425" bIns="91425" anchor="t" anchorCtr="0">
             <a:noAutofit/>
           </a:bodyPr>
           <a:lstStyle/>
           <a:p>
-            <a:pPr indent="-342900" lvl="0" marL="457200" rtl="0">
-              <a:spcBef>
-                <a:spcPts val="0"/>
-              </a:spcBef>
-              <a:spcAft>
-                <a:spcPts val="0"/>
-              </a:spcAft>
-              <a:buSzPts val="1800"/>
-              <a:buChar char="-"/>
-            </a:pPr>
-            <a:r>
-              <a:rPr lang="en"/>
-              <a:t>Samy is my Hero!</a:t>
-            </a:r>
-            <a:endParaRPr/>
-          </a:p>
-          <a:p>
-            <a:pPr indent="-317500" lvl="1" marL="914400" rtl="0">
-              <a:spcBef>
-                <a:spcPts val="0"/>
-              </a:spcBef>
-              <a:spcAft>
-                <a:spcPts val="0"/>
-              </a:spcAft>
-              <a:buSzPts val="1400"/>
-              <a:buChar char="-"/>
-            </a:pPr>
-            <a:r>
-              <a:rPr lang="en"/>
-              <a:t>Self propagating MySpace worm that changes all profile banners to “Samy is my Hero” and adding a script that would infect any other user that visited an infected page.</a:t>
-            </a:r>
-            <a:endParaRPr/>
-          </a:p>
-          <a:p>
-            <a:pPr indent="-317500" lvl="1" marL="914400" rtl="0">
-              <a:spcBef>
-                <a:spcPts val="0"/>
-              </a:spcBef>
-              <a:spcAft>
-                <a:spcPts val="0"/>
-              </a:spcAft>
-              <a:buSzPts val="1400"/>
-              <a:buChar char="-"/>
-            </a:pPr>
-            <a:r>
-              <a:rPr lang="en"/>
-              <a:t>Samy was charged with a felony and went to prison for a “harmless” hack.</a:t>
-            </a:r>
-            <a:endParaRPr/>
-          </a:p>
-          <a:p>
-            <a:pPr indent="-317500" lvl="1" marL="914400" rtl="0">
-              <a:spcBef>
-                <a:spcPts val="0"/>
-              </a:spcBef>
-              <a:spcAft>
-                <a:spcPts val="0"/>
-              </a:spcAft>
-              <a:buSzPts val="1400"/>
-              <a:buChar char="-"/>
-            </a:pPr>
-            <a:r>
-              <a:rPr lang="en"/>
-              <a:t>This also happened with TweetDeck not too long ago.</a:t>
-            </a:r>
-            <a:endParaRPr/>
-          </a:p>
-          <a:p>
-            <a:pPr indent="-342900" lvl="0" marL="457200" rtl="0">
-              <a:spcBef>
-                <a:spcPts val="0"/>
-              </a:spcBef>
-              <a:spcAft>
-                <a:spcPts val="0"/>
-              </a:spcAft>
-              <a:buSzPts val="1800"/>
-              <a:buChar char="-"/>
-            </a:pPr>
-            <a:r>
-              <a:rPr lang="en"/>
-              <a:t>In 2006, Netflix accounts could be fully compromised using CSRF.</a:t>
-            </a:r>
-            <a:endParaRPr/>
-          </a:p>
-          <a:p>
-            <a:pPr indent="-342900" lvl="0" marL="457200" rtl="0">
-              <a:spcBef>
-                <a:spcPts val="0"/>
-              </a:spcBef>
-              <a:spcAft>
-                <a:spcPts val="0"/>
-              </a:spcAft>
-              <a:buSzPts val="1800"/>
-              <a:buChar char="-"/>
-            </a:pPr>
-            <a:r>
-              <a:rPr lang="en"/>
-              <a:t>ING Direct (a bank) showed instances of illicit transfers caused by CSRF.</a:t>
-            </a:r>
-            <a:endParaRPr/>
-          </a:p>
-          <a:p>
-            <a:pPr indent="-342900" lvl="0" marL="457200" rtl="0">
-              <a:spcBef>
-                <a:spcPts val="0"/>
-              </a:spcBef>
-              <a:spcAft>
-                <a:spcPts val="0"/>
-              </a:spcAft>
-              <a:buSzPts val="1800"/>
-              <a:buChar char="-"/>
-            </a:pPr>
-            <a:r>
-              <a:rPr lang="en"/>
-              <a:t>CSRF attack on PayPal’s profile images in 2016 allowed changing a logged in user’s profile image arbitrarily.</a:t>
-            </a:r>
-            <a:endParaRPr/>
-          </a:p>
-          <a:p>
-            <a:pPr indent="-342900" lvl="0" marL="457200" rtl="0">
-              <a:spcBef>
-                <a:spcPts val="0"/>
-              </a:spcBef>
-              <a:spcAft>
-                <a:spcPts val="0"/>
-              </a:spcAft>
-              <a:buSzPts val="1800"/>
-              <a:buChar char="-"/>
-            </a:pPr>
-            <a:r>
-              <a:rPr lang="en"/>
-              <a:t>XSS is often used to steal session cookies and install JavaScript keyloggers. There are too many records of this to count.</a:t>
-            </a:r>
-            <a:endParaRPr/>
-          </a:p>
-        </p:txBody>
-      </p:sp>
-    </p:spTree>
-  </p:cSld>
-  <p:clrMapOvr>
-    <a:masterClrMapping/>
-  </p:clrMapOvr>
-</p:sld>
-</file>
-
-<file path=ppt/slides/slide11.xml><?xml version="1.0" encoding="utf-8"?>
-<p:sld xmlns:a="http://schemas.openxmlformats.org/drawingml/2006/main" xmlns:r="http://schemas.openxmlformats.org/officeDocument/2006/relationships" xmlns:mc="http://schemas.openxmlformats.org/markup-compatibility/2006" xmlns:mv="urn:schemas-microsoft-com:mac:vml" xmlns:p="http://schemas.openxmlformats.org/presentationml/2006/main" xmlns:c="http://schemas.openxmlformats.org/drawingml/2006/chart" xmlns:dgm="http://schemas.openxmlformats.org/drawingml/2006/diagram" xmlns:o="urn:schemas-microsoft-com:office:office" xmlns:v="urn:schemas-microsoft-com:vml" xmlns:pvml="urn:schemas-microsoft-com:office:powerpoint" xmlns:com="http://schemas.openxmlformats.org/drawingml/2006/compatibility" xmlns:p14="http://schemas.microsoft.com/office/powerpoint/2010/main" xmlns:p15="http://schemas.microsoft.com/office/powerpoint/2012/main">
-  <p:cSld>
-    <p:spTree>
-      <p:nvGrpSpPr>
-        <p:cNvPr id="113" name="Shape 113"/>
-        <p:cNvGrpSpPr/>
-        <p:nvPr/>
-      </p:nvGrpSpPr>
-      <p:grpSpPr>
-        <a:xfrm>
-          <a:off x="0" y="0"/>
-          <a:ext cx="0" cy="0"/>
-          <a:chOff x="0" y="0"/>
-          <a:chExt cx="0" cy="0"/>
-        </a:xfrm>
-      </p:grpSpPr>
-      <p:sp>
-        <p:nvSpPr>
-          <p:cNvPr id="114" name="Shape 114"/>
-          <p:cNvSpPr txBox="1"/>
-          <p:nvPr>
-            <p:ph type="title"/>
-          </p:nvPr>
-        </p:nvSpPr>
-        <p:spPr>
-          <a:xfrm>
-            <a:off x="311700" y="445025"/>
-            <a:ext cx="8520600" cy="572700"/>
-          </a:xfrm>
-          <a:prstGeom prst="rect">
-            <a:avLst/>
-          </a:prstGeom>
-        </p:spPr>
-        <p:txBody>
-          <a:bodyPr anchorCtr="0" anchor="t" bIns="91425" lIns="91425" spcFirstLastPara="1" rIns="91425" wrap="square" tIns="91425">
-            <a:noAutofit/>
-          </a:bodyPr>
-          <a:lstStyle/>
-          <a:p>
-            <a:pPr indent="0" lvl="0" marL="0">
-              <a:spcBef>
-                <a:spcPts val="0"/>
-              </a:spcBef>
-              <a:spcAft>
-                <a:spcPts val="0"/>
-              </a:spcAft>
-              <a:buNone/>
-            </a:pPr>
-            <a:r>
-              <a:rPr lang="en"/>
-              <a:t>More notes</a:t>
-            </a:r>
-            <a:endParaRPr/>
-          </a:p>
-        </p:txBody>
-      </p:sp>
-      <p:sp>
-        <p:nvSpPr>
-          <p:cNvPr id="115" name="Shape 115"/>
-          <p:cNvSpPr txBox="1"/>
-          <p:nvPr>
-            <p:ph idx="1" type="body"/>
-          </p:nvPr>
-        </p:nvSpPr>
-        <p:spPr>
-          <a:xfrm>
-            <a:off x="311700" y="1152475"/>
-            <a:ext cx="8520600" cy="3416400"/>
-          </a:xfrm>
-          <a:prstGeom prst="rect">
-            <a:avLst/>
-          </a:prstGeom>
-        </p:spPr>
-        <p:txBody>
-          <a:bodyPr anchorCtr="0" anchor="t" bIns="91425" lIns="91425" spcFirstLastPara="1" rIns="91425" wrap="square" tIns="91425">
-            <a:noAutofit/>
-          </a:bodyPr>
-          <a:lstStyle/>
-          <a:p>
-            <a:pPr indent="-342900" lvl="0" marL="457200" rtl="0">
-              <a:spcBef>
-                <a:spcPts val="0"/>
-              </a:spcBef>
-              <a:spcAft>
-                <a:spcPts val="0"/>
-              </a:spcAft>
-              <a:buSzPts val="1800"/>
-              <a:buChar char="-"/>
-            </a:pPr>
-            <a:r>
-              <a:rPr lang="en"/>
-              <a:t>Any site vulnerable to XSS is also vulnerable to CSRF. Why is that?</a:t>
-            </a:r>
-            <a:endParaRPr/>
-          </a:p>
-          <a:p>
-            <a:pPr indent="-342900" lvl="0" marL="457200" rtl="0">
-              <a:spcBef>
-                <a:spcPts val="0"/>
-              </a:spcBef>
-              <a:spcAft>
-                <a:spcPts val="0"/>
-              </a:spcAft>
-              <a:buSzPts val="1800"/>
-              <a:buChar char="-"/>
-            </a:pPr>
-            <a:r>
-              <a:rPr lang="en"/>
-              <a:t>There’s a fair amount of creativity and trial and error involved in this kind of work. It can be a lot of fun and the field is very rewarding should you choose to work in it…</a:t>
-            </a:r>
-            <a:endParaRPr/>
-          </a:p>
-          <a:p>
-            <a:pPr indent="-342900" lvl="0" marL="457200" rtl="0">
-              <a:spcBef>
-                <a:spcPts val="0"/>
-              </a:spcBef>
-              <a:spcAft>
-                <a:spcPts val="0"/>
-              </a:spcAft>
-              <a:buSzPts val="1800"/>
-              <a:buChar char="-"/>
-            </a:pPr>
-            <a:r>
-              <a:rPr lang="en"/>
-              <a:t>Web applications are not the only things that are vulnerable to XSS and CSRF.</a:t>
-            </a:r>
-            <a:endParaRPr/>
-          </a:p>
-          <a:p>
-            <a:pPr indent="-317500" lvl="1" marL="914400" rtl="0">
-              <a:spcBef>
-                <a:spcPts val="0"/>
-              </a:spcBef>
-              <a:spcAft>
-                <a:spcPts val="0"/>
-              </a:spcAft>
-              <a:buSzPts val="1400"/>
-              <a:buChar char="-"/>
-            </a:pPr>
-            <a:r>
-              <a:rPr lang="en"/>
-              <a:t>SMS XSS: </a:t>
-            </a:r>
-            <a:r>
-              <a:rPr lang="en" u="sng">
-                <a:solidFill>
-                  <a:schemeClr val="hlink"/>
-                </a:solidFill>
-                <a:hlinkClick r:id="rId3"/>
-              </a:rPr>
-              <a:t>https://randywestergren.com/xss-sms-hacking-text-messages-verizon-messages</a:t>
-            </a:r>
-            <a:r>
-              <a:rPr lang="en"/>
-              <a:t> </a:t>
-            </a:r>
-            <a:endParaRPr/>
-          </a:p>
-          <a:p>
-            <a:pPr indent="0" lvl="0" marL="0" rtl="0">
-              <a:spcBef>
-                <a:spcPts val="1600"/>
-              </a:spcBef>
-              <a:spcAft>
-                <a:spcPts val="1600"/>
-              </a:spcAft>
-              <a:buNone/>
-            </a:pPr>
-            <a:r>
-              <a:t/>
-            </a:r>
-            <a:endParaRPr/>
-          </a:p>
-        </p:txBody>
-      </p:sp>
-    </p:spTree>
-  </p:cSld>
-  <p:clrMapOvr>
-    <a:masterClrMapping/>
-  </p:clrMapOvr>
-</p:sld>
-</file>
-
-<file path=ppt/slides/slide12.xml><?xml version="1.0" encoding="utf-8"?>
-<p:sld xmlns:a="http://schemas.openxmlformats.org/drawingml/2006/main" xmlns:r="http://schemas.openxmlformats.org/officeDocument/2006/relationships" xmlns:mc="http://schemas.openxmlformats.org/markup-compatibility/2006" xmlns:mv="urn:schemas-microsoft-com:mac:vml" xmlns:p="http://schemas.openxmlformats.org/presentationml/2006/main" xmlns:c="http://schemas.openxmlformats.org/drawingml/2006/chart" xmlns:dgm="http://schemas.openxmlformats.org/drawingml/2006/diagram" xmlns:o="urn:schemas-microsoft-com:office:office" xmlns:v="urn:schemas-microsoft-com:vml" xmlns:pvml="urn:schemas-microsoft-com:office:powerpoint" xmlns:com="http://schemas.openxmlformats.org/drawingml/2006/compatibility" xmlns:p14="http://schemas.microsoft.com/office/powerpoint/2010/main" xmlns:p15="http://schemas.microsoft.com/office/powerpoint/2012/main">
-  <p:cSld>
-    <p:spTree>
-      <p:nvGrpSpPr>
-        <p:cNvPr id="119" name="Shape 119"/>
-        <p:cNvGrpSpPr/>
-        <p:nvPr/>
-      </p:nvGrpSpPr>
-      <p:grpSpPr>
-        <a:xfrm>
-          <a:off x="0" y="0"/>
-          <a:ext cx="0" cy="0"/>
-          <a:chOff x="0" y="0"/>
-          <a:chExt cx="0" cy="0"/>
-        </a:xfrm>
-      </p:grpSpPr>
-      <p:sp>
-        <p:nvSpPr>
-          <p:cNvPr id="120" name="Shape 120"/>
-          <p:cNvSpPr txBox="1"/>
-          <p:nvPr>
-            <p:ph type="title"/>
-          </p:nvPr>
-        </p:nvSpPr>
-        <p:spPr>
-          <a:xfrm>
-            <a:off x="311700" y="445025"/>
-            <a:ext cx="8520600" cy="572700"/>
-          </a:xfrm>
-          <a:prstGeom prst="rect">
-            <a:avLst/>
-          </a:prstGeom>
-        </p:spPr>
-        <p:txBody>
-          <a:bodyPr anchorCtr="0" anchor="t" bIns="91425" lIns="91425" spcFirstLastPara="1" rIns="91425" wrap="square" tIns="91425">
-            <a:noAutofit/>
-          </a:bodyPr>
-          <a:lstStyle/>
-          <a:p>
-            <a:pPr indent="0" lvl="0" marL="0">
-              <a:spcBef>
-                <a:spcPts val="0"/>
-              </a:spcBef>
-              <a:spcAft>
-                <a:spcPts val="0"/>
-              </a:spcAft>
-              <a:buNone/>
-            </a:pPr>
-            <a:r>
-              <a:rPr lang="en"/>
-              <a:t>CySCA-esque Demonstration</a:t>
-            </a:r>
-            <a:endParaRPr/>
-          </a:p>
-        </p:txBody>
-      </p:sp>
-      <p:sp>
-        <p:nvSpPr>
-          <p:cNvPr id="121" name="Shape 121"/>
-          <p:cNvSpPr txBox="1"/>
-          <p:nvPr>
-            <p:ph idx="1" type="body"/>
-          </p:nvPr>
-        </p:nvSpPr>
-        <p:spPr>
-          <a:xfrm>
-            <a:off x="311700" y="1152475"/>
-            <a:ext cx="8520600" cy="3416400"/>
-          </a:xfrm>
-          <a:prstGeom prst="rect">
-            <a:avLst/>
-          </a:prstGeom>
-        </p:spPr>
-        <p:txBody>
-          <a:bodyPr anchorCtr="0" anchor="t" bIns="91425" lIns="91425" spcFirstLastPara="1" rIns="91425" wrap="square" tIns="91425">
-            <a:noAutofit/>
-          </a:bodyPr>
-          <a:lstStyle/>
-          <a:p>
-            <a:pPr indent="0" lvl="0" marL="0">
-              <a:spcBef>
-                <a:spcPts val="0"/>
-              </a:spcBef>
-              <a:spcAft>
-                <a:spcPts val="0"/>
-              </a:spcAft>
-              <a:buNone/>
-            </a:pPr>
-            <a:r>
-              <a:rPr lang="en"/>
-              <a:t>I will now demonstrate the first two levels of CySCA 2014’s “CySCA in a box” to demonstrate how XSS might be useful in the real world/in a competition setting.</a:t>
-            </a:r>
-            <a:endParaRPr/>
-          </a:p>
-          <a:p>
-            <a:pPr indent="0" lvl="0" marL="0">
-              <a:spcBef>
-                <a:spcPts val="1600"/>
-              </a:spcBef>
-              <a:spcAft>
-                <a:spcPts val="0"/>
-              </a:spcAft>
-              <a:buNone/>
-            </a:pPr>
-            <a:r>
-              <a:rPr lang="en"/>
-              <a:t>It may help to get familiar with VirtualBox early on. You won’t need Kali Linux just yet, but if you want to play around with it:</a:t>
-            </a:r>
-            <a:endParaRPr/>
-          </a:p>
-          <a:p>
-            <a:pPr indent="-342900" lvl="0" marL="457200" rtl="0">
-              <a:spcBef>
-                <a:spcPts val="1600"/>
-              </a:spcBef>
-              <a:spcAft>
-                <a:spcPts val="0"/>
-              </a:spcAft>
-              <a:buSzPts val="1800"/>
-              <a:buChar char="-"/>
-            </a:pPr>
-            <a:r>
-              <a:rPr lang="en"/>
-              <a:t>Give it 20GB of secondary storage at the very least.</a:t>
-            </a:r>
-            <a:endParaRPr/>
-          </a:p>
-          <a:p>
-            <a:pPr indent="-342900" lvl="0" marL="457200" rtl="0">
-              <a:spcBef>
-                <a:spcPts val="0"/>
-              </a:spcBef>
-              <a:spcAft>
-                <a:spcPts val="0"/>
-              </a:spcAft>
-              <a:buSzPts val="1800"/>
-              <a:buChar char="-"/>
-            </a:pPr>
-            <a:r>
-              <a:rPr lang="en"/>
-              <a:t>Learn about networking: you do NOT want to use the “bridged adaptor” setting, as tempted as you may be to do so.</a:t>
-            </a:r>
-            <a:endParaRPr/>
-          </a:p>
-          <a:p>
-            <a:pPr indent="0" lvl="0" marL="0">
-              <a:spcBef>
-                <a:spcPts val="1600"/>
-              </a:spcBef>
-              <a:spcAft>
-                <a:spcPts val="1600"/>
-              </a:spcAft>
-              <a:buNone/>
-            </a:pPr>
-            <a:r>
-              <a:t/>
-            </a:r>
-            <a:endParaRPr/>
-          </a:p>
-        </p:txBody>
-      </p:sp>
-    </p:spTree>
-  </p:cSld>
-  <p:clrMapOvr>
-    <a:masterClrMapping/>
-  </p:clrMapOvr>
-</p:sld>
-</file>
-
-<file path=ppt/slides/slide2.xml><?xml version="1.0" encoding="utf-8"?>
-<p:sld xmlns:a="http://schemas.openxmlformats.org/drawingml/2006/main" xmlns:r="http://schemas.openxmlformats.org/officeDocument/2006/relationships" xmlns:mc="http://schemas.openxmlformats.org/markup-compatibility/2006" xmlns:mv="urn:schemas-microsoft-com:mac:vml" xmlns:p="http://schemas.openxmlformats.org/presentationml/2006/main" xmlns:c="http://schemas.openxmlformats.org/drawingml/2006/chart" xmlns:dgm="http://schemas.openxmlformats.org/drawingml/2006/diagram" xmlns:o="urn:schemas-microsoft-com:office:office" xmlns:v="urn:schemas-microsoft-com:vml" xmlns:pvml="urn:schemas-microsoft-com:office:powerpoint" xmlns:com="http://schemas.openxmlformats.org/drawingml/2006/compatibility" xmlns:p14="http://schemas.microsoft.com/office/powerpoint/2010/main" xmlns:p15="http://schemas.microsoft.com/office/powerpoint/2012/main">
-  <p:cSld>
-    <p:spTree>
-      <p:nvGrpSpPr>
-        <p:cNvPr id="59" name="Shape 59"/>
-        <p:cNvGrpSpPr/>
-        <p:nvPr/>
-      </p:nvGrpSpPr>
-      <p:grpSpPr>
-        <a:xfrm>
-          <a:off x="0" y="0"/>
-          <a:ext cx="0" cy="0"/>
-          <a:chOff x="0" y="0"/>
-          <a:chExt cx="0" cy="0"/>
-        </a:xfrm>
-      </p:grpSpPr>
-      <p:sp>
-        <p:nvSpPr>
-          <p:cNvPr id="60" name="Shape 60"/>
-          <p:cNvSpPr txBox="1"/>
-          <p:nvPr>
-            <p:ph type="title"/>
-          </p:nvPr>
-        </p:nvSpPr>
-        <p:spPr>
-          <a:xfrm>
-            <a:off x="311700" y="445025"/>
-            <a:ext cx="8520600" cy="572700"/>
-          </a:xfrm>
-          <a:prstGeom prst="rect">
-            <a:avLst/>
-          </a:prstGeom>
-        </p:spPr>
-        <p:txBody>
-          <a:bodyPr anchorCtr="0" anchor="t" bIns="91425" lIns="91425" spcFirstLastPara="1" rIns="91425" wrap="square" tIns="91425">
-            <a:noAutofit/>
-          </a:bodyPr>
-          <a:lstStyle/>
-          <a:p>
-            <a:pPr indent="0" lvl="0" marL="0">
-              <a:spcBef>
-                <a:spcPts val="0"/>
-              </a:spcBef>
-              <a:spcAft>
-                <a:spcPts val="0"/>
-              </a:spcAft>
-              <a:buNone/>
-            </a:pPr>
-            <a:r>
-              <a:rPr lang="en"/>
-              <a:t>Requirements</a:t>
-            </a:r>
-            <a:endParaRPr/>
-          </a:p>
-        </p:txBody>
-      </p:sp>
-      <p:sp>
-        <p:nvSpPr>
-          <p:cNvPr id="61" name="Shape 61"/>
-          <p:cNvSpPr txBox="1"/>
-          <p:nvPr>
-            <p:ph idx="1" type="body"/>
-          </p:nvPr>
-        </p:nvSpPr>
-        <p:spPr>
-          <a:xfrm>
-            <a:off x="311700" y="1017725"/>
-            <a:ext cx="8520600" cy="3705000"/>
-          </a:xfrm>
-          <a:prstGeom prst="rect">
-            <a:avLst/>
-          </a:prstGeom>
-        </p:spPr>
-        <p:txBody>
-          <a:bodyPr anchorCtr="0" anchor="t" bIns="91425" lIns="91425" spcFirstLastPara="1" rIns="91425" wrap="square" tIns="91425">
-            <a:noAutofit/>
-          </a:bodyPr>
-          <a:lstStyle/>
-          <a:p>
-            <a:pPr indent="0" lvl="0" marL="0" rtl="0">
-              <a:spcBef>
-                <a:spcPts val="0"/>
-              </a:spcBef>
-              <a:spcAft>
-                <a:spcPts val="0"/>
-              </a:spcAft>
-              <a:buNone/>
-            </a:pPr>
-            <a:r>
-              <a:rPr lang="en"/>
-              <a:t>This session should not be difficult for newcomers. Still, it will be greatly beneficial if you have an understanding of:</a:t>
-            </a:r>
-            <a:endParaRPr/>
-          </a:p>
-          <a:p>
-            <a:pPr indent="-342900" lvl="0" marL="457200" rtl="0">
-              <a:spcBef>
-                <a:spcPts val="1600"/>
-              </a:spcBef>
-              <a:spcAft>
-                <a:spcPts val="0"/>
-              </a:spcAft>
-              <a:buSzPts val="1800"/>
-              <a:buChar char="-"/>
-            </a:pPr>
-            <a:r>
-              <a:rPr lang="en"/>
-              <a:t>HTML and the DOM.</a:t>
-            </a:r>
-            <a:endParaRPr/>
-          </a:p>
-          <a:p>
-            <a:pPr indent="-342900" lvl="0" marL="457200" rtl="0">
-              <a:spcBef>
-                <a:spcPts val="0"/>
-              </a:spcBef>
-              <a:spcAft>
-                <a:spcPts val="0"/>
-              </a:spcAft>
-              <a:buSzPts val="1800"/>
-              <a:buChar char="-"/>
-            </a:pPr>
-            <a:r>
-              <a:rPr lang="en"/>
-              <a:t>JavaScript.</a:t>
-            </a:r>
-            <a:endParaRPr/>
-          </a:p>
-          <a:p>
-            <a:pPr indent="-342900" lvl="0" marL="457200" rtl="0">
-              <a:spcBef>
-                <a:spcPts val="0"/>
-              </a:spcBef>
-              <a:spcAft>
-                <a:spcPts val="0"/>
-              </a:spcAft>
-              <a:buSzPts val="1800"/>
-              <a:buChar char="-"/>
-            </a:pPr>
-            <a:r>
-              <a:rPr lang="en"/>
-              <a:t>General programming skills.</a:t>
-            </a:r>
-            <a:endParaRPr/>
-          </a:p>
-          <a:p>
-            <a:pPr indent="0" lvl="0" marL="0" rtl="0">
-              <a:spcBef>
-                <a:spcPts val="1600"/>
-              </a:spcBef>
-              <a:spcAft>
-                <a:spcPts val="0"/>
-              </a:spcAft>
-              <a:buNone/>
-            </a:pPr>
-            <a:r>
-              <a:rPr lang="en"/>
-              <a:t>It is assumed you know about:</a:t>
-            </a:r>
-            <a:endParaRPr/>
-          </a:p>
-          <a:p>
-            <a:pPr indent="-342900" lvl="0" marL="457200" rtl="0">
-              <a:spcBef>
-                <a:spcPts val="1600"/>
-              </a:spcBef>
-              <a:spcAft>
-                <a:spcPts val="0"/>
-              </a:spcAft>
-              <a:buSzPts val="1800"/>
-              <a:buChar char="-"/>
-            </a:pPr>
-            <a:r>
-              <a:rPr lang="en"/>
-              <a:t>HTTP.</a:t>
-            </a:r>
-            <a:endParaRPr/>
-          </a:p>
-          <a:p>
-            <a:pPr indent="-342900" lvl="0" marL="457200" rtl="0">
-              <a:spcBef>
-                <a:spcPts val="0"/>
-              </a:spcBef>
-              <a:spcAft>
-                <a:spcPts val="0"/>
-              </a:spcAft>
-              <a:buSzPts val="1800"/>
-              <a:buChar char="-"/>
-            </a:pPr>
-            <a:r>
-              <a:rPr lang="en"/>
-              <a:t>Cookies.</a:t>
-            </a:r>
-            <a:endParaRPr/>
-          </a:p>
-          <a:p>
-            <a:pPr indent="0" lvl="0" marL="0" rtl="0">
-              <a:spcBef>
-                <a:spcPts val="1600"/>
-              </a:spcBef>
-              <a:spcAft>
-                <a:spcPts val="1600"/>
-              </a:spcAft>
-              <a:buNone/>
-            </a:pPr>
-            <a:r>
-              <a:rPr lang="en"/>
-              <a:t>And are using Chrome or Firefox.</a:t>
-            </a:r>
-            <a:endParaRPr/>
-          </a:p>
-        </p:txBody>
-      </p:sp>
-    </p:spTree>
-  </p:cSld>
-  <p:clrMapOvr>
-    <a:masterClrMapping/>
-  </p:clrMapOvr>
-</p:sld>
-</file>
-
-<file path=ppt/slides/slide3.xml><?xml version="1.0" encoding="utf-8"?>
-<p:sld xmlns:a="http://schemas.openxmlformats.org/drawingml/2006/main" xmlns:r="http://schemas.openxmlformats.org/officeDocument/2006/relationships" xmlns:mc="http://schemas.openxmlformats.org/markup-compatibility/2006" xmlns:mv="urn:schemas-microsoft-com:mac:vml" xmlns:p="http://schemas.openxmlformats.org/presentationml/2006/main" xmlns:c="http://schemas.openxmlformats.org/drawingml/2006/chart" xmlns:dgm="http://schemas.openxmlformats.org/drawingml/2006/diagram" xmlns:o="urn:schemas-microsoft-com:office:office" xmlns:v="urn:schemas-microsoft-com:vml" xmlns:pvml="urn:schemas-microsoft-com:office:powerpoint" xmlns:com="http://schemas.openxmlformats.org/drawingml/2006/compatibility" xmlns:p14="http://schemas.microsoft.com/office/powerpoint/2010/main" xmlns:p15="http://schemas.microsoft.com/office/powerpoint/2012/main">
-  <p:cSld>
-    <p:spTree>
-      <p:nvGrpSpPr>
-        <p:cNvPr id="65" name="Shape 65"/>
-        <p:cNvGrpSpPr/>
-        <p:nvPr/>
-      </p:nvGrpSpPr>
-      <p:grpSpPr>
-        <a:xfrm>
-          <a:off x="0" y="0"/>
-          <a:ext cx="0" cy="0"/>
-          <a:chOff x="0" y="0"/>
-          <a:chExt cx="0" cy="0"/>
-        </a:xfrm>
-      </p:grpSpPr>
-      <p:sp>
-        <p:nvSpPr>
-          <p:cNvPr id="66" name="Shape 66"/>
-          <p:cNvSpPr txBox="1"/>
-          <p:nvPr>
-            <p:ph type="title"/>
-          </p:nvPr>
-        </p:nvSpPr>
-        <p:spPr>
-          <a:xfrm>
-            <a:off x="311700" y="445025"/>
-            <a:ext cx="8520600" cy="572700"/>
-          </a:xfrm>
-          <a:prstGeom prst="rect">
-            <a:avLst/>
-          </a:prstGeom>
-        </p:spPr>
-        <p:txBody>
-          <a:bodyPr anchorCtr="0" anchor="t" bIns="91425" lIns="91425" spcFirstLastPara="1" rIns="91425" wrap="square" tIns="91425">
-            <a:noAutofit/>
-          </a:bodyPr>
-          <a:lstStyle/>
-          <a:p>
-            <a:pPr indent="0" lvl="0" marL="0">
-              <a:spcBef>
-                <a:spcPts val="0"/>
-              </a:spcBef>
-              <a:spcAft>
-                <a:spcPts val="0"/>
-              </a:spcAft>
-              <a:buNone/>
-            </a:pPr>
-            <a:r>
-              <a:rPr lang="en"/>
-              <a:t>Target</a:t>
-            </a:r>
-            <a:endParaRPr/>
-          </a:p>
-        </p:txBody>
-      </p:sp>
-      <p:sp>
-        <p:nvSpPr>
-          <p:cNvPr id="67" name="Shape 67"/>
-          <p:cNvSpPr txBox="1"/>
-          <p:nvPr>
-            <p:ph idx="1" type="body"/>
-          </p:nvPr>
-        </p:nvSpPr>
-        <p:spPr>
-          <a:xfrm>
-            <a:off x="311700" y="1152475"/>
-            <a:ext cx="8520600" cy="3416400"/>
-          </a:xfrm>
-          <a:prstGeom prst="rect">
-            <a:avLst/>
-          </a:prstGeom>
-        </p:spPr>
-        <p:txBody>
-          <a:bodyPr anchorCtr="0" anchor="t" bIns="91425" lIns="91425" spcFirstLastPara="1" rIns="91425" wrap="square" tIns="91425">
-            <a:noAutofit/>
-          </a:bodyPr>
-          <a:lstStyle/>
-          <a:p>
-            <a:pPr indent="0" lvl="0" marL="0" rtl="0">
-              <a:spcBef>
-                <a:spcPts val="0"/>
-              </a:spcBef>
-              <a:spcAft>
-                <a:spcPts val="0"/>
-              </a:spcAft>
-              <a:buNone/>
-            </a:pPr>
-            <a:r>
-              <a:rPr lang="en"/>
-              <a:t>Today, we will:</a:t>
-            </a:r>
-            <a:endParaRPr/>
-          </a:p>
-          <a:p>
-            <a:pPr indent="-342900" lvl="0" marL="457200" rtl="0">
-              <a:spcBef>
-                <a:spcPts val="1600"/>
-              </a:spcBef>
-              <a:spcAft>
-                <a:spcPts val="0"/>
-              </a:spcAft>
-              <a:buSzPts val="1800"/>
-              <a:buChar char="-"/>
-            </a:pPr>
-            <a:r>
-              <a:rPr lang="en"/>
-              <a:t>Learn about XSS attacks and use them to create phishing pages, create keyloggers, and capture login secrets.</a:t>
-            </a:r>
-            <a:endParaRPr/>
-          </a:p>
-          <a:p>
-            <a:pPr indent="-342900" lvl="0" marL="457200" rtl="0">
-              <a:spcBef>
-                <a:spcPts val="0"/>
-              </a:spcBef>
-              <a:spcAft>
-                <a:spcPts val="0"/>
-              </a:spcAft>
-              <a:buSzPts val="1800"/>
-              <a:buChar char="-"/>
-            </a:pPr>
-            <a:r>
-              <a:rPr lang="en"/>
-              <a:t>Learn about CSRF attacks and how to execute them in conjunction with spear phishing.</a:t>
-            </a:r>
-            <a:endParaRPr/>
-          </a:p>
-          <a:p>
-            <a:pPr indent="-342900" lvl="0" marL="457200">
-              <a:spcBef>
-                <a:spcPts val="0"/>
-              </a:spcBef>
-              <a:spcAft>
-                <a:spcPts val="0"/>
-              </a:spcAft>
-              <a:buSzPts val="1800"/>
-              <a:buChar char="-"/>
-            </a:pPr>
-            <a:r>
-              <a:rPr lang="en"/>
-              <a:t>Briefly discuss mitigation for both attacks.</a:t>
-            </a:r>
-            <a:endParaRPr/>
-          </a:p>
-        </p:txBody>
-      </p:sp>
-    </p:spTree>
-  </p:cSld>
-  <p:clrMapOvr>
-    <a:masterClrMapping/>
-  </p:clrMapOvr>
-</p:sld>
-</file>
-
-<file path=ppt/slides/slide4.xml><?xml version="1.0" encoding="utf-8"?>
-<p:sld xmlns:a="http://schemas.openxmlformats.org/drawingml/2006/main" xmlns:r="http://schemas.openxmlformats.org/officeDocument/2006/relationships" xmlns:mc="http://schemas.openxmlformats.org/markup-compatibility/2006" xmlns:mv="urn:schemas-microsoft-com:mac:vml" xmlns:p="http://schemas.openxmlformats.org/presentationml/2006/main" xmlns:c="http://schemas.openxmlformats.org/drawingml/2006/chart" xmlns:dgm="http://schemas.openxmlformats.org/drawingml/2006/diagram" xmlns:o="urn:schemas-microsoft-com:office:office" xmlns:v="urn:schemas-microsoft-com:vml" xmlns:pvml="urn:schemas-microsoft-com:office:powerpoint" xmlns:com="http://schemas.openxmlformats.org/drawingml/2006/compatibility" xmlns:p14="http://schemas.microsoft.com/office/powerpoint/2010/main" xmlns:p15="http://schemas.microsoft.com/office/powerpoint/2012/main">
-  <p:cSld>
-    <p:spTree>
-      <p:nvGrpSpPr>
-        <p:cNvPr id="71" name="Shape 71"/>
-        <p:cNvGrpSpPr/>
-        <p:nvPr/>
-      </p:nvGrpSpPr>
-      <p:grpSpPr>
-        <a:xfrm>
-          <a:off x="0" y="0"/>
-          <a:ext cx="0" cy="0"/>
-          <a:chOff x="0" y="0"/>
-          <a:chExt cx="0" cy="0"/>
-        </a:xfrm>
-      </p:grpSpPr>
-      <p:sp>
-        <p:nvSpPr>
-          <p:cNvPr id="72" name="Shape 72"/>
-          <p:cNvSpPr txBox="1"/>
-          <p:nvPr>
-            <p:ph type="title"/>
-          </p:nvPr>
-        </p:nvSpPr>
-        <p:spPr>
-          <a:xfrm>
-            <a:off x="311700" y="445025"/>
-            <a:ext cx="8520600" cy="572700"/>
-          </a:xfrm>
-          <a:prstGeom prst="rect">
-            <a:avLst/>
-          </a:prstGeom>
-        </p:spPr>
-        <p:txBody>
-          <a:bodyPr anchorCtr="0" anchor="t" bIns="91425" lIns="91425" spcFirstLastPara="1" rIns="91425" wrap="square" tIns="91425">
-            <a:noAutofit/>
-          </a:bodyPr>
-          <a:lstStyle/>
-          <a:p>
-            <a:pPr indent="0" lvl="0" marL="0">
-              <a:spcBef>
-                <a:spcPts val="0"/>
-              </a:spcBef>
-              <a:spcAft>
-                <a:spcPts val="0"/>
-              </a:spcAft>
-              <a:buNone/>
-            </a:pPr>
-            <a:r>
-              <a:rPr lang="en"/>
-              <a:t>XSS</a:t>
-            </a:r>
-            <a:endParaRPr/>
-          </a:p>
-        </p:txBody>
-      </p:sp>
-      <p:sp>
-        <p:nvSpPr>
-          <p:cNvPr id="73" name="Shape 73"/>
-          <p:cNvSpPr txBox="1"/>
-          <p:nvPr>
-            <p:ph idx="1" type="body"/>
-          </p:nvPr>
-        </p:nvSpPr>
-        <p:spPr>
-          <a:xfrm>
-            <a:off x="311700" y="1152475"/>
-            <a:ext cx="8520600" cy="3416400"/>
-          </a:xfrm>
-          <a:prstGeom prst="rect">
-            <a:avLst/>
-          </a:prstGeom>
-        </p:spPr>
-        <p:txBody>
-          <a:bodyPr anchorCtr="0" anchor="t" bIns="91425" lIns="91425" spcFirstLastPara="1" rIns="91425" wrap="square" tIns="91425">
-            <a:noAutofit/>
-          </a:bodyPr>
-          <a:lstStyle/>
-          <a:p>
-            <a:pPr indent="0" lvl="0" marL="0">
-              <a:spcBef>
-                <a:spcPts val="0"/>
-              </a:spcBef>
-              <a:spcAft>
-                <a:spcPts val="0"/>
-              </a:spcAft>
-              <a:buNone/>
-            </a:pPr>
-            <a:r>
-              <a:rPr lang="en"/>
-              <a:t>Cross Site Scripting. We’ll learn through example:</a:t>
-            </a:r>
-            <a:endParaRPr/>
-          </a:p>
-          <a:p>
-            <a:pPr indent="-342900" lvl="0" marL="457200" rtl="0">
-              <a:spcBef>
-                <a:spcPts val="1600"/>
-              </a:spcBef>
-              <a:spcAft>
-                <a:spcPts val="0"/>
-              </a:spcAft>
-              <a:buSzPts val="1800"/>
-              <a:buChar char="-"/>
-            </a:pPr>
-            <a:r>
-              <a:rPr lang="en"/>
-              <a:t>A blog exists on the internet. Users can publicly post comments that everybody </a:t>
-            </a:r>
-            <a:r>
-              <a:rPr i="1" lang="en"/>
-              <a:t>that visits the site</a:t>
-            </a:r>
-            <a:r>
-              <a:rPr lang="en"/>
-              <a:t> will see.</a:t>
-            </a:r>
-            <a:endParaRPr/>
-          </a:p>
-          <a:p>
-            <a:pPr indent="-342900" lvl="0" marL="457200" rtl="0">
-              <a:spcBef>
-                <a:spcPts val="0"/>
-              </a:spcBef>
-              <a:spcAft>
-                <a:spcPts val="0"/>
-              </a:spcAft>
-              <a:buSzPts val="1800"/>
-              <a:buChar char="-"/>
-            </a:pPr>
-            <a:r>
-              <a:rPr lang="en"/>
-              <a:t>That means if you look at the HTML source after posting a comment, the comment you just made will appear.</a:t>
-            </a:r>
-            <a:endParaRPr/>
-          </a:p>
-          <a:p>
-            <a:pPr indent="-342900" lvl="0" marL="457200" rtl="0">
-              <a:spcBef>
-                <a:spcPts val="0"/>
-              </a:spcBef>
-              <a:spcAft>
-                <a:spcPts val="0"/>
-              </a:spcAft>
-              <a:buSzPts val="1800"/>
-              <a:buChar char="-"/>
-            </a:pPr>
-            <a:r>
-              <a:rPr lang="en"/>
-              <a:t>What is stopping a user from adding HTML elements or JavaScript to that comment box and having the page look different/execute scripts whenever somebody visits the page?</a:t>
-            </a:r>
-            <a:endParaRPr/>
-          </a:p>
-          <a:p>
-            <a:pPr indent="-317500" lvl="1" marL="914400" rtl="0">
-              <a:spcBef>
-                <a:spcPts val="0"/>
-              </a:spcBef>
-              <a:spcAft>
-                <a:spcPts val="0"/>
-              </a:spcAft>
-              <a:buSzPts val="1400"/>
-              <a:buChar char="-"/>
-            </a:pPr>
-            <a:r>
-              <a:rPr lang="en"/>
-              <a:t>This is XSS.</a:t>
-            </a:r>
-            <a:endParaRPr/>
-          </a:p>
-        </p:txBody>
-      </p:sp>
-    </p:spTree>
-  </p:cSld>
-  <p:clrMapOvr>
-    <a:masterClrMapping/>
-  </p:clrMapOvr>
-</p:sld>
-</file>
-
-<file path=ppt/slides/slide5.xml><?xml version="1.0" encoding="utf-8"?>
-<p:sld xmlns:a="http://schemas.openxmlformats.org/drawingml/2006/main" xmlns:r="http://schemas.openxmlformats.org/officeDocument/2006/relationships" xmlns:mc="http://schemas.openxmlformats.org/markup-compatibility/2006" xmlns:mv="urn:schemas-microsoft-com:mac:vml" xmlns:p="http://schemas.openxmlformats.org/presentationml/2006/main" xmlns:c="http://schemas.openxmlformats.org/drawingml/2006/chart" xmlns:dgm="http://schemas.openxmlformats.org/drawingml/2006/diagram" xmlns:o="urn:schemas-microsoft-com:office:office" xmlns:v="urn:schemas-microsoft-com:vml" xmlns:pvml="urn:schemas-microsoft-com:office:powerpoint" xmlns:com="http://schemas.openxmlformats.org/drawingml/2006/compatibility" xmlns:p14="http://schemas.microsoft.com/office/powerpoint/2010/main" xmlns:p15="http://schemas.microsoft.com/office/powerpoint/2012/main">
-  <p:cSld>
-    <p:spTree>
-      <p:nvGrpSpPr>
-        <p:cNvPr id="77" name="Shape 77"/>
-        <p:cNvGrpSpPr/>
-        <p:nvPr/>
-      </p:nvGrpSpPr>
-      <p:grpSpPr>
-        <a:xfrm>
-          <a:off x="0" y="0"/>
-          <a:ext cx="0" cy="0"/>
-          <a:chOff x="0" y="0"/>
-          <a:chExt cx="0" cy="0"/>
-        </a:xfrm>
-      </p:grpSpPr>
-      <p:sp>
-        <p:nvSpPr>
-          <p:cNvPr id="78" name="Shape 78"/>
-          <p:cNvSpPr txBox="1"/>
-          <p:nvPr>
-            <p:ph type="title"/>
-          </p:nvPr>
-        </p:nvSpPr>
-        <p:spPr>
-          <a:xfrm>
-            <a:off x="311700" y="445025"/>
-            <a:ext cx="8520600" cy="572700"/>
-          </a:xfrm>
-          <a:prstGeom prst="rect">
-            <a:avLst/>
-          </a:prstGeom>
-        </p:spPr>
-        <p:txBody>
-          <a:bodyPr anchorCtr="0" anchor="t" bIns="91425" lIns="91425" spcFirstLastPara="1" rIns="91425" wrap="square" tIns="91425">
-            <a:noAutofit/>
-          </a:bodyPr>
-          <a:lstStyle/>
-          <a:p>
-            <a:pPr indent="0" lvl="0" marL="0">
-              <a:spcBef>
-                <a:spcPts val="0"/>
-              </a:spcBef>
-              <a:spcAft>
-                <a:spcPts val="0"/>
-              </a:spcAft>
-              <a:buNone/>
-            </a:pPr>
-            <a:r>
-              <a:rPr lang="en"/>
-              <a:t>Learning from Example (XSS on Webgoat)</a:t>
-            </a:r>
-            <a:endParaRPr/>
-          </a:p>
-        </p:txBody>
-      </p:sp>
-      <p:sp>
-        <p:nvSpPr>
-          <p:cNvPr id="79" name="Shape 79"/>
-          <p:cNvSpPr txBox="1"/>
-          <p:nvPr>
-            <p:ph idx="1" type="body"/>
-          </p:nvPr>
-        </p:nvSpPr>
-        <p:spPr>
-          <a:xfrm>
-            <a:off x="311700" y="1152475"/>
-            <a:ext cx="8520600" cy="3416400"/>
-          </a:xfrm>
-          <a:prstGeom prst="rect">
-            <a:avLst/>
-          </a:prstGeom>
-        </p:spPr>
-        <p:txBody>
-          <a:bodyPr anchorCtr="0" anchor="t" bIns="91425" lIns="91425" spcFirstLastPara="1" rIns="91425" wrap="square" tIns="91425">
-            <a:noAutofit/>
-          </a:bodyPr>
-          <a:lstStyle/>
-          <a:p>
-            <a:pPr indent="-342900" lvl="0" marL="457200" rtl="0">
-              <a:spcBef>
-                <a:spcPts val="0"/>
-              </a:spcBef>
-              <a:spcAft>
-                <a:spcPts val="0"/>
-              </a:spcAft>
-              <a:buSzPts val="1800"/>
-              <a:buChar char="-"/>
-            </a:pPr>
-            <a:r>
-              <a:rPr lang="en"/>
-              <a:t>Just like trying the “single quote double quote” (‘“) to test if an SQL injection might work, you can do a very basic test for XSS:</a:t>
-            </a:r>
-            <a:endParaRPr/>
-          </a:p>
-          <a:p>
-            <a:pPr indent="-317500" lvl="1" marL="914400" rtl="0">
-              <a:spcBef>
-                <a:spcPts val="0"/>
-              </a:spcBef>
-              <a:spcAft>
-                <a:spcPts val="0"/>
-              </a:spcAft>
-              <a:buSzPts val="1400"/>
-              <a:buChar char="-"/>
-            </a:pPr>
-            <a:r>
-              <a:rPr lang="en"/>
-              <a:t>&lt;script&gt;console.log(“pwned”);&lt;/script&gt;</a:t>
-            </a:r>
-            <a:endParaRPr/>
-          </a:p>
-          <a:p>
-            <a:pPr indent="-342900" lvl="0" marL="457200" rtl="0">
-              <a:spcBef>
-                <a:spcPts val="0"/>
-              </a:spcBef>
-              <a:spcAft>
-                <a:spcPts val="0"/>
-              </a:spcAft>
-              <a:buSzPts val="1800"/>
-              <a:buChar char="-"/>
-            </a:pPr>
-            <a:r>
-              <a:rPr lang="en"/>
-              <a:t>Try this on the first XSS question on WebGoat. What happens in the developer tools console?</a:t>
-            </a:r>
-            <a:endParaRPr/>
-          </a:p>
-          <a:p>
-            <a:pPr indent="-342900" lvl="0" marL="457200" rtl="0">
-              <a:spcBef>
-                <a:spcPts val="0"/>
-              </a:spcBef>
-              <a:spcAft>
-                <a:spcPts val="0"/>
-              </a:spcAft>
-              <a:buSzPts val="1800"/>
-              <a:buChar char="-"/>
-            </a:pPr>
-            <a:r>
-              <a:rPr lang="en"/>
-              <a:t>There is no restriction to what we can do. This entire attack happens on the browser of the target. This is a significant difference to Injection.</a:t>
-            </a:r>
-            <a:endParaRPr/>
-          </a:p>
-          <a:p>
-            <a:pPr indent="-342900" lvl="0" marL="457200" rtl="0">
-              <a:spcBef>
-                <a:spcPts val="0"/>
-              </a:spcBef>
-              <a:spcAft>
-                <a:spcPts val="0"/>
-              </a:spcAft>
-              <a:buSzPts val="1800"/>
-              <a:buChar char="-"/>
-            </a:pPr>
-            <a:r>
-              <a:rPr lang="en"/>
-              <a:t>That means the browser the target is using can be a factor into the success of certain attacks.</a:t>
-            </a:r>
-            <a:endParaRPr/>
-          </a:p>
-        </p:txBody>
-      </p:sp>
-    </p:spTree>
-  </p:cSld>
-  <p:clrMapOvr>
-    <a:masterClrMapping/>
-  </p:clrMapOvr>
-</p:sld>
-</file>
-
-<file path=ppt/slides/slide6.xml><?xml version="1.0" encoding="utf-8"?>
-<p:sld xmlns:a="http://schemas.openxmlformats.org/drawingml/2006/main" xmlns:r="http://schemas.openxmlformats.org/officeDocument/2006/relationships" xmlns:mc="http://schemas.openxmlformats.org/markup-compatibility/2006" xmlns:mv="urn:schemas-microsoft-com:mac:vml" xmlns:p="http://schemas.openxmlformats.org/presentationml/2006/main" xmlns:c="http://schemas.openxmlformats.org/drawingml/2006/chart" xmlns:dgm="http://schemas.openxmlformats.org/drawingml/2006/diagram" xmlns:o="urn:schemas-microsoft-com:office:office" xmlns:v="urn:schemas-microsoft-com:vml" xmlns:pvml="urn:schemas-microsoft-com:office:powerpoint" xmlns:com="http://schemas.openxmlformats.org/drawingml/2006/compatibility" xmlns:p14="http://schemas.microsoft.com/office/powerpoint/2010/main" xmlns:p15="http://schemas.microsoft.com/office/powerpoint/2012/main">
-  <p:cSld>
-    <p:spTree>
-      <p:nvGrpSpPr>
-        <p:cNvPr id="83" name="Shape 83"/>
-        <p:cNvGrpSpPr/>
-        <p:nvPr/>
-      </p:nvGrpSpPr>
-      <p:grpSpPr>
-        <a:xfrm>
-          <a:off x="0" y="0"/>
-          <a:ext cx="0" cy="0"/>
-          <a:chOff x="0" y="0"/>
-          <a:chExt cx="0" cy="0"/>
-        </a:xfrm>
-      </p:grpSpPr>
-      <p:sp>
-        <p:nvSpPr>
-          <p:cNvPr id="84" name="Shape 84"/>
-          <p:cNvSpPr txBox="1"/>
-          <p:nvPr>
-            <p:ph type="title"/>
-          </p:nvPr>
-        </p:nvSpPr>
-        <p:spPr>
-          <a:xfrm>
-            <a:off x="311700" y="445025"/>
-            <a:ext cx="8520600" cy="572700"/>
-          </a:xfrm>
-          <a:prstGeom prst="rect">
-            <a:avLst/>
-          </a:prstGeom>
-        </p:spPr>
-        <p:txBody>
-          <a:bodyPr anchorCtr="0" anchor="t" bIns="91425" lIns="91425" spcFirstLastPara="1" rIns="91425" wrap="square" tIns="91425">
-            <a:noAutofit/>
-          </a:bodyPr>
-          <a:lstStyle/>
-          <a:p>
-            <a:pPr indent="0" lvl="0" marL="0">
-              <a:spcBef>
-                <a:spcPts val="0"/>
-              </a:spcBef>
-              <a:spcAft>
-                <a:spcPts val="0"/>
-              </a:spcAft>
-              <a:buNone/>
-            </a:pPr>
-            <a:r>
-              <a:rPr lang="en"/>
-              <a:t>HttpOnly</a:t>
-            </a:r>
-            <a:endParaRPr/>
-          </a:p>
-        </p:txBody>
-      </p:sp>
-      <p:sp>
-        <p:nvSpPr>
-          <p:cNvPr id="85" name="Shape 85"/>
-          <p:cNvSpPr txBox="1"/>
-          <p:nvPr>
-            <p:ph idx="1" type="body"/>
-          </p:nvPr>
-        </p:nvSpPr>
-        <p:spPr>
-          <a:xfrm>
-            <a:off x="311700" y="1152475"/>
-            <a:ext cx="8520600" cy="3416400"/>
-          </a:xfrm>
-          <a:prstGeom prst="rect">
-            <a:avLst/>
-          </a:prstGeom>
-        </p:spPr>
-        <p:txBody>
-          <a:bodyPr anchorCtr="0" anchor="t" bIns="91425" lIns="91425" spcFirstLastPara="1" rIns="91425" wrap="square" tIns="91425">
-            <a:noAutofit/>
-          </a:bodyPr>
-          <a:lstStyle/>
-          <a:p>
-            <a:pPr indent="-342900" lvl="0" marL="457200" rtl="0">
-              <a:spcBef>
-                <a:spcPts val="0"/>
-              </a:spcBef>
-              <a:spcAft>
-                <a:spcPts val="0"/>
-              </a:spcAft>
-              <a:buSzPts val="1800"/>
-              <a:buChar char="-"/>
-            </a:pPr>
-            <a:r>
-              <a:rPr lang="en"/>
-              <a:t>Cookies have flags. One such flag is HttpOnly which, when read, can prevent JavaScript from reading local cookie values. It can only be accessed and mutated via HTTP requests.</a:t>
-            </a:r>
-            <a:endParaRPr/>
-          </a:p>
-          <a:p>
-            <a:pPr indent="-342900" lvl="0" marL="457200" rtl="0">
-              <a:spcBef>
-                <a:spcPts val="0"/>
-              </a:spcBef>
-              <a:spcAft>
-                <a:spcPts val="0"/>
-              </a:spcAft>
-              <a:buSzPts val="1800"/>
-              <a:buChar char="-"/>
-            </a:pPr>
-            <a:r>
-              <a:rPr lang="en"/>
-              <a:t>Only modern browsers understand the flag.</a:t>
-            </a:r>
-            <a:endParaRPr/>
-          </a:p>
-          <a:p>
-            <a:pPr indent="-342900" lvl="0" marL="457200" rtl="0">
-              <a:spcBef>
-                <a:spcPts val="0"/>
-              </a:spcBef>
-              <a:spcAft>
-                <a:spcPts val="0"/>
-              </a:spcAft>
-              <a:buSzPts val="1800"/>
-              <a:buChar char="-"/>
-            </a:pPr>
-            <a:r>
-              <a:rPr lang="en"/>
-              <a:t>Actually, it’s a pretty old security feature, but the point is:</a:t>
-            </a:r>
-            <a:endParaRPr/>
-          </a:p>
-          <a:p>
-            <a:pPr indent="-317500" lvl="1" marL="914400" rtl="0">
-              <a:spcBef>
-                <a:spcPts val="0"/>
-              </a:spcBef>
-              <a:spcAft>
-                <a:spcPts val="0"/>
-              </a:spcAft>
-              <a:buSzPts val="1400"/>
-              <a:buChar char="-"/>
-            </a:pPr>
-            <a:r>
-              <a:rPr lang="en"/>
-              <a:t>Update your browsers.</a:t>
-            </a:r>
-            <a:endParaRPr/>
-          </a:p>
-          <a:p>
-            <a:pPr indent="-317500" lvl="1" marL="914400">
-              <a:spcBef>
-                <a:spcPts val="0"/>
-              </a:spcBef>
-              <a:spcAft>
-                <a:spcPts val="0"/>
-              </a:spcAft>
-              <a:buSzPts val="1400"/>
-              <a:buChar char="-"/>
-            </a:pPr>
-            <a:r>
-              <a:rPr lang="en"/>
-              <a:t>Keep informed about security as it constantly shifts and changes.</a:t>
-            </a:r>
-            <a:endParaRPr/>
-          </a:p>
-        </p:txBody>
-      </p:sp>
-    </p:spTree>
-  </p:cSld>
-  <p:clrMapOvr>
-    <a:masterClrMapping/>
-  </p:clrMapOvr>
-</p:sld>
-</file>
-
-<file path=ppt/slides/slide7.xml><?xml version="1.0" encoding="utf-8"?>
-<p:sld xmlns:a="http://schemas.openxmlformats.org/drawingml/2006/main" xmlns:r="http://schemas.openxmlformats.org/officeDocument/2006/relationships" xmlns:mc="http://schemas.openxmlformats.org/markup-compatibility/2006" xmlns:mv="urn:schemas-microsoft-com:mac:vml" xmlns:p="http://schemas.openxmlformats.org/presentationml/2006/main" xmlns:c="http://schemas.openxmlformats.org/drawingml/2006/chart" xmlns:dgm="http://schemas.openxmlformats.org/drawingml/2006/diagram" xmlns:o="urn:schemas-microsoft-com:office:office" xmlns:v="urn:schemas-microsoft-com:vml" xmlns:pvml="urn:schemas-microsoft-com:office:powerpoint" xmlns:com="http://schemas.openxmlformats.org/drawingml/2006/compatibility" xmlns:p14="http://schemas.microsoft.com/office/powerpoint/2010/main" xmlns:p15="http://schemas.microsoft.com/office/powerpoint/2012/main">
-  <p:cSld>
-    <p:spTree>
-      <p:nvGrpSpPr>
-        <p:cNvPr id="89" name="Shape 89"/>
-        <p:cNvGrpSpPr/>
-        <p:nvPr/>
-      </p:nvGrpSpPr>
-      <p:grpSpPr>
-        <a:xfrm>
-          <a:off x="0" y="0"/>
-          <a:ext cx="0" cy="0"/>
-          <a:chOff x="0" y="0"/>
-          <a:chExt cx="0" cy="0"/>
-        </a:xfrm>
-      </p:grpSpPr>
-      <p:sp>
-        <p:nvSpPr>
-          <p:cNvPr id="90" name="Shape 90"/>
-          <p:cNvSpPr txBox="1"/>
-          <p:nvPr>
-            <p:ph type="title"/>
-          </p:nvPr>
-        </p:nvSpPr>
-        <p:spPr>
-          <a:xfrm>
-            <a:off x="311700" y="445025"/>
-            <a:ext cx="8520600" cy="572700"/>
-          </a:xfrm>
-          <a:prstGeom prst="rect">
-            <a:avLst/>
-          </a:prstGeom>
-        </p:spPr>
-        <p:txBody>
-          <a:bodyPr anchorCtr="0" anchor="t" bIns="91425" lIns="91425" spcFirstLastPara="1" rIns="91425" wrap="square" tIns="91425">
-            <a:noAutofit/>
-          </a:bodyPr>
-          <a:lstStyle/>
-          <a:p>
-            <a:pPr indent="0" lvl="0" marL="0">
-              <a:spcBef>
-                <a:spcPts val="0"/>
-              </a:spcBef>
-              <a:spcAft>
-                <a:spcPts val="0"/>
-              </a:spcAft>
-              <a:buNone/>
-            </a:pPr>
-            <a:r>
-              <a:rPr lang="en"/>
-              <a:t>CSRF</a:t>
-            </a:r>
-            <a:endParaRPr/>
-          </a:p>
-        </p:txBody>
-      </p:sp>
-      <p:sp>
-        <p:nvSpPr>
-          <p:cNvPr id="91" name="Shape 91"/>
-          <p:cNvSpPr txBox="1"/>
-          <p:nvPr>
-            <p:ph idx="1" type="body"/>
-          </p:nvPr>
-        </p:nvSpPr>
-        <p:spPr>
-          <a:xfrm>
-            <a:off x="311700" y="1152475"/>
-            <a:ext cx="8520600" cy="3416400"/>
-          </a:xfrm>
-          <a:prstGeom prst="rect">
-            <a:avLst/>
-          </a:prstGeom>
-        </p:spPr>
-        <p:txBody>
-          <a:bodyPr anchorCtr="0" anchor="t" bIns="91425" lIns="91425" spcFirstLastPara="1" rIns="91425" wrap="square" tIns="91425">
-            <a:noAutofit/>
-          </a:bodyPr>
-          <a:lstStyle/>
-          <a:p>
-            <a:pPr indent="0" lvl="0" marL="0">
+            <a:pPr marL="0" lvl="0" indent="0">
               <a:spcBef>
                 <a:spcPts val="0"/>
               </a:spcBef>
@@ -8211,7 +6780,7 @@
             <a:endParaRPr/>
           </a:p>
           <a:p>
-            <a:pPr indent="0" lvl="0" marL="0" rtl="0" algn="ctr">
+            <a:pPr marL="0" lvl="0" indent="0" algn="ctr" rtl="0">
               <a:spcBef>
                 <a:spcPts val="1600"/>
               </a:spcBef>
@@ -8227,7 +6796,7 @@
             <a:endParaRPr/>
           </a:p>
           <a:p>
-            <a:pPr indent="0" lvl="0" marL="0" rtl="0" algn="l">
+            <a:pPr marL="0" lvl="0" indent="0" algn="l" rtl="0">
               <a:spcBef>
                 <a:spcPts val="1600"/>
               </a:spcBef>
@@ -8243,7 +6812,7 @@
             <a:endParaRPr/>
           </a:p>
           <a:p>
-            <a:pPr indent="0" lvl="0" marL="0" rtl="0" algn="l">
+            <a:pPr marL="0" lvl="0" indent="0" algn="l" rtl="0">
               <a:spcBef>
                 <a:spcPts val="1600"/>
               </a:spcBef>
@@ -8259,7 +6828,7 @@
             <a:endParaRPr/>
           </a:p>
           <a:p>
-            <a:pPr indent="-342900" lvl="0" marL="457200" rtl="0" algn="l">
+            <a:pPr marL="457200" lvl="0" indent="-342900" algn="l" rtl="0">
               <a:spcBef>
                 <a:spcPts val="1600"/>
               </a:spcBef>
@@ -8276,7 +6845,7 @@
             <a:endParaRPr/>
           </a:p>
           <a:p>
-            <a:pPr indent="-342900" lvl="0" marL="457200" algn="l">
+            <a:pPr marL="457200" lvl="0" indent="-342900" algn="l">
               <a:spcBef>
                 <a:spcPts val="0"/>
               </a:spcBef>
@@ -8311,12 +6880,1029 @@
 </p:sld>
 </file>
 
-<file path=ppt/slides/slide8.xml><?xml version="1.0" encoding="utf-8"?>
-<p:sld xmlns:a="http://schemas.openxmlformats.org/drawingml/2006/main" xmlns:r="http://schemas.openxmlformats.org/officeDocument/2006/relationships" xmlns:mc="http://schemas.openxmlformats.org/markup-compatibility/2006" xmlns:mv="urn:schemas-microsoft-com:mac:vml" xmlns:p="http://schemas.openxmlformats.org/presentationml/2006/main" xmlns:c="http://schemas.openxmlformats.org/drawingml/2006/chart" xmlns:dgm="http://schemas.openxmlformats.org/drawingml/2006/diagram" xmlns:o="urn:schemas-microsoft-com:office:office" xmlns:v="urn:schemas-microsoft-com:vml" xmlns:pvml="urn:schemas-microsoft-com:office:powerpoint" xmlns:com="http://schemas.openxmlformats.org/drawingml/2006/compatibility" xmlns:p14="http://schemas.microsoft.com/office/powerpoint/2010/main" xmlns:p15="http://schemas.microsoft.com/office/powerpoint/2012/main">
+<file path=ppt/slides/slide11.xml><?xml version="1.0" encoding="utf-8"?>
+<p:sld xmlns:a="http://schemas.openxmlformats.org/drawingml/2006/main" xmlns:r="http://schemas.openxmlformats.org/officeDocument/2006/relationships" xmlns:p="http://schemas.openxmlformats.org/presentationml/2006/main">
   <p:cSld>
     <p:spTree>
       <p:nvGrpSpPr>
-        <p:cNvPr id="95" name="Shape 95"/>
+        <p:cNvPr id="1" name=""/>
+        <p:cNvGrpSpPr/>
+        <p:nvPr/>
+      </p:nvGrpSpPr>
+      <p:grpSpPr>
+        <a:xfrm>
+          <a:off x="0" y="0"/>
+          <a:ext cx="0" cy="0"/>
+          <a:chOff x="0" y="0"/>
+          <a:chExt cx="0" cy="0"/>
+        </a:xfrm>
+      </p:grpSpPr>
+      <p:sp>
+        <p:nvSpPr>
+          <p:cNvPr id="2" name="Title 1"/>
+          <p:cNvSpPr>
+            <a:spLocks noGrp="1"/>
+          </p:cNvSpPr>
+          <p:nvPr>
+            <p:ph type="title"/>
+          </p:nvPr>
+        </p:nvSpPr>
+        <p:spPr/>
+        <p:txBody>
+          <a:bodyPr/>
+          <a:lstStyle/>
+          <a:p>
+            <a:r>
+              <a:rPr lang="en-US" dirty="0" smtClean="0"/>
+              <a:t>Credits</a:t>
+            </a:r>
+            <a:endParaRPr lang="en-US" dirty="0"/>
+          </a:p>
+        </p:txBody>
+      </p:sp>
+      <p:sp>
+        <p:nvSpPr>
+          <p:cNvPr id="3" name="Text Placeholder 2"/>
+          <p:cNvSpPr>
+            <a:spLocks noGrp="1"/>
+          </p:cNvSpPr>
+          <p:nvPr>
+            <p:ph type="body" idx="1"/>
+          </p:nvPr>
+        </p:nvSpPr>
+        <p:spPr/>
+        <p:txBody>
+          <a:bodyPr/>
+          <a:lstStyle/>
+          <a:p>
+            <a:r>
+              <a:rPr lang="en-US" dirty="0" smtClean="0"/>
+              <a:t>Created by Thomas Wang</a:t>
+            </a:r>
+          </a:p>
+          <a:p>
+            <a:r>
+              <a:rPr lang="en-US" dirty="0" smtClean="0"/>
+              <a:t>Updated by </a:t>
+            </a:r>
+            <a:r>
+              <a:rPr lang="en-US" err="1" smtClean="0"/>
+              <a:t>Tarnvir</a:t>
+            </a:r>
+            <a:r>
+              <a:rPr lang="en-US" smtClean="0"/>
+              <a:t> Grewal</a:t>
+            </a:r>
+            <a:endParaRPr lang="en-US"/>
+          </a:p>
+        </p:txBody>
+      </p:sp>
+    </p:spTree>
+    <p:extLst>
+      <p:ext uri="{BB962C8B-B14F-4D97-AF65-F5344CB8AC3E}">
+        <p14:creationId xmlns:p14="http://schemas.microsoft.com/office/powerpoint/2010/main" val="1805863880"/>
+      </p:ext>
+    </p:extLst>
+  </p:cSld>
+  <p:clrMapOvr>
+    <a:masterClrMapping/>
+  </p:clrMapOvr>
+</p:sld>
+</file>
+
+<file path=ppt/slides/slide2.xml><?xml version="1.0" encoding="utf-8"?>
+<p:sld xmlns:a="http://schemas.openxmlformats.org/drawingml/2006/main" xmlns:r="http://schemas.openxmlformats.org/officeDocument/2006/relationships" xmlns:p="http://schemas.openxmlformats.org/presentationml/2006/main">
+  <p:cSld>
+    <p:spTree>
+      <p:nvGrpSpPr>
+        <p:cNvPr id="1" name="Shape 59"/>
+        <p:cNvGrpSpPr/>
+        <p:nvPr/>
+      </p:nvGrpSpPr>
+      <p:grpSpPr>
+        <a:xfrm>
+          <a:off x="0" y="0"/>
+          <a:ext cx="0" cy="0"/>
+          <a:chOff x="0" y="0"/>
+          <a:chExt cx="0" cy="0"/>
+        </a:xfrm>
+      </p:grpSpPr>
+      <p:sp>
+        <p:nvSpPr>
+          <p:cNvPr id="60" name="Shape 60"/>
+          <p:cNvSpPr txBox="1">
+            <a:spLocks noGrp="1"/>
+          </p:cNvSpPr>
+          <p:nvPr>
+            <p:ph type="title"/>
+          </p:nvPr>
+        </p:nvSpPr>
+        <p:spPr>
+          <a:xfrm>
+            <a:off x="311700" y="445025"/>
+            <a:ext cx="8520600" cy="572700"/>
+          </a:xfrm>
+          <a:prstGeom prst="rect">
+            <a:avLst/>
+          </a:prstGeom>
+        </p:spPr>
+        <p:txBody>
+          <a:bodyPr spcFirstLastPara="1" wrap="square" lIns="91425" tIns="91425" rIns="91425" bIns="91425" anchor="t" anchorCtr="0">
+            <a:noAutofit/>
+          </a:bodyPr>
+          <a:lstStyle/>
+          <a:p>
+            <a:pPr marL="0" lvl="0" indent="0">
+              <a:spcBef>
+                <a:spcPts val="0"/>
+              </a:spcBef>
+              <a:spcAft>
+                <a:spcPts val="0"/>
+              </a:spcAft>
+              <a:buNone/>
+            </a:pPr>
+            <a:r>
+              <a:rPr lang="en"/>
+              <a:t>Requirements</a:t>
+            </a:r>
+            <a:endParaRPr/>
+          </a:p>
+        </p:txBody>
+      </p:sp>
+      <p:sp>
+        <p:nvSpPr>
+          <p:cNvPr id="61" name="Shape 61"/>
+          <p:cNvSpPr txBox="1">
+            <a:spLocks noGrp="1"/>
+          </p:cNvSpPr>
+          <p:nvPr>
+            <p:ph type="body" idx="1"/>
+          </p:nvPr>
+        </p:nvSpPr>
+        <p:spPr>
+          <a:xfrm>
+            <a:off x="311700" y="1017725"/>
+            <a:ext cx="8520600" cy="3705000"/>
+          </a:xfrm>
+          <a:prstGeom prst="rect">
+            <a:avLst/>
+          </a:prstGeom>
+        </p:spPr>
+        <p:txBody>
+          <a:bodyPr spcFirstLastPara="1" wrap="square" lIns="91425" tIns="91425" rIns="91425" bIns="91425" anchor="t" anchorCtr="0">
+            <a:noAutofit/>
+          </a:bodyPr>
+          <a:lstStyle/>
+          <a:p>
+            <a:pPr marL="0" lvl="0" indent="0" rtl="0">
+              <a:spcBef>
+                <a:spcPts val="0"/>
+              </a:spcBef>
+              <a:spcAft>
+                <a:spcPts val="0"/>
+              </a:spcAft>
+              <a:buNone/>
+            </a:pPr>
+            <a:r>
+              <a:rPr lang="en" dirty="0"/>
+              <a:t>This session should not be difficult for newcomers. Still, it will be greatly beneficial if you have an understanding of:</a:t>
+            </a:r>
+            <a:endParaRPr dirty="0"/>
+          </a:p>
+          <a:p>
+            <a:pPr marL="457200" lvl="0" indent="-342900" rtl="0">
+              <a:spcBef>
+                <a:spcPts val="1600"/>
+              </a:spcBef>
+              <a:spcAft>
+                <a:spcPts val="0"/>
+              </a:spcAft>
+              <a:buSzPts val="1800"/>
+              <a:buChar char="-"/>
+            </a:pPr>
+            <a:r>
+              <a:rPr lang="en" dirty="0"/>
+              <a:t>HTML and the DOM.</a:t>
+            </a:r>
+            <a:endParaRPr dirty="0"/>
+          </a:p>
+          <a:p>
+            <a:pPr marL="457200" lvl="0" indent="-342900" rtl="0">
+              <a:spcBef>
+                <a:spcPts val="0"/>
+              </a:spcBef>
+              <a:spcAft>
+                <a:spcPts val="0"/>
+              </a:spcAft>
+              <a:buSzPts val="1800"/>
+              <a:buChar char="-"/>
+            </a:pPr>
+            <a:r>
+              <a:rPr lang="en" dirty="0"/>
+              <a:t>JavaScript.</a:t>
+            </a:r>
+            <a:endParaRPr dirty="0"/>
+          </a:p>
+          <a:p>
+            <a:pPr marL="457200" lvl="0" indent="-342900" rtl="0">
+              <a:spcBef>
+                <a:spcPts val="0"/>
+              </a:spcBef>
+              <a:spcAft>
+                <a:spcPts val="0"/>
+              </a:spcAft>
+              <a:buSzPts val="1800"/>
+              <a:buChar char="-"/>
+            </a:pPr>
+            <a:r>
+              <a:rPr lang="en" dirty="0"/>
+              <a:t>General programming skills.</a:t>
+            </a:r>
+            <a:endParaRPr dirty="0"/>
+          </a:p>
+          <a:p>
+            <a:pPr marL="0" lvl="0" indent="0" rtl="0">
+              <a:spcBef>
+                <a:spcPts val="1600"/>
+              </a:spcBef>
+              <a:spcAft>
+                <a:spcPts val="0"/>
+              </a:spcAft>
+              <a:buNone/>
+            </a:pPr>
+            <a:r>
+              <a:rPr lang="en" dirty="0"/>
+              <a:t>It is assumed you know about:</a:t>
+            </a:r>
+            <a:endParaRPr dirty="0"/>
+          </a:p>
+          <a:p>
+            <a:pPr marL="457200" lvl="0" indent="-342900" rtl="0">
+              <a:spcBef>
+                <a:spcPts val="1600"/>
+              </a:spcBef>
+              <a:spcAft>
+                <a:spcPts val="0"/>
+              </a:spcAft>
+              <a:buSzPts val="1800"/>
+              <a:buChar char="-"/>
+            </a:pPr>
+            <a:r>
+              <a:rPr lang="en" dirty="0"/>
+              <a:t>HTTP.</a:t>
+            </a:r>
+            <a:endParaRPr dirty="0"/>
+          </a:p>
+          <a:p>
+            <a:pPr marL="457200" lvl="0" indent="-342900" rtl="0">
+              <a:spcBef>
+                <a:spcPts val="0"/>
+              </a:spcBef>
+              <a:spcAft>
+                <a:spcPts val="0"/>
+              </a:spcAft>
+              <a:buSzPts val="1800"/>
+              <a:buChar char="-"/>
+            </a:pPr>
+            <a:r>
+              <a:rPr lang="en" dirty="0"/>
+              <a:t>Cookies.</a:t>
+            </a:r>
+            <a:endParaRPr dirty="0"/>
+          </a:p>
+          <a:p>
+            <a:pPr marL="0" lvl="0" indent="0" rtl="0">
+              <a:spcBef>
+                <a:spcPts val="1600"/>
+              </a:spcBef>
+              <a:spcAft>
+                <a:spcPts val="1600"/>
+              </a:spcAft>
+              <a:buNone/>
+            </a:pPr>
+            <a:r>
+              <a:rPr lang="en" dirty="0"/>
+              <a:t>And are using Chrome or Firefox.</a:t>
+            </a:r>
+            <a:endParaRPr dirty="0"/>
+          </a:p>
+        </p:txBody>
+      </p:sp>
+    </p:spTree>
+  </p:cSld>
+  <p:clrMapOvr>
+    <a:masterClrMapping/>
+  </p:clrMapOvr>
+</p:sld>
+</file>
+
+<file path=ppt/slides/slide3.xml><?xml version="1.0" encoding="utf-8"?>
+<p:sld xmlns:a="http://schemas.openxmlformats.org/drawingml/2006/main" xmlns:r="http://schemas.openxmlformats.org/officeDocument/2006/relationships" xmlns:p="http://schemas.openxmlformats.org/presentationml/2006/main">
+  <p:cSld>
+    <p:spTree>
+      <p:nvGrpSpPr>
+        <p:cNvPr id="1" name="Shape 65"/>
+        <p:cNvGrpSpPr/>
+        <p:nvPr/>
+      </p:nvGrpSpPr>
+      <p:grpSpPr>
+        <a:xfrm>
+          <a:off x="0" y="0"/>
+          <a:ext cx="0" cy="0"/>
+          <a:chOff x="0" y="0"/>
+          <a:chExt cx="0" cy="0"/>
+        </a:xfrm>
+      </p:grpSpPr>
+      <p:sp>
+        <p:nvSpPr>
+          <p:cNvPr id="66" name="Shape 66"/>
+          <p:cNvSpPr txBox="1">
+            <a:spLocks noGrp="1"/>
+          </p:cNvSpPr>
+          <p:nvPr>
+            <p:ph type="title"/>
+          </p:nvPr>
+        </p:nvSpPr>
+        <p:spPr>
+          <a:xfrm>
+            <a:off x="311700" y="445025"/>
+            <a:ext cx="8520600" cy="572700"/>
+          </a:xfrm>
+          <a:prstGeom prst="rect">
+            <a:avLst/>
+          </a:prstGeom>
+        </p:spPr>
+        <p:txBody>
+          <a:bodyPr spcFirstLastPara="1" wrap="square" lIns="91425" tIns="91425" rIns="91425" bIns="91425" anchor="t" anchorCtr="0">
+            <a:noAutofit/>
+          </a:bodyPr>
+          <a:lstStyle/>
+          <a:p>
+            <a:pPr marL="0" lvl="0" indent="0">
+              <a:spcBef>
+                <a:spcPts val="0"/>
+              </a:spcBef>
+              <a:spcAft>
+                <a:spcPts val="0"/>
+              </a:spcAft>
+              <a:buNone/>
+            </a:pPr>
+            <a:r>
+              <a:rPr lang="en"/>
+              <a:t>Target</a:t>
+            </a:r>
+            <a:endParaRPr/>
+          </a:p>
+        </p:txBody>
+      </p:sp>
+      <p:sp>
+        <p:nvSpPr>
+          <p:cNvPr id="67" name="Shape 67"/>
+          <p:cNvSpPr txBox="1">
+            <a:spLocks noGrp="1"/>
+          </p:cNvSpPr>
+          <p:nvPr>
+            <p:ph type="body" idx="1"/>
+          </p:nvPr>
+        </p:nvSpPr>
+        <p:spPr>
+          <a:xfrm>
+            <a:off x="311700" y="1152475"/>
+            <a:ext cx="8520600" cy="3416400"/>
+          </a:xfrm>
+          <a:prstGeom prst="rect">
+            <a:avLst/>
+          </a:prstGeom>
+        </p:spPr>
+        <p:txBody>
+          <a:bodyPr spcFirstLastPara="1" wrap="square" lIns="91425" tIns="91425" rIns="91425" bIns="91425" anchor="t" anchorCtr="0">
+            <a:noAutofit/>
+          </a:bodyPr>
+          <a:lstStyle/>
+          <a:p>
+            <a:pPr marL="0" lvl="0" indent="0" rtl="0">
+              <a:spcBef>
+                <a:spcPts val="0"/>
+              </a:spcBef>
+              <a:spcAft>
+                <a:spcPts val="0"/>
+              </a:spcAft>
+              <a:buNone/>
+            </a:pPr>
+            <a:r>
+              <a:rPr lang="en"/>
+              <a:t>Today, we will:</a:t>
+            </a:r>
+            <a:endParaRPr/>
+          </a:p>
+          <a:p>
+            <a:pPr marL="457200" lvl="0" indent="-342900" rtl="0">
+              <a:spcBef>
+                <a:spcPts val="1600"/>
+              </a:spcBef>
+              <a:spcAft>
+                <a:spcPts val="0"/>
+              </a:spcAft>
+              <a:buSzPts val="1800"/>
+              <a:buChar char="-"/>
+            </a:pPr>
+            <a:r>
+              <a:rPr lang="en"/>
+              <a:t>Learn about XSS attacks and use them to create phishing pages, create keyloggers, and capture login secrets.</a:t>
+            </a:r>
+            <a:endParaRPr/>
+          </a:p>
+          <a:p>
+            <a:pPr marL="457200" lvl="0" indent="-342900" rtl="0">
+              <a:spcBef>
+                <a:spcPts val="0"/>
+              </a:spcBef>
+              <a:spcAft>
+                <a:spcPts val="0"/>
+              </a:spcAft>
+              <a:buSzPts val="1800"/>
+              <a:buChar char="-"/>
+            </a:pPr>
+            <a:r>
+              <a:rPr lang="en"/>
+              <a:t>Learn about CSRF attacks and how to execute them in conjunction with spear phishing.</a:t>
+            </a:r>
+            <a:endParaRPr/>
+          </a:p>
+          <a:p>
+            <a:pPr marL="457200" lvl="0" indent="-342900">
+              <a:spcBef>
+                <a:spcPts val="0"/>
+              </a:spcBef>
+              <a:spcAft>
+                <a:spcPts val="0"/>
+              </a:spcAft>
+              <a:buSzPts val="1800"/>
+              <a:buChar char="-"/>
+            </a:pPr>
+            <a:r>
+              <a:rPr lang="en"/>
+              <a:t>Briefly discuss mitigation for both attacks.</a:t>
+            </a:r>
+            <a:endParaRPr/>
+          </a:p>
+        </p:txBody>
+      </p:sp>
+    </p:spTree>
+  </p:cSld>
+  <p:clrMapOvr>
+    <a:masterClrMapping/>
+  </p:clrMapOvr>
+</p:sld>
+</file>
+
+<file path=ppt/slides/slide4.xml><?xml version="1.0" encoding="utf-8"?>
+<p:sld xmlns:a="http://schemas.openxmlformats.org/drawingml/2006/main" xmlns:r="http://schemas.openxmlformats.org/officeDocument/2006/relationships" xmlns:p="http://schemas.openxmlformats.org/presentationml/2006/main">
+  <p:cSld>
+    <p:spTree>
+      <p:nvGrpSpPr>
+        <p:cNvPr id="1" name="Shape 71"/>
+        <p:cNvGrpSpPr/>
+        <p:nvPr/>
+      </p:nvGrpSpPr>
+      <p:grpSpPr>
+        <a:xfrm>
+          <a:off x="0" y="0"/>
+          <a:ext cx="0" cy="0"/>
+          <a:chOff x="0" y="0"/>
+          <a:chExt cx="0" cy="0"/>
+        </a:xfrm>
+      </p:grpSpPr>
+      <p:sp>
+        <p:nvSpPr>
+          <p:cNvPr id="72" name="Shape 72"/>
+          <p:cNvSpPr txBox="1">
+            <a:spLocks noGrp="1"/>
+          </p:cNvSpPr>
+          <p:nvPr>
+            <p:ph type="title"/>
+          </p:nvPr>
+        </p:nvSpPr>
+        <p:spPr>
+          <a:xfrm>
+            <a:off x="311700" y="445025"/>
+            <a:ext cx="8520600" cy="572700"/>
+          </a:xfrm>
+          <a:prstGeom prst="rect">
+            <a:avLst/>
+          </a:prstGeom>
+        </p:spPr>
+        <p:txBody>
+          <a:bodyPr spcFirstLastPara="1" wrap="square" lIns="91425" tIns="91425" rIns="91425" bIns="91425" anchor="t" anchorCtr="0">
+            <a:noAutofit/>
+          </a:bodyPr>
+          <a:lstStyle/>
+          <a:p>
+            <a:pPr marL="0" lvl="0" indent="0">
+              <a:spcBef>
+                <a:spcPts val="0"/>
+              </a:spcBef>
+              <a:spcAft>
+                <a:spcPts val="0"/>
+              </a:spcAft>
+              <a:buNone/>
+            </a:pPr>
+            <a:r>
+              <a:rPr lang="en"/>
+              <a:t>XSS</a:t>
+            </a:r>
+            <a:endParaRPr/>
+          </a:p>
+        </p:txBody>
+      </p:sp>
+      <p:sp>
+        <p:nvSpPr>
+          <p:cNvPr id="73" name="Shape 73"/>
+          <p:cNvSpPr txBox="1">
+            <a:spLocks noGrp="1"/>
+          </p:cNvSpPr>
+          <p:nvPr>
+            <p:ph type="body" idx="1"/>
+          </p:nvPr>
+        </p:nvSpPr>
+        <p:spPr>
+          <a:xfrm>
+            <a:off x="311700" y="1152475"/>
+            <a:ext cx="8520600" cy="3416400"/>
+          </a:xfrm>
+          <a:prstGeom prst="rect">
+            <a:avLst/>
+          </a:prstGeom>
+        </p:spPr>
+        <p:txBody>
+          <a:bodyPr spcFirstLastPara="1" wrap="square" lIns="91425" tIns="91425" rIns="91425" bIns="91425" anchor="t" anchorCtr="0">
+            <a:noAutofit/>
+          </a:bodyPr>
+          <a:lstStyle/>
+          <a:p>
+            <a:pPr marL="0" lvl="0" indent="0">
+              <a:spcBef>
+                <a:spcPts val="0"/>
+              </a:spcBef>
+              <a:spcAft>
+                <a:spcPts val="0"/>
+              </a:spcAft>
+              <a:buNone/>
+            </a:pPr>
+            <a:r>
+              <a:rPr lang="en"/>
+              <a:t>Cross Site Scripting. We’ll learn through example:</a:t>
+            </a:r>
+            <a:endParaRPr/>
+          </a:p>
+          <a:p>
+            <a:pPr marL="457200" lvl="0" indent="-342900" rtl="0">
+              <a:spcBef>
+                <a:spcPts val="1600"/>
+              </a:spcBef>
+              <a:spcAft>
+                <a:spcPts val="0"/>
+              </a:spcAft>
+              <a:buSzPts val="1800"/>
+              <a:buChar char="-"/>
+            </a:pPr>
+            <a:r>
+              <a:rPr lang="en"/>
+              <a:t>A blog exists on the internet. Users can publicly post comments that everybody </a:t>
+            </a:r>
+            <a:r>
+              <a:rPr lang="en" i="1"/>
+              <a:t>that visits the site</a:t>
+            </a:r>
+            <a:r>
+              <a:rPr lang="en"/>
+              <a:t> will see.</a:t>
+            </a:r>
+            <a:endParaRPr/>
+          </a:p>
+          <a:p>
+            <a:pPr marL="457200" lvl="0" indent="-342900" rtl="0">
+              <a:spcBef>
+                <a:spcPts val="0"/>
+              </a:spcBef>
+              <a:spcAft>
+                <a:spcPts val="0"/>
+              </a:spcAft>
+              <a:buSzPts val="1800"/>
+              <a:buChar char="-"/>
+            </a:pPr>
+            <a:r>
+              <a:rPr lang="en"/>
+              <a:t>That means if you look at the HTML source after posting a comment, the comment you just made will appear.</a:t>
+            </a:r>
+            <a:endParaRPr/>
+          </a:p>
+          <a:p>
+            <a:pPr marL="457200" lvl="0" indent="-342900" rtl="0">
+              <a:spcBef>
+                <a:spcPts val="0"/>
+              </a:spcBef>
+              <a:spcAft>
+                <a:spcPts val="0"/>
+              </a:spcAft>
+              <a:buSzPts val="1800"/>
+              <a:buChar char="-"/>
+            </a:pPr>
+            <a:r>
+              <a:rPr lang="en"/>
+              <a:t>What is stopping a user from adding HTML elements or JavaScript to that comment box and having the page look different/execute scripts whenever somebody visits the page?</a:t>
+            </a:r>
+            <a:endParaRPr/>
+          </a:p>
+          <a:p>
+            <a:pPr marL="914400" lvl="1" indent="-317500" rtl="0">
+              <a:spcBef>
+                <a:spcPts val="0"/>
+              </a:spcBef>
+              <a:spcAft>
+                <a:spcPts val="0"/>
+              </a:spcAft>
+              <a:buSzPts val="1400"/>
+              <a:buChar char="-"/>
+            </a:pPr>
+            <a:r>
+              <a:rPr lang="en"/>
+              <a:t>This is XSS.</a:t>
+            </a:r>
+            <a:endParaRPr/>
+          </a:p>
+        </p:txBody>
+      </p:sp>
+    </p:spTree>
+  </p:cSld>
+  <p:clrMapOvr>
+    <a:masterClrMapping/>
+  </p:clrMapOvr>
+</p:sld>
+</file>
+
+<file path=ppt/slides/slide5.xml><?xml version="1.0" encoding="utf-8"?>
+<p:sld xmlns:a="http://schemas.openxmlformats.org/drawingml/2006/main" xmlns:r="http://schemas.openxmlformats.org/officeDocument/2006/relationships" xmlns:p="http://schemas.openxmlformats.org/presentationml/2006/main">
+  <p:cSld>
+    <p:spTree>
+      <p:nvGrpSpPr>
+        <p:cNvPr id="1" name="Shape 77"/>
+        <p:cNvGrpSpPr/>
+        <p:nvPr/>
+      </p:nvGrpSpPr>
+      <p:grpSpPr>
+        <a:xfrm>
+          <a:off x="0" y="0"/>
+          <a:ext cx="0" cy="0"/>
+          <a:chOff x="0" y="0"/>
+          <a:chExt cx="0" cy="0"/>
+        </a:xfrm>
+      </p:grpSpPr>
+      <p:sp>
+        <p:nvSpPr>
+          <p:cNvPr id="78" name="Shape 78"/>
+          <p:cNvSpPr txBox="1">
+            <a:spLocks noGrp="1"/>
+          </p:cNvSpPr>
+          <p:nvPr>
+            <p:ph type="title"/>
+          </p:nvPr>
+        </p:nvSpPr>
+        <p:spPr>
+          <a:xfrm>
+            <a:off x="311700" y="445025"/>
+            <a:ext cx="8520600" cy="572700"/>
+          </a:xfrm>
+          <a:prstGeom prst="rect">
+            <a:avLst/>
+          </a:prstGeom>
+        </p:spPr>
+        <p:txBody>
+          <a:bodyPr spcFirstLastPara="1" wrap="square" lIns="91425" tIns="91425" rIns="91425" bIns="91425" anchor="t" anchorCtr="0">
+            <a:noAutofit/>
+          </a:bodyPr>
+          <a:lstStyle/>
+          <a:p>
+            <a:pPr marL="0" lvl="0" indent="0">
+              <a:spcBef>
+                <a:spcPts val="0"/>
+              </a:spcBef>
+              <a:spcAft>
+                <a:spcPts val="0"/>
+              </a:spcAft>
+              <a:buNone/>
+            </a:pPr>
+            <a:r>
+              <a:rPr lang="en"/>
+              <a:t>Learning from Example (XSS on Webgoat)</a:t>
+            </a:r>
+            <a:endParaRPr/>
+          </a:p>
+        </p:txBody>
+      </p:sp>
+      <p:sp>
+        <p:nvSpPr>
+          <p:cNvPr id="79" name="Shape 79"/>
+          <p:cNvSpPr txBox="1">
+            <a:spLocks noGrp="1"/>
+          </p:cNvSpPr>
+          <p:nvPr>
+            <p:ph type="body" idx="1"/>
+          </p:nvPr>
+        </p:nvSpPr>
+        <p:spPr>
+          <a:xfrm>
+            <a:off x="311700" y="1152475"/>
+            <a:ext cx="8520600" cy="3416400"/>
+          </a:xfrm>
+          <a:prstGeom prst="rect">
+            <a:avLst/>
+          </a:prstGeom>
+        </p:spPr>
+        <p:txBody>
+          <a:bodyPr spcFirstLastPara="1" wrap="square" lIns="91425" tIns="91425" rIns="91425" bIns="91425" anchor="t" anchorCtr="0">
+            <a:noAutofit/>
+          </a:bodyPr>
+          <a:lstStyle/>
+          <a:p>
+            <a:pPr marL="457200" lvl="0" indent="-342900" rtl="0">
+              <a:spcBef>
+                <a:spcPts val="0"/>
+              </a:spcBef>
+              <a:spcAft>
+                <a:spcPts val="0"/>
+              </a:spcAft>
+              <a:buSzPts val="1800"/>
+              <a:buChar char="-"/>
+            </a:pPr>
+            <a:r>
+              <a:rPr lang="en"/>
+              <a:t>Just like trying the “single quote double quote” (‘“) to test if an SQL injection might work, you can do a very basic test for XSS:</a:t>
+            </a:r>
+            <a:endParaRPr/>
+          </a:p>
+          <a:p>
+            <a:pPr marL="914400" lvl="1" indent="-317500" rtl="0">
+              <a:spcBef>
+                <a:spcPts val="0"/>
+              </a:spcBef>
+              <a:spcAft>
+                <a:spcPts val="0"/>
+              </a:spcAft>
+              <a:buSzPts val="1400"/>
+              <a:buChar char="-"/>
+            </a:pPr>
+            <a:r>
+              <a:rPr lang="en"/>
+              <a:t>&lt;script&gt;console.log(“pwned”);&lt;/script&gt;</a:t>
+            </a:r>
+            <a:endParaRPr/>
+          </a:p>
+          <a:p>
+            <a:pPr marL="457200" lvl="0" indent="-342900" rtl="0">
+              <a:spcBef>
+                <a:spcPts val="0"/>
+              </a:spcBef>
+              <a:spcAft>
+                <a:spcPts val="0"/>
+              </a:spcAft>
+              <a:buSzPts val="1800"/>
+              <a:buChar char="-"/>
+            </a:pPr>
+            <a:r>
+              <a:rPr lang="en"/>
+              <a:t>Try this on the first XSS question on WebGoat. What happens in the developer tools console?</a:t>
+            </a:r>
+            <a:endParaRPr/>
+          </a:p>
+          <a:p>
+            <a:pPr marL="457200" lvl="0" indent="-342900" rtl="0">
+              <a:spcBef>
+                <a:spcPts val="0"/>
+              </a:spcBef>
+              <a:spcAft>
+                <a:spcPts val="0"/>
+              </a:spcAft>
+              <a:buSzPts val="1800"/>
+              <a:buChar char="-"/>
+            </a:pPr>
+            <a:r>
+              <a:rPr lang="en"/>
+              <a:t>There is no restriction to what we can do. This entire attack happens on the browser of the target. This is a significant difference to Injection.</a:t>
+            </a:r>
+            <a:endParaRPr/>
+          </a:p>
+          <a:p>
+            <a:pPr marL="457200" lvl="0" indent="-342900" rtl="0">
+              <a:spcBef>
+                <a:spcPts val="0"/>
+              </a:spcBef>
+              <a:spcAft>
+                <a:spcPts val="0"/>
+              </a:spcAft>
+              <a:buSzPts val="1800"/>
+              <a:buChar char="-"/>
+            </a:pPr>
+            <a:r>
+              <a:rPr lang="en"/>
+              <a:t>That means the browser the target is using can be a factor into the success of certain attacks.</a:t>
+            </a:r>
+            <a:endParaRPr/>
+          </a:p>
+        </p:txBody>
+      </p:sp>
+    </p:spTree>
+  </p:cSld>
+  <p:clrMapOvr>
+    <a:masterClrMapping/>
+  </p:clrMapOvr>
+</p:sld>
+</file>
+
+<file path=ppt/slides/slide6.xml><?xml version="1.0" encoding="utf-8"?>
+<p:sld xmlns:a="http://schemas.openxmlformats.org/drawingml/2006/main" xmlns:r="http://schemas.openxmlformats.org/officeDocument/2006/relationships" xmlns:p="http://schemas.openxmlformats.org/presentationml/2006/main">
+  <p:cSld>
+    <p:spTree>
+      <p:nvGrpSpPr>
+        <p:cNvPr id="1" name="Shape 83"/>
+        <p:cNvGrpSpPr/>
+        <p:nvPr/>
+      </p:nvGrpSpPr>
+      <p:grpSpPr>
+        <a:xfrm>
+          <a:off x="0" y="0"/>
+          <a:ext cx="0" cy="0"/>
+          <a:chOff x="0" y="0"/>
+          <a:chExt cx="0" cy="0"/>
+        </a:xfrm>
+      </p:grpSpPr>
+      <p:sp>
+        <p:nvSpPr>
+          <p:cNvPr id="84" name="Shape 84"/>
+          <p:cNvSpPr txBox="1">
+            <a:spLocks noGrp="1"/>
+          </p:cNvSpPr>
+          <p:nvPr>
+            <p:ph type="title"/>
+          </p:nvPr>
+        </p:nvSpPr>
+        <p:spPr>
+          <a:xfrm>
+            <a:off x="311700" y="445025"/>
+            <a:ext cx="8520600" cy="572700"/>
+          </a:xfrm>
+          <a:prstGeom prst="rect">
+            <a:avLst/>
+          </a:prstGeom>
+        </p:spPr>
+        <p:txBody>
+          <a:bodyPr spcFirstLastPara="1" wrap="square" lIns="91425" tIns="91425" rIns="91425" bIns="91425" anchor="t" anchorCtr="0">
+            <a:noAutofit/>
+          </a:bodyPr>
+          <a:lstStyle/>
+          <a:p>
+            <a:pPr marL="0" lvl="0" indent="0">
+              <a:spcBef>
+                <a:spcPts val="0"/>
+              </a:spcBef>
+              <a:spcAft>
+                <a:spcPts val="0"/>
+              </a:spcAft>
+              <a:buNone/>
+            </a:pPr>
+            <a:r>
+              <a:rPr lang="en"/>
+              <a:t>HttpOnly</a:t>
+            </a:r>
+            <a:endParaRPr/>
+          </a:p>
+        </p:txBody>
+      </p:sp>
+      <p:sp>
+        <p:nvSpPr>
+          <p:cNvPr id="85" name="Shape 85"/>
+          <p:cNvSpPr txBox="1">
+            <a:spLocks noGrp="1"/>
+          </p:cNvSpPr>
+          <p:nvPr>
+            <p:ph type="body" idx="1"/>
+          </p:nvPr>
+        </p:nvSpPr>
+        <p:spPr>
+          <a:xfrm>
+            <a:off x="311700" y="1152475"/>
+            <a:ext cx="8520600" cy="3416400"/>
+          </a:xfrm>
+          <a:prstGeom prst="rect">
+            <a:avLst/>
+          </a:prstGeom>
+        </p:spPr>
+        <p:txBody>
+          <a:bodyPr spcFirstLastPara="1" wrap="square" lIns="91425" tIns="91425" rIns="91425" bIns="91425" anchor="t" anchorCtr="0">
+            <a:noAutofit/>
+          </a:bodyPr>
+          <a:lstStyle/>
+          <a:p>
+            <a:pPr marL="457200" lvl="0" indent="-342900" rtl="0">
+              <a:spcBef>
+                <a:spcPts val="0"/>
+              </a:spcBef>
+              <a:spcAft>
+                <a:spcPts val="0"/>
+              </a:spcAft>
+              <a:buSzPts val="1800"/>
+              <a:buChar char="-"/>
+            </a:pPr>
+            <a:r>
+              <a:rPr lang="en"/>
+              <a:t>Cookies have flags. One such flag is HttpOnly which, when read, can prevent JavaScript from reading local cookie values. It can only be accessed and mutated via HTTP requests.</a:t>
+            </a:r>
+            <a:endParaRPr/>
+          </a:p>
+          <a:p>
+            <a:pPr marL="457200" lvl="0" indent="-342900" rtl="0">
+              <a:spcBef>
+                <a:spcPts val="0"/>
+              </a:spcBef>
+              <a:spcAft>
+                <a:spcPts val="0"/>
+              </a:spcAft>
+              <a:buSzPts val="1800"/>
+              <a:buChar char="-"/>
+            </a:pPr>
+            <a:r>
+              <a:rPr lang="en"/>
+              <a:t>Only modern browsers understand the flag.</a:t>
+            </a:r>
+            <a:endParaRPr/>
+          </a:p>
+          <a:p>
+            <a:pPr marL="457200" lvl="0" indent="-342900" rtl="0">
+              <a:spcBef>
+                <a:spcPts val="0"/>
+              </a:spcBef>
+              <a:spcAft>
+                <a:spcPts val="0"/>
+              </a:spcAft>
+              <a:buSzPts val="1800"/>
+              <a:buChar char="-"/>
+            </a:pPr>
+            <a:r>
+              <a:rPr lang="en"/>
+              <a:t>Actually, it’s a pretty old security feature, but the point is:</a:t>
+            </a:r>
+            <a:endParaRPr/>
+          </a:p>
+          <a:p>
+            <a:pPr marL="914400" lvl="1" indent="-317500" rtl="0">
+              <a:spcBef>
+                <a:spcPts val="0"/>
+              </a:spcBef>
+              <a:spcAft>
+                <a:spcPts val="0"/>
+              </a:spcAft>
+              <a:buSzPts val="1400"/>
+              <a:buChar char="-"/>
+            </a:pPr>
+            <a:r>
+              <a:rPr lang="en"/>
+              <a:t>Update your browsers.</a:t>
+            </a:r>
+            <a:endParaRPr/>
+          </a:p>
+          <a:p>
+            <a:pPr marL="914400" lvl="1" indent="-317500">
+              <a:spcBef>
+                <a:spcPts val="0"/>
+              </a:spcBef>
+              <a:spcAft>
+                <a:spcPts val="0"/>
+              </a:spcAft>
+              <a:buSzPts val="1400"/>
+              <a:buChar char="-"/>
+            </a:pPr>
+            <a:r>
+              <a:rPr lang="en"/>
+              <a:t>Keep informed about security as it constantly shifts and changes.</a:t>
+            </a:r>
+            <a:endParaRPr/>
+          </a:p>
+        </p:txBody>
+      </p:sp>
+    </p:spTree>
+  </p:cSld>
+  <p:clrMapOvr>
+    <a:masterClrMapping/>
+  </p:clrMapOvr>
+</p:sld>
+</file>
+
+<file path=ppt/slides/slide7.xml><?xml version="1.0" encoding="utf-8"?>
+<p:sld xmlns:a="http://schemas.openxmlformats.org/drawingml/2006/main" xmlns:r="http://schemas.openxmlformats.org/officeDocument/2006/relationships" xmlns:p="http://schemas.openxmlformats.org/presentationml/2006/main">
+  <p:cSld>
+    <p:spTree>
+      <p:nvGrpSpPr>
+        <p:cNvPr id="1" name="Shape 95"/>
         <p:cNvGrpSpPr/>
         <p:nvPr/>
       </p:nvGrpSpPr>
@@ -8331,7 +7917,9 @@
       <p:sp>
         <p:nvSpPr>
           <p:cNvPr id="96" name="Shape 96"/>
-          <p:cNvSpPr txBox="1"/>
+          <p:cNvSpPr txBox="1">
+            <a:spLocks noGrp="1"/>
+          </p:cNvSpPr>
           <p:nvPr>
             <p:ph type="title"/>
           </p:nvPr>
@@ -8346,12 +7934,12 @@
           </a:prstGeom>
         </p:spPr>
         <p:txBody>
-          <a:bodyPr anchorCtr="0" anchor="t" bIns="91425" lIns="91425" spcFirstLastPara="1" rIns="91425" wrap="square" tIns="91425">
+          <a:bodyPr spcFirstLastPara="1" wrap="square" lIns="91425" tIns="91425" rIns="91425" bIns="91425" anchor="t" anchorCtr="0">
             <a:noAutofit/>
           </a:bodyPr>
           <a:lstStyle/>
           <a:p>
-            <a:pPr indent="0" lvl="0" marL="0">
+            <a:pPr marL="0" lvl="0" indent="0">
               <a:spcBef>
                 <a:spcPts val="0"/>
               </a:spcBef>
@@ -8371,9 +7959,11 @@
       <p:sp>
         <p:nvSpPr>
           <p:cNvPr id="97" name="Shape 97"/>
-          <p:cNvSpPr txBox="1"/>
+          <p:cNvSpPr txBox="1">
+            <a:spLocks noGrp="1"/>
+          </p:cNvSpPr>
           <p:nvPr>
-            <p:ph idx="1" type="body"/>
+            <p:ph type="body" idx="1"/>
           </p:nvPr>
         </p:nvSpPr>
         <p:spPr>
@@ -8386,12 +7976,12 @@
           </a:prstGeom>
         </p:spPr>
         <p:txBody>
-          <a:bodyPr anchorCtr="0" anchor="t" bIns="91425" lIns="91425" spcFirstLastPara="1" rIns="91425" wrap="square" tIns="91425">
+          <a:bodyPr spcFirstLastPara="1" wrap="square" lIns="91425" tIns="91425" rIns="91425" bIns="91425" anchor="t" anchorCtr="0">
             <a:noAutofit/>
           </a:bodyPr>
           <a:lstStyle/>
           <a:p>
-            <a:pPr indent="-342900" lvl="0" marL="457200">
+            <a:pPr marL="457200" lvl="0" indent="-342900">
               <a:spcBef>
                 <a:spcPts val="0"/>
               </a:spcBef>
@@ -8402,13 +7992,33 @@
               <a:buChar char="-"/>
             </a:pPr>
             <a:r>
-              <a:rPr lang="en"/>
-              <a:t>I will now move on to the WebGoat questions.</a:t>
+              <a:rPr lang="en-US" dirty="0" smtClean="0"/>
+              <a:t>We</a:t>
             </a:r>
-            <a:endParaRPr/>
-          </a:p>
-          <a:p>
-            <a:pPr indent="-342900" lvl="0" marL="457200" rtl="0">
+            <a:r>
+              <a:rPr lang="en" dirty="0" smtClean="0"/>
+              <a:t> </a:t>
+            </a:r>
+            <a:r>
+              <a:rPr lang="en" dirty="0"/>
+              <a:t>will now move on to the </a:t>
+            </a:r>
+            <a:r>
+              <a:rPr lang="en-US" dirty="0" smtClean="0"/>
+              <a:t>workshop guide </a:t>
+            </a:r>
+            <a:r>
+              <a:rPr lang="en" dirty="0" smtClean="0"/>
+              <a:t>questions</a:t>
+            </a:r>
+            <a:r>
+              <a:rPr lang="en" dirty="0"/>
+              <a:t>.</a:t>
+            </a:r>
+            <a:endParaRPr dirty="0"/>
+          </a:p>
+          <a:p>
+            <a:pPr marL="457200" lvl="0" indent="-342900" rtl="0">
               <a:spcBef>
                 <a:spcPts val="0"/>
               </a:spcBef>
@@ -8419,47 +8029,17 @@
               <a:buChar char="-"/>
             </a:pPr>
             <a:r>
-              <a:rPr lang="en"/>
-              <a:t>This is not a lecture. Often times, you guys will know more than I do.</a:t>
+              <a:rPr lang="en" dirty="0" smtClean="0"/>
+              <a:t>If </a:t>
             </a:r>
-            <a:endParaRPr/>
-          </a:p>
-          <a:p>
-            <a:pPr indent="-342900" lvl="0" marL="457200" rtl="0">
-              <a:spcBef>
-                <a:spcPts val="0"/>
-              </a:spcBef>
-              <a:spcAft>
-                <a:spcPts val="0"/>
-              </a:spcAft>
-              <a:buSzPts val="1800"/>
-              <a:buChar char="-"/>
-            </a:pPr>
             <a:r>
-              <a:rPr lang="en"/>
-              <a:t>In that case, share your knowledge and your questions.</a:t>
+              <a:rPr lang="en" dirty="0"/>
+              <a:t>you don’t understand, Google it. Then ask around.</a:t>
             </a:r>
-            <a:endParaRPr/>
-          </a:p>
-          <a:p>
-            <a:pPr indent="-342900" lvl="0" marL="457200" rtl="0">
-              <a:spcBef>
-                <a:spcPts val="0"/>
-              </a:spcBef>
-              <a:spcAft>
-                <a:spcPts val="0"/>
-              </a:spcAft>
-              <a:buSzPts val="1800"/>
-              <a:buChar char="-"/>
-            </a:pPr>
-            <a:r>
-              <a:rPr lang="en"/>
-              <a:t>If you don’t understand, Google it. Then ask around.</a:t>
-            </a:r>
-            <a:endParaRPr/>
-          </a:p>
-          <a:p>
-            <a:pPr indent="-317500" lvl="1" marL="914400" rtl="0">
+            <a:endParaRPr dirty="0"/>
+          </a:p>
+          <a:p>
+            <a:pPr marL="914400" lvl="1" indent="-317500" rtl="0">
               <a:spcBef>
                 <a:spcPts val="0"/>
               </a:spcBef>
@@ -8470,13 +8050,13 @@
               <a:buChar char="-"/>
             </a:pPr>
             <a:r>
-              <a:rPr lang="en"/>
+              <a:rPr lang="en" dirty="0"/>
               <a:t>This needs to be said.</a:t>
             </a:r>
-            <a:endParaRPr/>
-          </a:p>
-          <a:p>
-            <a:pPr indent="-317500" lvl="1" marL="914400" rtl="0">
+            <a:endParaRPr dirty="0"/>
+          </a:p>
+          <a:p>
+            <a:pPr marL="914400" lvl="1" indent="-317500" rtl="0">
               <a:spcBef>
                 <a:spcPts val="0"/>
               </a:spcBef>
@@ -8487,13 +8067,13 @@
               <a:buChar char="-"/>
             </a:pPr>
             <a:r>
-              <a:rPr lang="en"/>
+              <a:rPr lang="en" dirty="0"/>
               <a:t>90% of what you see in competitions will be new to you or difficult:</a:t>
             </a:r>
-            <a:endParaRPr/>
-          </a:p>
-          <a:p>
-            <a:pPr indent="-317500" lvl="2" marL="1371600" rtl="0">
+            <a:endParaRPr dirty="0"/>
+          </a:p>
+          <a:p>
+            <a:pPr marL="1371600" lvl="2" indent="-317500" rtl="0">
               <a:spcBef>
                 <a:spcPts val="0"/>
               </a:spcBef>
@@ -8504,13 +8084,21 @@
               <a:buChar char="-"/>
             </a:pPr>
             <a:r>
-              <a:rPr lang="en"/>
-              <a:t>E.g.: can you memorise RSA with Chinese Remainder Theorem?</a:t>
+              <a:rPr lang="en" dirty="0"/>
+              <a:t>E.g.: can you </a:t>
             </a:r>
-            <a:endParaRPr/>
-          </a:p>
-          <a:p>
-            <a:pPr indent="-317500" lvl="2" marL="1371600" rtl="0">
+            <a:r>
+              <a:rPr lang="en" dirty="0" err="1"/>
+              <a:t>memorise</a:t>
+            </a:r>
+            <a:r>
+              <a:rPr lang="en" dirty="0"/>
+              <a:t> RSA with Chinese Remainder Theorem?</a:t>
+            </a:r>
+            <a:endParaRPr dirty="0"/>
+          </a:p>
+          <a:p>
+            <a:pPr marL="1371600" lvl="2" indent="-317500" rtl="0">
               <a:spcBef>
                 <a:spcPts val="0"/>
               </a:spcBef>
@@ -8521,10 +8109,10 @@
               <a:buChar char="-"/>
             </a:pPr>
             <a:r>
-              <a:rPr lang="en"/>
+              <a:rPr lang="en" dirty="0"/>
               <a:t>Do you remember the entire spec of the Timed One-Time Password Algorithm (TOTP)?</a:t>
             </a:r>
-            <a:endParaRPr/>
+            <a:endParaRPr dirty="0"/>
           </a:p>
         </p:txBody>
       </p:sp>
@@ -8536,12 +8124,12 @@
 </p:sld>
 </file>
 
-<file path=ppt/slides/slide9.xml><?xml version="1.0" encoding="utf-8"?>
-<p:sld xmlns:a="http://schemas.openxmlformats.org/drawingml/2006/main" xmlns:r="http://schemas.openxmlformats.org/officeDocument/2006/relationships" xmlns:mc="http://schemas.openxmlformats.org/markup-compatibility/2006" xmlns:mv="urn:schemas-microsoft-com:mac:vml" xmlns:p="http://schemas.openxmlformats.org/presentationml/2006/main" xmlns:c="http://schemas.openxmlformats.org/drawingml/2006/chart" xmlns:dgm="http://schemas.openxmlformats.org/drawingml/2006/diagram" xmlns:o="urn:schemas-microsoft-com:office:office" xmlns:v="urn:schemas-microsoft-com:vml" xmlns:pvml="urn:schemas-microsoft-com:office:powerpoint" xmlns:com="http://schemas.openxmlformats.org/drawingml/2006/compatibility" xmlns:p14="http://schemas.microsoft.com/office/powerpoint/2010/main" xmlns:p15="http://schemas.microsoft.com/office/powerpoint/2012/main">
+<file path=ppt/slides/slide8.xml><?xml version="1.0" encoding="utf-8"?>
+<p:sld xmlns:a="http://schemas.openxmlformats.org/drawingml/2006/main" xmlns:r="http://schemas.openxmlformats.org/officeDocument/2006/relationships" xmlns:p="http://schemas.openxmlformats.org/presentationml/2006/main">
   <p:cSld>
     <p:spTree>
       <p:nvGrpSpPr>
-        <p:cNvPr id="101" name="Shape 101"/>
+        <p:cNvPr id="1" name="Shape 101"/>
         <p:cNvGrpSpPr/>
         <p:nvPr/>
       </p:nvGrpSpPr>
@@ -8556,7 +8144,9 @@
       <p:sp>
         <p:nvSpPr>
           <p:cNvPr id="102" name="Shape 102"/>
-          <p:cNvSpPr txBox="1"/>
+          <p:cNvSpPr txBox="1">
+            <a:spLocks noGrp="1"/>
+          </p:cNvSpPr>
           <p:nvPr>
             <p:ph type="title"/>
           </p:nvPr>
@@ -8571,12 +8161,12 @@
           </a:prstGeom>
         </p:spPr>
         <p:txBody>
-          <a:bodyPr anchorCtr="0" anchor="t" bIns="91425" lIns="91425" spcFirstLastPara="1" rIns="91425" wrap="square" tIns="91425">
+          <a:bodyPr spcFirstLastPara="1" wrap="square" lIns="91425" tIns="91425" rIns="91425" bIns="91425" anchor="t" anchorCtr="0">
             <a:noAutofit/>
           </a:bodyPr>
           <a:lstStyle/>
           <a:p>
-            <a:pPr indent="0" lvl="0" marL="0">
+            <a:pPr marL="0" lvl="0" indent="0">
               <a:spcBef>
                 <a:spcPts val="0"/>
               </a:spcBef>
@@ -8596,9 +8186,11 @@
       <p:sp>
         <p:nvSpPr>
           <p:cNvPr id="103" name="Shape 103"/>
-          <p:cNvSpPr txBox="1"/>
+          <p:cNvSpPr txBox="1">
+            <a:spLocks noGrp="1"/>
+          </p:cNvSpPr>
           <p:nvPr>
-            <p:ph idx="1" type="body"/>
+            <p:ph type="body" idx="1"/>
           </p:nvPr>
         </p:nvSpPr>
         <p:spPr>
@@ -8611,12 +8203,12 @@
           </a:prstGeom>
         </p:spPr>
         <p:txBody>
-          <a:bodyPr anchorCtr="0" anchor="t" bIns="91425" lIns="91425" spcFirstLastPara="1" rIns="91425" wrap="square" tIns="91425">
+          <a:bodyPr spcFirstLastPara="1" wrap="square" lIns="91425" tIns="91425" rIns="91425" bIns="91425" anchor="t" anchorCtr="0">
             <a:noAutofit/>
           </a:bodyPr>
           <a:lstStyle/>
           <a:p>
-            <a:pPr indent="-342900" lvl="0" marL="457200" rtl="0">
+            <a:pPr marL="457200" lvl="0" indent="-342900" rtl="0">
               <a:spcBef>
                 <a:spcPts val="0"/>
               </a:spcBef>
@@ -8633,7 +8225,7 @@
             <a:endParaRPr/>
           </a:p>
           <a:p>
-            <a:pPr indent="-317500" lvl="1" marL="914400" rtl="0">
+            <a:pPr marL="914400" lvl="1" indent="-317500" rtl="0">
               <a:spcBef>
                 <a:spcPts val="0"/>
               </a:spcBef>
@@ -8650,7 +8242,7 @@
             <a:endParaRPr/>
           </a:p>
           <a:p>
-            <a:pPr indent="-342900" lvl="0" marL="457200" rtl="0">
+            <a:pPr marL="457200" lvl="0" indent="-342900" rtl="0">
               <a:spcBef>
                 <a:spcPts val="0"/>
               </a:spcBef>
@@ -8661,13 +8253,13 @@
               <a:buChar char="-"/>
             </a:pPr>
             <a:r>
-              <a:rPr b="1" lang="en"/>
+              <a:rPr lang="en" b="1"/>
               <a:t>There is no such thing as cheating.</a:t>
             </a:r>
             <a:endParaRPr b="1"/>
           </a:p>
           <a:p>
-            <a:pPr indent="-317500" lvl="1" marL="914400" rtl="0">
+            <a:pPr marL="914400" lvl="1" indent="-317500" rtl="0">
               <a:spcBef>
                 <a:spcPts val="0"/>
               </a:spcBef>
@@ -8684,7 +8276,7 @@
             <a:endParaRPr/>
           </a:p>
           <a:p>
-            <a:pPr indent="-317500" lvl="1" marL="914400" rtl="0">
+            <a:pPr marL="914400" lvl="1" indent="-317500" rtl="0">
               <a:spcBef>
                 <a:spcPts val="0"/>
               </a:spcBef>
@@ -8701,7 +8293,7 @@
             <a:endParaRPr/>
           </a:p>
           <a:p>
-            <a:pPr indent="-317500" lvl="1" marL="914400" rtl="0">
+            <a:pPr marL="914400" lvl="1" indent="-317500" rtl="0">
               <a:spcBef>
                 <a:spcPts val="0"/>
               </a:spcBef>
@@ -8718,7 +8310,7 @@
             <a:endParaRPr/>
           </a:p>
           <a:p>
-            <a:pPr indent="-317500" lvl="2" marL="1371600" rtl="0">
+            <a:pPr marL="1371600" lvl="2" indent="-317500" rtl="0">
               <a:spcBef>
                 <a:spcPts val="0"/>
               </a:spcBef>
@@ -8735,7 +8327,7 @@
             <a:endParaRPr/>
           </a:p>
           <a:p>
-            <a:pPr indent="-317500" lvl="2" marL="1371600" rtl="0">
+            <a:pPr marL="1371600" lvl="2" indent="-317500" rtl="0">
               <a:spcBef>
                 <a:spcPts val="0"/>
               </a:spcBef>
@@ -8752,7 +8344,7 @@
             <a:endParaRPr/>
           </a:p>
           <a:p>
-            <a:pPr indent="-317500" lvl="2" marL="1371600" rtl="0">
+            <a:pPr marL="1371600" lvl="2" indent="-317500" rtl="0">
               <a:spcBef>
                 <a:spcPts val="0"/>
               </a:spcBef>
@@ -8769,7 +8361,7 @@
             <a:endParaRPr/>
           </a:p>
           <a:p>
-            <a:pPr indent="-342900" lvl="0" marL="457200" rtl="0">
+            <a:pPr marL="457200" lvl="0" indent="-342900" rtl="0">
               <a:spcBef>
                 <a:spcPts val="0"/>
               </a:spcBef>
@@ -8782,6 +8374,235 @@
             <a:r>
               <a:rPr lang="en"/>
               <a:t>There is little that is more satisfying than finally getting a flag after ~6 hours. Anyone who has done CySCA here before can attest to that.</a:t>
+            </a:r>
+            <a:endParaRPr/>
+          </a:p>
+        </p:txBody>
+      </p:sp>
+    </p:spTree>
+  </p:cSld>
+  <p:clrMapOvr>
+    <a:masterClrMapping/>
+  </p:clrMapOvr>
+</p:sld>
+</file>
+
+<file path=ppt/slides/slide9.xml><?xml version="1.0" encoding="utf-8"?>
+<p:sld xmlns:a="http://schemas.openxmlformats.org/drawingml/2006/main" xmlns:r="http://schemas.openxmlformats.org/officeDocument/2006/relationships" xmlns:p="http://schemas.openxmlformats.org/presentationml/2006/main">
+  <p:cSld>
+    <p:spTree>
+      <p:nvGrpSpPr>
+        <p:cNvPr id="1" name="Shape 107"/>
+        <p:cNvGrpSpPr/>
+        <p:nvPr/>
+      </p:nvGrpSpPr>
+      <p:grpSpPr>
+        <a:xfrm>
+          <a:off x="0" y="0"/>
+          <a:ext cx="0" cy="0"/>
+          <a:chOff x="0" y="0"/>
+          <a:chExt cx="0" cy="0"/>
+        </a:xfrm>
+      </p:grpSpPr>
+      <p:sp>
+        <p:nvSpPr>
+          <p:cNvPr id="108" name="Shape 108"/>
+          <p:cNvSpPr txBox="1">
+            <a:spLocks noGrp="1"/>
+          </p:cNvSpPr>
+          <p:nvPr>
+            <p:ph type="title"/>
+          </p:nvPr>
+        </p:nvSpPr>
+        <p:spPr>
+          <a:xfrm>
+            <a:off x="311700" y="445025"/>
+            <a:ext cx="8520600" cy="572700"/>
+          </a:xfrm>
+          <a:prstGeom prst="rect">
+            <a:avLst/>
+          </a:prstGeom>
+        </p:spPr>
+        <p:txBody>
+          <a:bodyPr spcFirstLastPara="1" wrap="square" lIns="91425" tIns="91425" rIns="91425" bIns="91425" anchor="t" anchorCtr="0">
+            <a:noAutofit/>
+          </a:bodyPr>
+          <a:lstStyle/>
+          <a:p>
+            <a:pPr marL="0" lvl="0" indent="0">
+              <a:spcBef>
+                <a:spcPts val="0"/>
+              </a:spcBef>
+              <a:spcAft>
+                <a:spcPts val="0"/>
+              </a:spcAft>
+              <a:buNone/>
+            </a:pPr>
+            <a:r>
+              <a:rPr lang="en"/>
+              <a:t>Historical</a:t>
+            </a:r>
+            <a:endParaRPr/>
+          </a:p>
+        </p:txBody>
+      </p:sp>
+      <p:sp>
+        <p:nvSpPr>
+          <p:cNvPr id="109" name="Shape 109"/>
+          <p:cNvSpPr txBox="1">
+            <a:spLocks noGrp="1"/>
+          </p:cNvSpPr>
+          <p:nvPr>
+            <p:ph type="body" idx="1"/>
+          </p:nvPr>
+        </p:nvSpPr>
+        <p:spPr>
+          <a:xfrm>
+            <a:off x="311700" y="1152475"/>
+            <a:ext cx="8520600" cy="3416400"/>
+          </a:xfrm>
+          <a:prstGeom prst="rect">
+            <a:avLst/>
+          </a:prstGeom>
+        </p:spPr>
+        <p:txBody>
+          <a:bodyPr spcFirstLastPara="1" wrap="square" lIns="91425" tIns="91425" rIns="91425" bIns="91425" anchor="t" anchorCtr="0">
+            <a:noAutofit/>
+          </a:bodyPr>
+          <a:lstStyle/>
+          <a:p>
+            <a:pPr marL="457200" lvl="0" indent="-342900" rtl="0">
+              <a:spcBef>
+                <a:spcPts val="0"/>
+              </a:spcBef>
+              <a:spcAft>
+                <a:spcPts val="0"/>
+              </a:spcAft>
+              <a:buSzPts val="1800"/>
+              <a:buChar char="-"/>
+            </a:pPr>
+            <a:r>
+              <a:rPr lang="en"/>
+              <a:t>Samy is my Hero!</a:t>
+            </a:r>
+            <a:endParaRPr/>
+          </a:p>
+          <a:p>
+            <a:pPr marL="914400" lvl="1" indent="-317500" rtl="0">
+              <a:spcBef>
+                <a:spcPts val="0"/>
+              </a:spcBef>
+              <a:spcAft>
+                <a:spcPts val="0"/>
+              </a:spcAft>
+              <a:buSzPts val="1400"/>
+              <a:buChar char="-"/>
+            </a:pPr>
+            <a:r>
+              <a:rPr lang="en"/>
+              <a:t>Self propagating MySpace worm that changes all profile banners to “Samy is my Hero” and adding a script that would infect any other user that visited an infected page.</a:t>
+            </a:r>
+            <a:endParaRPr/>
+          </a:p>
+          <a:p>
+            <a:pPr marL="914400" lvl="1" indent="-317500" rtl="0">
+              <a:spcBef>
+                <a:spcPts val="0"/>
+              </a:spcBef>
+              <a:spcAft>
+                <a:spcPts val="0"/>
+              </a:spcAft>
+              <a:buSzPts val="1400"/>
+              <a:buChar char="-"/>
+            </a:pPr>
+            <a:r>
+              <a:rPr lang="en"/>
+              <a:t>Samy was charged with a felony and went to prison for a “harmless” hack.</a:t>
+            </a:r>
+            <a:endParaRPr/>
+          </a:p>
+          <a:p>
+            <a:pPr marL="914400" lvl="1" indent="-317500" rtl="0">
+              <a:spcBef>
+                <a:spcPts val="0"/>
+              </a:spcBef>
+              <a:spcAft>
+                <a:spcPts val="0"/>
+              </a:spcAft>
+              <a:buSzPts val="1400"/>
+              <a:buChar char="-"/>
+            </a:pPr>
+            <a:r>
+              <a:rPr lang="en"/>
+              <a:t>This also happened with TweetDeck not too long ago.</a:t>
+            </a:r>
+            <a:endParaRPr/>
+          </a:p>
+          <a:p>
+            <a:pPr marL="457200" lvl="0" indent="-342900" rtl="0">
+              <a:spcBef>
+                <a:spcPts val="0"/>
+              </a:spcBef>
+              <a:spcAft>
+                <a:spcPts val="0"/>
+              </a:spcAft>
+              <a:buSzPts val="1800"/>
+              <a:buChar char="-"/>
+            </a:pPr>
+            <a:r>
+              <a:rPr lang="en"/>
+              <a:t>In 2006, Netflix accounts could be fully compromised using CSRF.</a:t>
+            </a:r>
+            <a:endParaRPr/>
+          </a:p>
+          <a:p>
+            <a:pPr marL="457200" lvl="0" indent="-342900" rtl="0">
+              <a:spcBef>
+                <a:spcPts val="0"/>
+              </a:spcBef>
+              <a:spcAft>
+                <a:spcPts val="0"/>
+              </a:spcAft>
+              <a:buSzPts val="1800"/>
+              <a:buChar char="-"/>
+            </a:pPr>
+            <a:r>
+              <a:rPr lang="en"/>
+              <a:t>ING Direct (a bank) showed instances of illicit transfers caused by CSRF.</a:t>
+            </a:r>
+            <a:endParaRPr/>
+          </a:p>
+          <a:p>
+            <a:pPr marL="457200" lvl="0" indent="-342900" rtl="0">
+              <a:spcBef>
+                <a:spcPts val="0"/>
+              </a:spcBef>
+              <a:spcAft>
+                <a:spcPts val="0"/>
+              </a:spcAft>
+              <a:buSzPts val="1800"/>
+              <a:buChar char="-"/>
+            </a:pPr>
+            <a:r>
+              <a:rPr lang="en"/>
+              <a:t>CSRF attack on PayPal’s profile images in 2016 allowed changing a logged in user’s profile image arbitrarily.</a:t>
+            </a:r>
+            <a:endParaRPr/>
+          </a:p>
+          <a:p>
+            <a:pPr marL="457200" lvl="0" indent="-342900" rtl="0">
+              <a:spcBef>
+                <a:spcPts val="0"/>
+              </a:spcBef>
+              <a:spcAft>
+                <a:spcPts val="0"/>
+              </a:spcAft>
+              <a:buSzPts val="1800"/>
+              <a:buChar char="-"/>
+            </a:pPr>
+            <a:r>
+              <a:rPr lang="en"/>
+              <a:t>XSS is often used to steal session cookies and install JavaScript keyloggers. There are too many records of this to count.</a:t>
             </a:r>
             <a:endParaRPr/>
           </a:p>
@@ -8796,7 +8617,288 @@
 </file>
 
 <file path=ppt/theme/theme1.xml><?xml version="1.0" encoding="utf-8"?>
-<a:theme xmlns:a="http://schemas.openxmlformats.org/drawingml/2006/main" xmlns:r="http://schemas.openxmlformats.org/officeDocument/2006/relationships">
+<a:theme xmlns:a="http://schemas.openxmlformats.org/drawingml/2006/main" name="Simple Dark">
+  <a:themeElements>
+    <a:clrScheme name="Simple Dark">
+      <a:dk1>
+        <a:srgbClr val="FFFFFF"/>
+      </a:dk1>
+      <a:lt1>
+        <a:srgbClr val="212121"/>
+      </a:lt1>
+      <a:dk2>
+        <a:srgbClr val="303030"/>
+      </a:dk2>
+      <a:lt2>
+        <a:srgbClr val="ADADAD"/>
+      </a:lt2>
+      <a:accent1>
+        <a:srgbClr val="009688"/>
+      </a:accent1>
+      <a:accent2>
+        <a:srgbClr val="EEEEEE"/>
+      </a:accent2>
+      <a:accent3>
+        <a:srgbClr val="78909C"/>
+      </a:accent3>
+      <a:accent4>
+        <a:srgbClr val="FFAB40"/>
+      </a:accent4>
+      <a:accent5>
+        <a:srgbClr val="4DD0E1"/>
+      </a:accent5>
+      <a:accent6>
+        <a:srgbClr val="EEFF41"/>
+      </a:accent6>
+      <a:hlink>
+        <a:srgbClr val="4DD0E1"/>
+      </a:hlink>
+      <a:folHlink>
+        <a:srgbClr val="4DD0E1"/>
+      </a:folHlink>
+    </a:clrScheme>
+    <a:fontScheme name="Office">
+      <a:majorFont>
+        <a:latin typeface="Arial"/>
+        <a:ea typeface=""/>
+        <a:cs typeface=""/>
+        <a:font script="Jpan" typeface="ＭＳ Ｐゴシック"/>
+        <a:font script="Hang" typeface="맑은 고딕"/>
+        <a:font script="Hans" typeface="宋体"/>
+        <a:font script="Hant" typeface="新細明體"/>
+        <a:font script="Arab" typeface="Times New Roman"/>
+        <a:font script="Hebr" typeface="Times New Roman"/>
+        <a:font script="Thai" typeface="Angsana New"/>
+        <a:font script="Ethi" typeface="Nyala"/>
+        <a:font script="Beng" typeface="Vrinda"/>
+        <a:font script="Gujr" typeface="Shruti"/>
+        <a:font script="Khmr" typeface="MoolBoran"/>
+        <a:font script="Knda" typeface="Tunga"/>
+        <a:font script="Guru" typeface="Raavi"/>
+        <a:font script="Cans" typeface="Euphemia"/>
+        <a:font script="Cher" typeface="Plantagenet Cherokee"/>
+        <a:font script="Yiii" typeface="Microsoft Yi Baiti"/>
+        <a:font script="Tibt" typeface="Microsoft Himalaya"/>
+        <a:font script="Thaa" typeface="MV Boli"/>
+        <a:font script="Deva" typeface="Mangal"/>
+        <a:font script="Telu" typeface="Gautami"/>
+        <a:font script="Taml" typeface="Latha"/>
+        <a:font script="Syrc" typeface="Estrangelo Edessa"/>
+        <a:font script="Orya" typeface="Kalinga"/>
+        <a:font script="Mlym" typeface="Kartika"/>
+        <a:font script="Laoo" typeface="DokChampa"/>
+        <a:font script="Sinh" typeface="Iskoola Pota"/>
+        <a:font script="Mong" typeface="Mongolian Baiti"/>
+        <a:font script="Viet" typeface="Times New Roman"/>
+        <a:font script="Uigh" typeface="Microsoft Uighur"/>
+        <a:font script="Geor" typeface="Sylfaen"/>
+      </a:majorFont>
+      <a:minorFont>
+        <a:latin typeface="Arial"/>
+        <a:ea typeface=""/>
+        <a:cs typeface=""/>
+        <a:font script="Jpan" typeface="ＭＳ Ｐゴシック"/>
+        <a:font script="Hang" typeface="맑은 고딕"/>
+        <a:font script="Hans" typeface="宋体"/>
+        <a:font script="Hant" typeface="新細明體"/>
+        <a:font script="Arab" typeface="Arial"/>
+        <a:font script="Hebr" typeface="Arial"/>
+        <a:font script="Thai" typeface="Cordia New"/>
+        <a:font script="Ethi" typeface="Nyala"/>
+        <a:font script="Beng" typeface="Vrinda"/>
+        <a:font script="Gujr" typeface="Shruti"/>
+        <a:font script="Khmr" typeface="DaunPenh"/>
+        <a:font script="Knda" typeface="Tunga"/>
+        <a:font script="Guru" typeface="Raavi"/>
+        <a:font script="Cans" typeface="Euphemia"/>
+        <a:font script="Cher" typeface="Plantagenet Cherokee"/>
+        <a:font script="Yiii" typeface="Microsoft Yi Baiti"/>
+        <a:font script="Tibt" typeface="Microsoft Himalaya"/>
+        <a:font script="Thaa" typeface="MV Boli"/>
+        <a:font script="Deva" typeface="Mangal"/>
+        <a:font script="Telu" typeface="Gautami"/>
+        <a:font script="Taml" typeface="Latha"/>
+        <a:font script="Syrc" typeface="Estrangelo Edessa"/>
+        <a:font script="Orya" typeface="Kalinga"/>
+        <a:font script="Mlym" typeface="Kartika"/>
+        <a:font script="Laoo" typeface="DokChampa"/>
+        <a:font script="Sinh" typeface="Iskoola Pota"/>
+        <a:font script="Mong" typeface="Mongolian Baiti"/>
+        <a:font script="Viet" typeface="Arial"/>
+        <a:font script="Uigh" typeface="Microsoft Uighur"/>
+        <a:font script="Geor" typeface="Sylfaen"/>
+      </a:minorFont>
+    </a:fontScheme>
+    <a:fmtScheme name="Office">
+      <a:fillStyleLst>
+        <a:solidFill>
+          <a:schemeClr val="phClr"/>
+        </a:solidFill>
+        <a:gradFill rotWithShape="1">
+          <a:gsLst>
+            <a:gs pos="0">
+              <a:schemeClr val="phClr">
+                <a:tint val="50000"/>
+                <a:satMod val="300000"/>
+              </a:schemeClr>
+            </a:gs>
+            <a:gs pos="35000">
+              <a:schemeClr val="phClr">
+                <a:tint val="37000"/>
+                <a:satMod val="300000"/>
+              </a:schemeClr>
+            </a:gs>
+            <a:gs pos="100000">
+              <a:schemeClr val="phClr">
+                <a:tint val="15000"/>
+                <a:satMod val="350000"/>
+              </a:schemeClr>
+            </a:gs>
+          </a:gsLst>
+          <a:lin ang="16200000" scaled="1"/>
+        </a:gradFill>
+        <a:gradFill rotWithShape="1">
+          <a:gsLst>
+            <a:gs pos="0">
+              <a:schemeClr val="phClr">
+                <a:tint val="100000"/>
+                <a:shade val="100000"/>
+                <a:satMod val="130000"/>
+              </a:schemeClr>
+            </a:gs>
+            <a:gs pos="100000">
+              <a:schemeClr val="phClr">
+                <a:tint val="50000"/>
+                <a:shade val="100000"/>
+                <a:satMod val="350000"/>
+              </a:schemeClr>
+            </a:gs>
+          </a:gsLst>
+          <a:lin ang="16200000" scaled="0"/>
+        </a:gradFill>
+      </a:fillStyleLst>
+      <a:lnStyleLst>
+        <a:ln w="9525" cap="flat" cmpd="sng" algn="ctr">
+          <a:solidFill>
+            <a:schemeClr val="phClr">
+              <a:shade val="95000"/>
+              <a:satMod val="105000"/>
+            </a:schemeClr>
+          </a:solidFill>
+          <a:prstDash val="solid"/>
+        </a:ln>
+        <a:ln w="25400" cap="flat" cmpd="sng" algn="ctr">
+          <a:solidFill>
+            <a:schemeClr val="phClr"/>
+          </a:solidFill>
+          <a:prstDash val="solid"/>
+        </a:ln>
+        <a:ln w="38100" cap="flat" cmpd="sng" algn="ctr">
+          <a:solidFill>
+            <a:schemeClr val="phClr"/>
+          </a:solidFill>
+          <a:prstDash val="solid"/>
+        </a:ln>
+      </a:lnStyleLst>
+      <a:effectStyleLst>
+        <a:effectStyle>
+          <a:effectLst>
+            <a:outerShdw blurRad="40000" dist="20000" dir="5400000" rotWithShape="0">
+              <a:srgbClr val="000000">
+                <a:alpha val="38000"/>
+              </a:srgbClr>
+            </a:outerShdw>
+          </a:effectLst>
+        </a:effectStyle>
+        <a:effectStyle>
+          <a:effectLst>
+            <a:outerShdw blurRad="40000" dist="23000" dir="5400000" rotWithShape="0">
+              <a:srgbClr val="000000">
+                <a:alpha val="35000"/>
+              </a:srgbClr>
+            </a:outerShdw>
+          </a:effectLst>
+        </a:effectStyle>
+        <a:effectStyle>
+          <a:effectLst>
+            <a:outerShdw blurRad="40000" dist="23000" dir="5400000" rotWithShape="0">
+              <a:srgbClr val="000000">
+                <a:alpha val="35000"/>
+              </a:srgbClr>
+            </a:outerShdw>
+          </a:effectLst>
+          <a:scene3d>
+            <a:camera prst="orthographicFront">
+              <a:rot lat="0" lon="0" rev="0"/>
+            </a:camera>
+            <a:lightRig rig="threePt" dir="t">
+              <a:rot lat="0" lon="0" rev="1200000"/>
+            </a:lightRig>
+          </a:scene3d>
+          <a:sp3d>
+            <a:bevelT w="63500" h="25400"/>
+          </a:sp3d>
+        </a:effectStyle>
+      </a:effectStyleLst>
+      <a:bgFillStyleLst>
+        <a:solidFill>
+          <a:schemeClr val="phClr"/>
+        </a:solidFill>
+        <a:gradFill rotWithShape="1">
+          <a:gsLst>
+            <a:gs pos="0">
+              <a:schemeClr val="phClr">
+                <a:tint val="40000"/>
+                <a:satMod val="350000"/>
+              </a:schemeClr>
+            </a:gs>
+            <a:gs pos="40000">
+              <a:schemeClr val="phClr">
+                <a:tint val="45000"/>
+                <a:shade val="99000"/>
+                <a:satMod val="350000"/>
+              </a:schemeClr>
+            </a:gs>
+            <a:gs pos="100000">
+              <a:schemeClr val="phClr">
+                <a:shade val="20000"/>
+                <a:satMod val="255000"/>
+              </a:schemeClr>
+            </a:gs>
+          </a:gsLst>
+          <a:path path="circle">
+            <a:fillToRect l="50000" t="-80000" r="50000" b="180000"/>
+          </a:path>
+        </a:gradFill>
+        <a:gradFill rotWithShape="1">
+          <a:gsLst>
+            <a:gs pos="0">
+              <a:schemeClr val="phClr">
+                <a:tint val="80000"/>
+                <a:satMod val="300000"/>
+              </a:schemeClr>
+            </a:gs>
+            <a:gs pos="100000">
+              <a:schemeClr val="phClr">
+                <a:shade val="30000"/>
+                <a:satMod val="200000"/>
+              </a:schemeClr>
+            </a:gs>
+          </a:gsLst>
+          <a:path path="circle">
+            <a:fillToRect l="50000" t="50000" r="50000" b="50000"/>
+          </a:path>
+        </a:gradFill>
+      </a:bgFillStyleLst>
+    </a:fmtScheme>
+  </a:themeElements>
+  <a:objectDefaults/>
+  <a:extraClrSchemeLst/>
+</a:theme>
+</file>
+
+<file path=ppt/theme/theme2.xml><?xml version="1.0" encoding="utf-8"?>
+<a:theme xmlns:a="http://schemas.openxmlformats.org/drawingml/2006/main">
   <a:themeElements>
     <a:clrScheme name="Default">
       <a:dk1>
@@ -9071,284 +9173,7 @@
       </a:bgFillStyleLst>
     </a:fmtScheme>
   </a:themeElements>
-</a:theme>
-</file>
-
-<file path=ppt/theme/theme2.xml><?xml version="1.0" encoding="utf-8"?>
-<a:theme xmlns:a="http://schemas.openxmlformats.org/drawingml/2006/main" xmlns:r="http://schemas.openxmlformats.org/officeDocument/2006/relationships" name="Simple Dark">
-  <a:themeElements>
-    <a:clrScheme name="Simple Dark">
-      <a:dk1>
-        <a:srgbClr val="FFFFFF"/>
-      </a:dk1>
-      <a:lt1>
-        <a:srgbClr val="212121"/>
-      </a:lt1>
-      <a:dk2>
-        <a:srgbClr val="303030"/>
-      </a:dk2>
-      <a:lt2>
-        <a:srgbClr val="ADADAD"/>
-      </a:lt2>
-      <a:accent1>
-        <a:srgbClr val="009688"/>
-      </a:accent1>
-      <a:accent2>
-        <a:srgbClr val="EEEEEE"/>
-      </a:accent2>
-      <a:accent3>
-        <a:srgbClr val="78909C"/>
-      </a:accent3>
-      <a:accent4>
-        <a:srgbClr val="FFAB40"/>
-      </a:accent4>
-      <a:accent5>
-        <a:srgbClr val="4DD0E1"/>
-      </a:accent5>
-      <a:accent6>
-        <a:srgbClr val="EEFF41"/>
-      </a:accent6>
-      <a:hlink>
-        <a:srgbClr val="4DD0E1"/>
-      </a:hlink>
-      <a:folHlink>
-        <a:srgbClr val="4DD0E1"/>
-      </a:folHlink>
-    </a:clrScheme>
-    <a:fontScheme name="Office">
-      <a:majorFont>
-        <a:latin typeface="Arial"/>
-        <a:ea typeface=""/>
-        <a:cs typeface=""/>
-        <a:font script="Jpan" typeface="ＭＳ Ｐゴシック"/>
-        <a:font script="Hang" typeface="맑은 고딕"/>
-        <a:font script="Hans" typeface="宋体"/>
-        <a:font script="Hant" typeface="新細明體"/>
-        <a:font script="Arab" typeface="Times New Roman"/>
-        <a:font script="Hebr" typeface="Times New Roman"/>
-        <a:font script="Thai" typeface="Angsana New"/>
-        <a:font script="Ethi" typeface="Nyala"/>
-        <a:font script="Beng" typeface="Vrinda"/>
-        <a:font script="Gujr" typeface="Shruti"/>
-        <a:font script="Khmr" typeface="MoolBoran"/>
-        <a:font script="Knda" typeface="Tunga"/>
-        <a:font script="Guru" typeface="Raavi"/>
-        <a:font script="Cans" typeface="Euphemia"/>
-        <a:font script="Cher" typeface="Plantagenet Cherokee"/>
-        <a:font script="Yiii" typeface="Microsoft Yi Baiti"/>
-        <a:font script="Tibt" typeface="Microsoft Himalaya"/>
-        <a:font script="Thaa" typeface="MV Boli"/>
-        <a:font script="Deva" typeface="Mangal"/>
-        <a:font script="Telu" typeface="Gautami"/>
-        <a:font script="Taml" typeface="Latha"/>
-        <a:font script="Syrc" typeface="Estrangelo Edessa"/>
-        <a:font script="Orya" typeface="Kalinga"/>
-        <a:font script="Mlym" typeface="Kartika"/>
-        <a:font script="Laoo" typeface="DokChampa"/>
-        <a:font script="Sinh" typeface="Iskoola Pota"/>
-        <a:font script="Mong" typeface="Mongolian Baiti"/>
-        <a:font script="Viet" typeface="Times New Roman"/>
-        <a:font script="Uigh" typeface="Microsoft Uighur"/>
-        <a:font script="Geor" typeface="Sylfaen"/>
-      </a:majorFont>
-      <a:minorFont>
-        <a:latin typeface="Arial"/>
-        <a:ea typeface=""/>
-        <a:cs typeface=""/>
-        <a:font script="Jpan" typeface="ＭＳ Ｐゴシック"/>
-        <a:font script="Hang" typeface="맑은 고딕"/>
-        <a:font script="Hans" typeface="宋体"/>
-        <a:font script="Hant" typeface="新細明體"/>
-        <a:font script="Arab" typeface="Arial"/>
-        <a:font script="Hebr" typeface="Arial"/>
-        <a:font script="Thai" typeface="Cordia New"/>
-        <a:font script="Ethi" typeface="Nyala"/>
-        <a:font script="Beng" typeface="Vrinda"/>
-        <a:font script="Gujr" typeface="Shruti"/>
-        <a:font script="Khmr" typeface="DaunPenh"/>
-        <a:font script="Knda" typeface="Tunga"/>
-        <a:font script="Guru" typeface="Raavi"/>
-        <a:font script="Cans" typeface="Euphemia"/>
-        <a:font script="Cher" typeface="Plantagenet Cherokee"/>
-        <a:font script="Yiii" typeface="Microsoft Yi Baiti"/>
-        <a:font script="Tibt" typeface="Microsoft Himalaya"/>
-        <a:font script="Thaa" typeface="MV Boli"/>
-        <a:font script="Deva" typeface="Mangal"/>
-        <a:font script="Telu" typeface="Gautami"/>
-        <a:font script="Taml" typeface="Latha"/>
-        <a:font script="Syrc" typeface="Estrangelo Edessa"/>
-        <a:font script="Orya" typeface="Kalinga"/>
-        <a:font script="Mlym" typeface="Kartika"/>
-        <a:font script="Laoo" typeface="DokChampa"/>
-        <a:font script="Sinh" typeface="Iskoola Pota"/>
-        <a:font script="Mong" typeface="Mongolian Baiti"/>
-        <a:font script="Viet" typeface="Arial"/>
-        <a:font script="Uigh" typeface="Microsoft Uighur"/>
-        <a:font script="Geor" typeface="Sylfaen"/>
-      </a:minorFont>
-    </a:fontScheme>
-    <a:fmtScheme name="Office">
-      <a:fillStyleLst>
-        <a:solidFill>
-          <a:schemeClr val="phClr"/>
-        </a:solidFill>
-        <a:gradFill rotWithShape="1">
-          <a:gsLst>
-            <a:gs pos="0">
-              <a:schemeClr val="phClr">
-                <a:tint val="50000"/>
-                <a:satMod val="300000"/>
-              </a:schemeClr>
-            </a:gs>
-            <a:gs pos="35000">
-              <a:schemeClr val="phClr">
-                <a:tint val="37000"/>
-                <a:satMod val="300000"/>
-              </a:schemeClr>
-            </a:gs>
-            <a:gs pos="100000">
-              <a:schemeClr val="phClr">
-                <a:tint val="15000"/>
-                <a:satMod val="350000"/>
-              </a:schemeClr>
-            </a:gs>
-          </a:gsLst>
-          <a:lin ang="16200000" scaled="1"/>
-        </a:gradFill>
-        <a:gradFill rotWithShape="1">
-          <a:gsLst>
-            <a:gs pos="0">
-              <a:schemeClr val="phClr">
-                <a:tint val="100000"/>
-                <a:shade val="100000"/>
-                <a:satMod val="130000"/>
-              </a:schemeClr>
-            </a:gs>
-            <a:gs pos="100000">
-              <a:schemeClr val="phClr">
-                <a:tint val="50000"/>
-                <a:shade val="100000"/>
-                <a:satMod val="350000"/>
-              </a:schemeClr>
-            </a:gs>
-          </a:gsLst>
-          <a:lin ang="16200000" scaled="0"/>
-        </a:gradFill>
-      </a:fillStyleLst>
-      <a:lnStyleLst>
-        <a:ln w="9525" cap="flat" cmpd="sng" algn="ctr">
-          <a:solidFill>
-            <a:schemeClr val="phClr">
-              <a:shade val="95000"/>
-              <a:satMod val="105000"/>
-            </a:schemeClr>
-          </a:solidFill>
-          <a:prstDash val="solid"/>
-        </a:ln>
-        <a:ln w="25400" cap="flat" cmpd="sng" algn="ctr">
-          <a:solidFill>
-            <a:schemeClr val="phClr"/>
-          </a:solidFill>
-          <a:prstDash val="solid"/>
-        </a:ln>
-        <a:ln w="38100" cap="flat" cmpd="sng" algn="ctr">
-          <a:solidFill>
-            <a:schemeClr val="phClr"/>
-          </a:solidFill>
-          <a:prstDash val="solid"/>
-        </a:ln>
-      </a:lnStyleLst>
-      <a:effectStyleLst>
-        <a:effectStyle>
-          <a:effectLst>
-            <a:outerShdw blurRad="40000" dist="20000" dir="5400000" rotWithShape="0">
-              <a:srgbClr val="000000">
-                <a:alpha val="38000"/>
-              </a:srgbClr>
-            </a:outerShdw>
-          </a:effectLst>
-        </a:effectStyle>
-        <a:effectStyle>
-          <a:effectLst>
-            <a:outerShdw blurRad="40000" dist="23000" dir="5400000" rotWithShape="0">
-              <a:srgbClr val="000000">
-                <a:alpha val="35000"/>
-              </a:srgbClr>
-            </a:outerShdw>
-          </a:effectLst>
-        </a:effectStyle>
-        <a:effectStyle>
-          <a:effectLst>
-            <a:outerShdw blurRad="40000" dist="23000" dir="5400000" rotWithShape="0">
-              <a:srgbClr val="000000">
-                <a:alpha val="35000"/>
-              </a:srgbClr>
-            </a:outerShdw>
-          </a:effectLst>
-          <a:scene3d>
-            <a:camera prst="orthographicFront">
-              <a:rot lat="0" lon="0" rev="0"/>
-            </a:camera>
-            <a:lightRig rig="threePt" dir="t">
-              <a:rot lat="0" lon="0" rev="1200000"/>
-            </a:lightRig>
-          </a:scene3d>
-          <a:sp3d>
-            <a:bevelT w="63500" h="25400"/>
-          </a:sp3d>
-        </a:effectStyle>
-      </a:effectStyleLst>
-      <a:bgFillStyleLst>
-        <a:solidFill>
-          <a:schemeClr val="phClr"/>
-        </a:solidFill>
-        <a:gradFill rotWithShape="1">
-          <a:gsLst>
-            <a:gs pos="0">
-              <a:schemeClr val="phClr">
-                <a:tint val="40000"/>
-                <a:satMod val="350000"/>
-              </a:schemeClr>
-            </a:gs>
-            <a:gs pos="40000">
-              <a:schemeClr val="phClr">
-                <a:tint val="45000"/>
-                <a:shade val="99000"/>
-                <a:satMod val="350000"/>
-              </a:schemeClr>
-            </a:gs>
-            <a:gs pos="100000">
-              <a:schemeClr val="phClr">
-                <a:shade val="20000"/>
-                <a:satMod val="255000"/>
-              </a:schemeClr>
-            </a:gs>
-          </a:gsLst>
-          <a:path path="circle">
-            <a:fillToRect l="50000" t="-80000" r="50000" b="180000"/>
-          </a:path>
-        </a:gradFill>
-        <a:gradFill rotWithShape="1">
-          <a:gsLst>
-            <a:gs pos="0">
-              <a:schemeClr val="phClr">
-                <a:tint val="80000"/>
-                <a:satMod val="300000"/>
-              </a:schemeClr>
-            </a:gs>
-            <a:gs pos="100000">
-              <a:schemeClr val="phClr">
-                <a:shade val="30000"/>
-                <a:satMod val="200000"/>
-              </a:schemeClr>
-            </a:gs>
-          </a:gsLst>
-          <a:path path="circle">
-            <a:fillToRect l="50000" t="50000" r="50000" b="50000"/>
-          </a:path>
-        </a:gradFill>
-      </a:bgFillStyleLst>
-    </a:fmtScheme>
-  </a:themeElements>
+  <a:objectDefaults/>
+  <a:extraClrSchemeLst/>
 </a:theme>
 </file>
--- a/Workshop_4/Session 4_ XSS and CSRF.pptx
+++ b/Workshop_4/Session 4_ XSS and CSRF.pptx
@@ -1059,7 +1059,7 @@
         </p:nvSpPr>
         <p:spPr>
           <a:xfrm>
-            <a:off x="381300" y="685800"/>
+            <a:off x="381000" y="685800"/>
             <a:ext cx="6096000" cy="3429000"/>
           </a:xfrm>
           <a:custGeom>
@@ -7290,10 +7290,10 @@
               <a:buNone/>
             </a:pPr>
             <a:r>
-              <a:rPr lang="en"/>
+              <a:rPr lang="en" dirty="0"/>
               <a:t>Today, we will:</a:t>
             </a:r>
-            <a:endParaRPr/>
+            <a:endParaRPr dirty="0"/>
           </a:p>
           <a:p>
             <a:pPr marL="457200" lvl="0" indent="-342900" rtl="0">
@@ -7307,15 +7307,15 @@
               <a:buChar char="-"/>
             </a:pPr>
             <a:r>
-              <a:rPr lang="en"/>
-              <a:t>Learn about XSS attacks and use them to create phishing pages, create keyloggers, and capture login secrets.</a:t>
+              <a:rPr lang="en" dirty="0"/>
+              <a:t>Learn about XSS attacks </a:t>
             </a:r>
-            <a:endParaRPr/>
+            <a:endParaRPr lang="en-US" dirty="0" smtClean="0"/>
           </a:p>
           <a:p>
             <a:pPr marL="457200" lvl="0" indent="-342900" rtl="0">
               <a:spcBef>
-                <a:spcPts val="0"/>
+                <a:spcPts val="1600"/>
               </a:spcBef>
               <a:spcAft>
                 <a:spcPts val="0"/>
@@ -7324,27 +7324,14 @@
               <a:buChar char="-"/>
             </a:pPr>
             <a:r>
-              <a:rPr lang="en"/>
-              <a:t>Learn about CSRF attacks and how to execute them in conjunction with spear phishing.</a:t>
+              <a:rPr lang="en" dirty="0" smtClean="0"/>
+              <a:t>Briefly </a:t>
             </a:r>
-            <a:endParaRPr/>
-          </a:p>
-          <a:p>
-            <a:pPr marL="457200" lvl="0" indent="-342900">
-              <a:spcBef>
-                <a:spcPts val="0"/>
-              </a:spcBef>
-              <a:spcAft>
-                <a:spcPts val="0"/>
-              </a:spcAft>
-              <a:buSzPts val="1800"/>
-              <a:buChar char="-"/>
-            </a:pPr>
             <a:r>
-              <a:rPr lang="en"/>
-              <a:t>Briefly discuss mitigation for both attacks.</a:t>
+              <a:rPr lang="en" dirty="0"/>
+              <a:t>discuss mitigation for both attacks.</a:t>
             </a:r>
-            <a:endParaRPr/>
+            <a:endParaRPr dirty="0"/>
           </a:p>
         </p:txBody>
       </p:sp>
